--- a/Northwind.pptx
+++ b/Northwind.pptx
@@ -4488,7 +4488,12 @@
             <p:ph idx="13"/>
           </p:nvPr>
         </p:nvSpPr>
-        <p:spPr/>
+        <p:spPr>
+          <a:xfrm>
+            <a:off x="798513" y="1257300"/>
+            <a:ext cx="10287000" cy="4190999"/>
+          </a:xfrm>
+        </p:spPr>
         <p:txBody>
           <a:bodyPr/>
           <a:lstStyle/>
@@ -4500,44 +4505,103 @@
               <a:rPr lang="en-US" dirty="0"/>
               <a:t>The Northwind database:</a:t>
             </a:r>
-          </a:p>
-          <a:p>
-            <a:pPr lvl="1"/>
-            <a:r>
+            <a:br>
               <a:rPr lang="en-US" dirty="0"/>
+            </a:br>
+            <a:endParaRPr lang="en-US" dirty="0"/>
+          </a:p>
+          <a:p>
+            <a:pPr lvl="1">
+              <a:buFont typeface="Arial" panose="020B0604020202020204" pitchFamily="34" charset="0"/>
+              <a:buChar char="•"/>
+            </a:pPr>
+            <a:r>
+              <a:rPr lang="en-US" sz="2800" dirty="0"/>
               <a:t>91 customers in 21 countries</a:t>
             </a:r>
           </a:p>
           <a:p>
-            <a:pPr lvl="1"/>
-            <a:r>
-              <a:rPr lang="en-US" dirty="0"/>
-              <a:t>77 food products from 29 suppliers</a:t>
-            </a:r>
-          </a:p>
-          <a:p>
-            <a:pPr lvl="1"/>
-            <a:r>
-              <a:rPr lang="en-US" dirty="0"/>
+            <a:pPr lvl="1">
+              <a:buFont typeface="Arial" panose="020B0604020202020204" pitchFamily="34" charset="0"/>
+              <a:buChar char="•"/>
+            </a:pPr>
+            <a:r>
+              <a:rPr lang="en-US" sz="2800" dirty="0"/>
+              <a:t>77 food products from 29 global suppliers</a:t>
+            </a:r>
+          </a:p>
+          <a:p>
+            <a:pPr lvl="1">
+              <a:buFont typeface="Arial" panose="020B0604020202020204" pitchFamily="34" charset="0"/>
+              <a:buChar char="•"/>
+            </a:pPr>
+            <a:r>
+              <a:rPr lang="en-US" sz="2800" dirty="0"/>
               <a:t>2,155 product sales spanning 18 months</a:t>
             </a:r>
           </a:p>
           <a:p>
-            <a:pPr lvl="1"/>
-            <a:r>
-              <a:rPr lang="en-US" dirty="0"/>
-              <a:t>9 Northwind sales employees</a:t>
-            </a:r>
-          </a:p>
-          <a:p>
-            <a:pPr lvl="1"/>
-            <a:r>
-              <a:rPr lang="en-US" dirty="0"/>
-              <a:t>51,317 units sold, generating $1,265,793 in revenue</a:t>
+            <a:pPr lvl="1">
+              <a:buFont typeface="Arial" panose="020B0604020202020204" pitchFamily="34" charset="0"/>
+              <a:buChar char="•"/>
+            </a:pPr>
+            <a:r>
+              <a:rPr lang="en-US" sz="2800" dirty="0"/>
+              <a:t>9 Northwind salespersons</a:t>
+            </a:r>
+          </a:p>
+          <a:p>
+            <a:pPr lvl="1">
+              <a:buFont typeface="Arial" panose="020B0604020202020204" pitchFamily="34" charset="0"/>
+              <a:buChar char="•"/>
+            </a:pPr>
+            <a:r>
+              <a:rPr lang="en-US" sz="2800" dirty="0"/>
+              <a:t>51,317 units sold</a:t>
+            </a:r>
+          </a:p>
+          <a:p>
+            <a:pPr lvl="1">
+              <a:buFont typeface="Arial" panose="020B0604020202020204" pitchFamily="34" charset="0"/>
+              <a:buChar char="•"/>
+            </a:pPr>
+            <a:r>
+              <a:rPr lang="en-US" sz="2800" dirty="0"/>
+              <a:t>$1,265,793 in revenue</a:t>
             </a:r>
           </a:p>
         </p:txBody>
       </p:sp>
+      <p:pic>
+        <p:nvPicPr>
+          <p:cNvPr id="6" name="Picture 5">
+            <a:extLst>
+              <a:ext uri="{FF2B5EF4-FFF2-40B4-BE49-F238E27FC236}">
+                <a16:creationId xmlns:a16="http://schemas.microsoft.com/office/drawing/2014/main" id="{8887AB95-5E40-414C-AFC6-C9EF3EAD94AE}"/>
+              </a:ext>
+            </a:extLst>
+          </p:cNvPr>
+          <p:cNvPicPr>
+            <a:picLocks noChangeAspect="1"/>
+          </p:cNvPicPr>
+          <p:nvPr/>
+        </p:nvPicPr>
+        <p:blipFill>
+          <a:blip r:embed="rId2"/>
+          <a:stretch>
+            <a:fillRect/>
+          </a:stretch>
+        </p:blipFill>
+        <p:spPr>
+          <a:xfrm>
+            <a:off x="6979142" y="0"/>
+            <a:ext cx="5209683" cy="2200275"/>
+          </a:xfrm>
+          <a:prstGeom prst="rect">
+            <a:avLst/>
+          </a:prstGeom>
+        </p:spPr>
+      </p:pic>
     </p:spTree>
     <p:extLst>
       <p:ext uri="{BB962C8B-B14F-4D97-AF65-F5344CB8AC3E}">
@@ -4560,6 +4624,966 @@
       </p:transition>
     </mc:Fallback>
   </mc:AlternateContent>
+  <p:timing>
+    <p:tnLst>
+      <p:par>
+        <p:cTn id="1" dur="indefinite" restart="never" nodeType="tmRoot">
+          <p:childTnLst>
+            <p:seq concurrent="1" nextAc="seek">
+              <p:cTn id="2" dur="indefinite" nodeType="mainSeq">
+                <p:childTnLst>
+                  <p:par>
+                    <p:cTn id="3" fill="hold">
+                      <p:stCondLst>
+                        <p:cond delay="indefinite"/>
+                        <p:cond evt="onBegin" delay="0">
+                          <p:tn val="2"/>
+                        </p:cond>
+                      </p:stCondLst>
+                      <p:childTnLst>
+                        <p:par>
+                          <p:cTn id="4" fill="hold">
+                            <p:stCondLst>
+                              <p:cond delay="0"/>
+                            </p:stCondLst>
+                            <p:childTnLst>
+                              <p:par>
+                                <p:cTn id="5" presetID="42" presetClass="entr" presetSubtype="0" fill="hold" grpId="0" nodeType="afterEffect">
+                                  <p:stCondLst>
+                                    <p:cond delay="0"/>
+                                  </p:stCondLst>
+                                  <p:childTnLst>
+                                    <p:set>
+                                      <p:cBhvr>
+                                        <p:cTn id="6" dur="1" fill="hold">
+                                          <p:stCondLst>
+                                            <p:cond delay="0"/>
+                                          </p:stCondLst>
+                                        </p:cTn>
+                                        <p:tgtEl>
+                                          <p:spTgt spid="2"/>
+                                        </p:tgtEl>
+                                        <p:attrNameLst>
+                                          <p:attrName>style.visibility</p:attrName>
+                                        </p:attrNameLst>
+                                      </p:cBhvr>
+                                      <p:to>
+                                        <p:strVal val="visible"/>
+                                      </p:to>
+                                    </p:set>
+                                    <p:animEffect transition="in" filter="fade">
+                                      <p:cBhvr>
+                                        <p:cTn id="7" dur="1000"/>
+                                        <p:tgtEl>
+                                          <p:spTgt spid="2"/>
+                                        </p:tgtEl>
+                                      </p:cBhvr>
+                                    </p:animEffect>
+                                    <p:anim calcmode="lin" valueType="num">
+                                      <p:cBhvr>
+                                        <p:cTn id="8" dur="1000" fill="hold"/>
+                                        <p:tgtEl>
+                                          <p:spTgt spid="2"/>
+                                        </p:tgtEl>
+                                        <p:attrNameLst>
+                                          <p:attrName>ppt_x</p:attrName>
+                                        </p:attrNameLst>
+                                      </p:cBhvr>
+                                      <p:tavLst>
+                                        <p:tav tm="0">
+                                          <p:val>
+                                            <p:strVal val="#ppt_x"/>
+                                          </p:val>
+                                        </p:tav>
+                                        <p:tav tm="100000">
+                                          <p:val>
+                                            <p:strVal val="#ppt_x"/>
+                                          </p:val>
+                                        </p:tav>
+                                      </p:tavLst>
+                                    </p:anim>
+                                    <p:anim calcmode="lin" valueType="num">
+                                      <p:cBhvr>
+                                        <p:cTn id="9" dur="1000" fill="hold"/>
+                                        <p:tgtEl>
+                                          <p:spTgt spid="2"/>
+                                        </p:tgtEl>
+                                        <p:attrNameLst>
+                                          <p:attrName>ppt_y</p:attrName>
+                                        </p:attrNameLst>
+                                      </p:cBhvr>
+                                      <p:tavLst>
+                                        <p:tav tm="0">
+                                          <p:val>
+                                            <p:strVal val="#ppt_y+.1"/>
+                                          </p:val>
+                                        </p:tav>
+                                        <p:tav tm="100000">
+                                          <p:val>
+                                            <p:strVal val="#ppt_y"/>
+                                          </p:val>
+                                        </p:tav>
+                                      </p:tavLst>
+                                    </p:anim>
+                                  </p:childTnLst>
+                                </p:cTn>
+                              </p:par>
+                            </p:childTnLst>
+                          </p:cTn>
+                        </p:par>
+                        <p:par>
+                          <p:cTn id="10" fill="hold">
+                            <p:stCondLst>
+                              <p:cond delay="1000"/>
+                            </p:stCondLst>
+                            <p:childTnLst>
+                              <p:par>
+                                <p:cTn id="11" presetID="2" presetClass="entr" presetSubtype="2" fill="hold" nodeType="afterEffect">
+                                  <p:stCondLst>
+                                    <p:cond delay="500"/>
+                                  </p:stCondLst>
+                                  <p:childTnLst>
+                                    <p:set>
+                                      <p:cBhvr>
+                                        <p:cTn id="12" dur="1" fill="hold">
+                                          <p:stCondLst>
+                                            <p:cond delay="0"/>
+                                          </p:stCondLst>
+                                        </p:cTn>
+                                        <p:tgtEl>
+                                          <p:spTgt spid="6"/>
+                                        </p:tgtEl>
+                                        <p:attrNameLst>
+                                          <p:attrName>style.visibility</p:attrName>
+                                        </p:attrNameLst>
+                                      </p:cBhvr>
+                                      <p:to>
+                                        <p:strVal val="visible"/>
+                                      </p:to>
+                                    </p:set>
+                                    <p:anim calcmode="lin" valueType="num">
+                                      <p:cBhvr additive="base">
+                                        <p:cTn id="13" dur="1250" fill="hold"/>
+                                        <p:tgtEl>
+                                          <p:spTgt spid="6"/>
+                                        </p:tgtEl>
+                                        <p:attrNameLst>
+                                          <p:attrName>ppt_x</p:attrName>
+                                        </p:attrNameLst>
+                                      </p:cBhvr>
+                                      <p:tavLst>
+                                        <p:tav tm="0">
+                                          <p:val>
+                                            <p:strVal val="1+#ppt_w/2"/>
+                                          </p:val>
+                                        </p:tav>
+                                        <p:tav tm="100000">
+                                          <p:val>
+                                            <p:strVal val="#ppt_x"/>
+                                          </p:val>
+                                        </p:tav>
+                                      </p:tavLst>
+                                    </p:anim>
+                                    <p:anim calcmode="lin" valueType="num">
+                                      <p:cBhvr additive="base">
+                                        <p:cTn id="14" dur="1250" fill="hold"/>
+                                        <p:tgtEl>
+                                          <p:spTgt spid="6"/>
+                                        </p:tgtEl>
+                                        <p:attrNameLst>
+                                          <p:attrName>ppt_y</p:attrName>
+                                        </p:attrNameLst>
+                                      </p:cBhvr>
+                                      <p:tavLst>
+                                        <p:tav tm="0">
+                                          <p:val>
+                                            <p:strVal val="#ppt_y"/>
+                                          </p:val>
+                                        </p:tav>
+                                        <p:tav tm="100000">
+                                          <p:val>
+                                            <p:strVal val="#ppt_y"/>
+                                          </p:val>
+                                        </p:tav>
+                                      </p:tavLst>
+                                    </p:anim>
+                                  </p:childTnLst>
+                                </p:cTn>
+                              </p:par>
+                            </p:childTnLst>
+                          </p:cTn>
+                        </p:par>
+                        <p:par>
+                          <p:cTn id="15" fill="hold">
+                            <p:stCondLst>
+                              <p:cond delay="2750"/>
+                            </p:stCondLst>
+                            <p:childTnLst>
+                              <p:par>
+                                <p:cTn id="16" presetID="42" presetClass="entr" presetSubtype="0" fill="hold" grpId="0" nodeType="afterEffect">
+                                  <p:stCondLst>
+                                    <p:cond delay="750"/>
+                                  </p:stCondLst>
+                                  <p:childTnLst>
+                                    <p:set>
+                                      <p:cBhvr>
+                                        <p:cTn id="17" dur="1" fill="hold">
+                                          <p:stCondLst>
+                                            <p:cond delay="0"/>
+                                          </p:stCondLst>
+                                        </p:cTn>
+                                        <p:tgtEl>
+                                          <p:spTgt spid="3">
+                                            <p:txEl>
+                                              <p:pRg st="0" end="0"/>
+                                            </p:txEl>
+                                          </p:spTgt>
+                                        </p:tgtEl>
+                                        <p:attrNameLst>
+                                          <p:attrName>style.visibility</p:attrName>
+                                        </p:attrNameLst>
+                                      </p:cBhvr>
+                                      <p:to>
+                                        <p:strVal val="visible"/>
+                                      </p:to>
+                                    </p:set>
+                                    <p:animEffect transition="in" filter="fade">
+                                      <p:cBhvr>
+                                        <p:cTn id="18" dur="1000"/>
+                                        <p:tgtEl>
+                                          <p:spTgt spid="3">
+                                            <p:txEl>
+                                              <p:pRg st="0" end="0"/>
+                                            </p:txEl>
+                                          </p:spTgt>
+                                        </p:tgtEl>
+                                      </p:cBhvr>
+                                    </p:animEffect>
+                                    <p:anim calcmode="lin" valueType="num">
+                                      <p:cBhvr>
+                                        <p:cTn id="19" dur="1000" fill="hold"/>
+                                        <p:tgtEl>
+                                          <p:spTgt spid="3">
+                                            <p:txEl>
+                                              <p:pRg st="0" end="0"/>
+                                            </p:txEl>
+                                          </p:spTgt>
+                                        </p:tgtEl>
+                                        <p:attrNameLst>
+                                          <p:attrName>ppt_x</p:attrName>
+                                        </p:attrNameLst>
+                                      </p:cBhvr>
+                                      <p:tavLst>
+                                        <p:tav tm="0">
+                                          <p:val>
+                                            <p:strVal val="#ppt_x"/>
+                                          </p:val>
+                                        </p:tav>
+                                        <p:tav tm="100000">
+                                          <p:val>
+                                            <p:strVal val="#ppt_x"/>
+                                          </p:val>
+                                        </p:tav>
+                                      </p:tavLst>
+                                    </p:anim>
+                                    <p:anim calcmode="lin" valueType="num">
+                                      <p:cBhvr>
+                                        <p:cTn id="20" dur="1000" fill="hold"/>
+                                        <p:tgtEl>
+                                          <p:spTgt spid="3">
+                                            <p:txEl>
+                                              <p:pRg st="0" end="0"/>
+                                            </p:txEl>
+                                          </p:spTgt>
+                                        </p:tgtEl>
+                                        <p:attrNameLst>
+                                          <p:attrName>ppt_y</p:attrName>
+                                        </p:attrNameLst>
+                                      </p:cBhvr>
+                                      <p:tavLst>
+                                        <p:tav tm="0">
+                                          <p:val>
+                                            <p:strVal val="#ppt_y+.1"/>
+                                          </p:val>
+                                        </p:tav>
+                                        <p:tav tm="100000">
+                                          <p:val>
+                                            <p:strVal val="#ppt_y"/>
+                                          </p:val>
+                                        </p:tav>
+                                      </p:tavLst>
+                                    </p:anim>
+                                  </p:childTnLst>
+                                </p:cTn>
+                              </p:par>
+                            </p:childTnLst>
+                          </p:cTn>
+                        </p:par>
+                        <p:par>
+                          <p:cTn id="21" fill="hold">
+                            <p:stCondLst>
+                              <p:cond delay="4500"/>
+                            </p:stCondLst>
+                            <p:childTnLst>
+                              <p:par>
+                                <p:cTn id="22" presetID="42" presetClass="entr" presetSubtype="0" fill="hold" grpId="0" nodeType="afterEffect">
+                                  <p:stCondLst>
+                                    <p:cond delay="250"/>
+                                  </p:stCondLst>
+                                  <p:childTnLst>
+                                    <p:set>
+                                      <p:cBhvr>
+                                        <p:cTn id="23" dur="1" fill="hold">
+                                          <p:stCondLst>
+                                            <p:cond delay="0"/>
+                                          </p:stCondLst>
+                                        </p:cTn>
+                                        <p:tgtEl>
+                                          <p:spTgt spid="3">
+                                            <p:txEl>
+                                              <p:pRg st="1" end="1"/>
+                                            </p:txEl>
+                                          </p:spTgt>
+                                        </p:tgtEl>
+                                        <p:attrNameLst>
+                                          <p:attrName>style.visibility</p:attrName>
+                                        </p:attrNameLst>
+                                      </p:cBhvr>
+                                      <p:to>
+                                        <p:strVal val="visible"/>
+                                      </p:to>
+                                    </p:set>
+                                    <p:animEffect transition="in" filter="fade">
+                                      <p:cBhvr>
+                                        <p:cTn id="24" dur="1000"/>
+                                        <p:tgtEl>
+                                          <p:spTgt spid="3">
+                                            <p:txEl>
+                                              <p:pRg st="1" end="1"/>
+                                            </p:txEl>
+                                          </p:spTgt>
+                                        </p:tgtEl>
+                                      </p:cBhvr>
+                                    </p:animEffect>
+                                    <p:anim calcmode="lin" valueType="num">
+                                      <p:cBhvr>
+                                        <p:cTn id="25" dur="1000" fill="hold"/>
+                                        <p:tgtEl>
+                                          <p:spTgt spid="3">
+                                            <p:txEl>
+                                              <p:pRg st="1" end="1"/>
+                                            </p:txEl>
+                                          </p:spTgt>
+                                        </p:tgtEl>
+                                        <p:attrNameLst>
+                                          <p:attrName>ppt_x</p:attrName>
+                                        </p:attrNameLst>
+                                      </p:cBhvr>
+                                      <p:tavLst>
+                                        <p:tav tm="0">
+                                          <p:val>
+                                            <p:strVal val="#ppt_x"/>
+                                          </p:val>
+                                        </p:tav>
+                                        <p:tav tm="100000">
+                                          <p:val>
+                                            <p:strVal val="#ppt_x"/>
+                                          </p:val>
+                                        </p:tav>
+                                      </p:tavLst>
+                                    </p:anim>
+                                    <p:anim calcmode="lin" valueType="num">
+                                      <p:cBhvr>
+                                        <p:cTn id="26" dur="1000" fill="hold"/>
+                                        <p:tgtEl>
+                                          <p:spTgt spid="3">
+                                            <p:txEl>
+                                              <p:pRg st="1" end="1"/>
+                                            </p:txEl>
+                                          </p:spTgt>
+                                        </p:tgtEl>
+                                        <p:attrNameLst>
+                                          <p:attrName>ppt_y</p:attrName>
+                                        </p:attrNameLst>
+                                      </p:cBhvr>
+                                      <p:tavLst>
+                                        <p:tav tm="0">
+                                          <p:val>
+                                            <p:strVal val="#ppt_y+.1"/>
+                                          </p:val>
+                                        </p:tav>
+                                        <p:tav tm="100000">
+                                          <p:val>
+                                            <p:strVal val="#ppt_y"/>
+                                          </p:val>
+                                        </p:tav>
+                                      </p:tavLst>
+                                    </p:anim>
+                                  </p:childTnLst>
+                                </p:cTn>
+                              </p:par>
+                            </p:childTnLst>
+                          </p:cTn>
+                        </p:par>
+                        <p:par>
+                          <p:cTn id="27" fill="hold">
+                            <p:stCondLst>
+                              <p:cond delay="5750"/>
+                            </p:stCondLst>
+                            <p:childTnLst>
+                              <p:par>
+                                <p:cTn id="28" presetID="42" presetClass="entr" presetSubtype="0" fill="hold" grpId="0" nodeType="afterEffect">
+                                  <p:stCondLst>
+                                    <p:cond delay="250"/>
+                                  </p:stCondLst>
+                                  <p:childTnLst>
+                                    <p:set>
+                                      <p:cBhvr>
+                                        <p:cTn id="29" dur="1" fill="hold">
+                                          <p:stCondLst>
+                                            <p:cond delay="0"/>
+                                          </p:stCondLst>
+                                        </p:cTn>
+                                        <p:tgtEl>
+                                          <p:spTgt spid="3">
+                                            <p:txEl>
+                                              <p:pRg st="2" end="2"/>
+                                            </p:txEl>
+                                          </p:spTgt>
+                                        </p:tgtEl>
+                                        <p:attrNameLst>
+                                          <p:attrName>style.visibility</p:attrName>
+                                        </p:attrNameLst>
+                                      </p:cBhvr>
+                                      <p:to>
+                                        <p:strVal val="visible"/>
+                                      </p:to>
+                                    </p:set>
+                                    <p:animEffect transition="in" filter="fade">
+                                      <p:cBhvr>
+                                        <p:cTn id="30" dur="1000"/>
+                                        <p:tgtEl>
+                                          <p:spTgt spid="3">
+                                            <p:txEl>
+                                              <p:pRg st="2" end="2"/>
+                                            </p:txEl>
+                                          </p:spTgt>
+                                        </p:tgtEl>
+                                      </p:cBhvr>
+                                    </p:animEffect>
+                                    <p:anim calcmode="lin" valueType="num">
+                                      <p:cBhvr>
+                                        <p:cTn id="31" dur="1000" fill="hold"/>
+                                        <p:tgtEl>
+                                          <p:spTgt spid="3">
+                                            <p:txEl>
+                                              <p:pRg st="2" end="2"/>
+                                            </p:txEl>
+                                          </p:spTgt>
+                                        </p:tgtEl>
+                                        <p:attrNameLst>
+                                          <p:attrName>ppt_x</p:attrName>
+                                        </p:attrNameLst>
+                                      </p:cBhvr>
+                                      <p:tavLst>
+                                        <p:tav tm="0">
+                                          <p:val>
+                                            <p:strVal val="#ppt_x"/>
+                                          </p:val>
+                                        </p:tav>
+                                        <p:tav tm="100000">
+                                          <p:val>
+                                            <p:strVal val="#ppt_x"/>
+                                          </p:val>
+                                        </p:tav>
+                                      </p:tavLst>
+                                    </p:anim>
+                                    <p:anim calcmode="lin" valueType="num">
+                                      <p:cBhvr>
+                                        <p:cTn id="32" dur="1000" fill="hold"/>
+                                        <p:tgtEl>
+                                          <p:spTgt spid="3">
+                                            <p:txEl>
+                                              <p:pRg st="2" end="2"/>
+                                            </p:txEl>
+                                          </p:spTgt>
+                                        </p:tgtEl>
+                                        <p:attrNameLst>
+                                          <p:attrName>ppt_y</p:attrName>
+                                        </p:attrNameLst>
+                                      </p:cBhvr>
+                                      <p:tavLst>
+                                        <p:tav tm="0">
+                                          <p:val>
+                                            <p:strVal val="#ppt_y+.1"/>
+                                          </p:val>
+                                        </p:tav>
+                                        <p:tav tm="100000">
+                                          <p:val>
+                                            <p:strVal val="#ppt_y"/>
+                                          </p:val>
+                                        </p:tav>
+                                      </p:tavLst>
+                                    </p:anim>
+                                  </p:childTnLst>
+                                </p:cTn>
+                              </p:par>
+                            </p:childTnLst>
+                          </p:cTn>
+                        </p:par>
+                        <p:par>
+                          <p:cTn id="33" fill="hold">
+                            <p:stCondLst>
+                              <p:cond delay="7000"/>
+                            </p:stCondLst>
+                            <p:childTnLst>
+                              <p:par>
+                                <p:cTn id="34" presetID="42" presetClass="entr" presetSubtype="0" fill="hold" grpId="0" nodeType="afterEffect">
+                                  <p:stCondLst>
+                                    <p:cond delay="250"/>
+                                  </p:stCondLst>
+                                  <p:childTnLst>
+                                    <p:set>
+                                      <p:cBhvr>
+                                        <p:cTn id="35" dur="1" fill="hold">
+                                          <p:stCondLst>
+                                            <p:cond delay="0"/>
+                                          </p:stCondLst>
+                                        </p:cTn>
+                                        <p:tgtEl>
+                                          <p:spTgt spid="3">
+                                            <p:txEl>
+                                              <p:pRg st="3" end="3"/>
+                                            </p:txEl>
+                                          </p:spTgt>
+                                        </p:tgtEl>
+                                        <p:attrNameLst>
+                                          <p:attrName>style.visibility</p:attrName>
+                                        </p:attrNameLst>
+                                      </p:cBhvr>
+                                      <p:to>
+                                        <p:strVal val="visible"/>
+                                      </p:to>
+                                    </p:set>
+                                    <p:animEffect transition="in" filter="fade">
+                                      <p:cBhvr>
+                                        <p:cTn id="36" dur="1000"/>
+                                        <p:tgtEl>
+                                          <p:spTgt spid="3">
+                                            <p:txEl>
+                                              <p:pRg st="3" end="3"/>
+                                            </p:txEl>
+                                          </p:spTgt>
+                                        </p:tgtEl>
+                                      </p:cBhvr>
+                                    </p:animEffect>
+                                    <p:anim calcmode="lin" valueType="num">
+                                      <p:cBhvr>
+                                        <p:cTn id="37" dur="1000" fill="hold"/>
+                                        <p:tgtEl>
+                                          <p:spTgt spid="3">
+                                            <p:txEl>
+                                              <p:pRg st="3" end="3"/>
+                                            </p:txEl>
+                                          </p:spTgt>
+                                        </p:tgtEl>
+                                        <p:attrNameLst>
+                                          <p:attrName>ppt_x</p:attrName>
+                                        </p:attrNameLst>
+                                      </p:cBhvr>
+                                      <p:tavLst>
+                                        <p:tav tm="0">
+                                          <p:val>
+                                            <p:strVal val="#ppt_x"/>
+                                          </p:val>
+                                        </p:tav>
+                                        <p:tav tm="100000">
+                                          <p:val>
+                                            <p:strVal val="#ppt_x"/>
+                                          </p:val>
+                                        </p:tav>
+                                      </p:tavLst>
+                                    </p:anim>
+                                    <p:anim calcmode="lin" valueType="num">
+                                      <p:cBhvr>
+                                        <p:cTn id="38" dur="1000" fill="hold"/>
+                                        <p:tgtEl>
+                                          <p:spTgt spid="3">
+                                            <p:txEl>
+                                              <p:pRg st="3" end="3"/>
+                                            </p:txEl>
+                                          </p:spTgt>
+                                        </p:tgtEl>
+                                        <p:attrNameLst>
+                                          <p:attrName>ppt_y</p:attrName>
+                                        </p:attrNameLst>
+                                      </p:cBhvr>
+                                      <p:tavLst>
+                                        <p:tav tm="0">
+                                          <p:val>
+                                            <p:strVal val="#ppt_y+.1"/>
+                                          </p:val>
+                                        </p:tav>
+                                        <p:tav tm="100000">
+                                          <p:val>
+                                            <p:strVal val="#ppt_y"/>
+                                          </p:val>
+                                        </p:tav>
+                                      </p:tavLst>
+                                    </p:anim>
+                                  </p:childTnLst>
+                                </p:cTn>
+                              </p:par>
+                            </p:childTnLst>
+                          </p:cTn>
+                        </p:par>
+                        <p:par>
+                          <p:cTn id="39" fill="hold">
+                            <p:stCondLst>
+                              <p:cond delay="8250"/>
+                            </p:stCondLst>
+                            <p:childTnLst>
+                              <p:par>
+                                <p:cTn id="40" presetID="42" presetClass="entr" presetSubtype="0" fill="hold" grpId="0" nodeType="afterEffect">
+                                  <p:stCondLst>
+                                    <p:cond delay="250"/>
+                                  </p:stCondLst>
+                                  <p:childTnLst>
+                                    <p:set>
+                                      <p:cBhvr>
+                                        <p:cTn id="41" dur="1" fill="hold">
+                                          <p:stCondLst>
+                                            <p:cond delay="0"/>
+                                          </p:stCondLst>
+                                        </p:cTn>
+                                        <p:tgtEl>
+                                          <p:spTgt spid="3">
+                                            <p:txEl>
+                                              <p:pRg st="4" end="4"/>
+                                            </p:txEl>
+                                          </p:spTgt>
+                                        </p:tgtEl>
+                                        <p:attrNameLst>
+                                          <p:attrName>style.visibility</p:attrName>
+                                        </p:attrNameLst>
+                                      </p:cBhvr>
+                                      <p:to>
+                                        <p:strVal val="visible"/>
+                                      </p:to>
+                                    </p:set>
+                                    <p:animEffect transition="in" filter="fade">
+                                      <p:cBhvr>
+                                        <p:cTn id="42" dur="1000"/>
+                                        <p:tgtEl>
+                                          <p:spTgt spid="3">
+                                            <p:txEl>
+                                              <p:pRg st="4" end="4"/>
+                                            </p:txEl>
+                                          </p:spTgt>
+                                        </p:tgtEl>
+                                      </p:cBhvr>
+                                    </p:animEffect>
+                                    <p:anim calcmode="lin" valueType="num">
+                                      <p:cBhvr>
+                                        <p:cTn id="43" dur="1000" fill="hold"/>
+                                        <p:tgtEl>
+                                          <p:spTgt spid="3">
+                                            <p:txEl>
+                                              <p:pRg st="4" end="4"/>
+                                            </p:txEl>
+                                          </p:spTgt>
+                                        </p:tgtEl>
+                                        <p:attrNameLst>
+                                          <p:attrName>ppt_x</p:attrName>
+                                        </p:attrNameLst>
+                                      </p:cBhvr>
+                                      <p:tavLst>
+                                        <p:tav tm="0">
+                                          <p:val>
+                                            <p:strVal val="#ppt_x"/>
+                                          </p:val>
+                                        </p:tav>
+                                        <p:tav tm="100000">
+                                          <p:val>
+                                            <p:strVal val="#ppt_x"/>
+                                          </p:val>
+                                        </p:tav>
+                                      </p:tavLst>
+                                    </p:anim>
+                                    <p:anim calcmode="lin" valueType="num">
+                                      <p:cBhvr>
+                                        <p:cTn id="44" dur="1000" fill="hold"/>
+                                        <p:tgtEl>
+                                          <p:spTgt spid="3">
+                                            <p:txEl>
+                                              <p:pRg st="4" end="4"/>
+                                            </p:txEl>
+                                          </p:spTgt>
+                                        </p:tgtEl>
+                                        <p:attrNameLst>
+                                          <p:attrName>ppt_y</p:attrName>
+                                        </p:attrNameLst>
+                                      </p:cBhvr>
+                                      <p:tavLst>
+                                        <p:tav tm="0">
+                                          <p:val>
+                                            <p:strVal val="#ppt_y+.1"/>
+                                          </p:val>
+                                        </p:tav>
+                                        <p:tav tm="100000">
+                                          <p:val>
+                                            <p:strVal val="#ppt_y"/>
+                                          </p:val>
+                                        </p:tav>
+                                      </p:tavLst>
+                                    </p:anim>
+                                  </p:childTnLst>
+                                </p:cTn>
+                              </p:par>
+                            </p:childTnLst>
+                          </p:cTn>
+                        </p:par>
+                        <p:par>
+                          <p:cTn id="45" fill="hold">
+                            <p:stCondLst>
+                              <p:cond delay="9500"/>
+                            </p:stCondLst>
+                            <p:childTnLst>
+                              <p:par>
+                                <p:cTn id="46" presetID="42" presetClass="entr" presetSubtype="0" fill="hold" grpId="0" nodeType="afterEffect">
+                                  <p:stCondLst>
+                                    <p:cond delay="250"/>
+                                  </p:stCondLst>
+                                  <p:childTnLst>
+                                    <p:set>
+                                      <p:cBhvr>
+                                        <p:cTn id="47" dur="1" fill="hold">
+                                          <p:stCondLst>
+                                            <p:cond delay="0"/>
+                                          </p:stCondLst>
+                                        </p:cTn>
+                                        <p:tgtEl>
+                                          <p:spTgt spid="3">
+                                            <p:txEl>
+                                              <p:pRg st="5" end="5"/>
+                                            </p:txEl>
+                                          </p:spTgt>
+                                        </p:tgtEl>
+                                        <p:attrNameLst>
+                                          <p:attrName>style.visibility</p:attrName>
+                                        </p:attrNameLst>
+                                      </p:cBhvr>
+                                      <p:to>
+                                        <p:strVal val="visible"/>
+                                      </p:to>
+                                    </p:set>
+                                    <p:animEffect transition="in" filter="fade">
+                                      <p:cBhvr>
+                                        <p:cTn id="48" dur="1000"/>
+                                        <p:tgtEl>
+                                          <p:spTgt spid="3">
+                                            <p:txEl>
+                                              <p:pRg st="5" end="5"/>
+                                            </p:txEl>
+                                          </p:spTgt>
+                                        </p:tgtEl>
+                                      </p:cBhvr>
+                                    </p:animEffect>
+                                    <p:anim calcmode="lin" valueType="num">
+                                      <p:cBhvr>
+                                        <p:cTn id="49" dur="1000" fill="hold"/>
+                                        <p:tgtEl>
+                                          <p:spTgt spid="3">
+                                            <p:txEl>
+                                              <p:pRg st="5" end="5"/>
+                                            </p:txEl>
+                                          </p:spTgt>
+                                        </p:tgtEl>
+                                        <p:attrNameLst>
+                                          <p:attrName>ppt_x</p:attrName>
+                                        </p:attrNameLst>
+                                      </p:cBhvr>
+                                      <p:tavLst>
+                                        <p:tav tm="0">
+                                          <p:val>
+                                            <p:strVal val="#ppt_x"/>
+                                          </p:val>
+                                        </p:tav>
+                                        <p:tav tm="100000">
+                                          <p:val>
+                                            <p:strVal val="#ppt_x"/>
+                                          </p:val>
+                                        </p:tav>
+                                      </p:tavLst>
+                                    </p:anim>
+                                    <p:anim calcmode="lin" valueType="num">
+                                      <p:cBhvr>
+                                        <p:cTn id="50" dur="1000" fill="hold"/>
+                                        <p:tgtEl>
+                                          <p:spTgt spid="3">
+                                            <p:txEl>
+                                              <p:pRg st="5" end="5"/>
+                                            </p:txEl>
+                                          </p:spTgt>
+                                        </p:tgtEl>
+                                        <p:attrNameLst>
+                                          <p:attrName>ppt_y</p:attrName>
+                                        </p:attrNameLst>
+                                      </p:cBhvr>
+                                      <p:tavLst>
+                                        <p:tav tm="0">
+                                          <p:val>
+                                            <p:strVal val="#ppt_y+.1"/>
+                                          </p:val>
+                                        </p:tav>
+                                        <p:tav tm="100000">
+                                          <p:val>
+                                            <p:strVal val="#ppt_y"/>
+                                          </p:val>
+                                        </p:tav>
+                                      </p:tavLst>
+                                    </p:anim>
+                                  </p:childTnLst>
+                                </p:cTn>
+                              </p:par>
+                            </p:childTnLst>
+                          </p:cTn>
+                        </p:par>
+                        <p:par>
+                          <p:cTn id="51" fill="hold">
+                            <p:stCondLst>
+                              <p:cond delay="10750"/>
+                            </p:stCondLst>
+                            <p:childTnLst>
+                              <p:par>
+                                <p:cTn id="52" presetID="42" presetClass="entr" presetSubtype="0" fill="hold" grpId="0" nodeType="afterEffect">
+                                  <p:stCondLst>
+                                    <p:cond delay="250"/>
+                                  </p:stCondLst>
+                                  <p:childTnLst>
+                                    <p:set>
+                                      <p:cBhvr>
+                                        <p:cTn id="53" dur="1" fill="hold">
+                                          <p:stCondLst>
+                                            <p:cond delay="0"/>
+                                          </p:stCondLst>
+                                        </p:cTn>
+                                        <p:tgtEl>
+                                          <p:spTgt spid="3">
+                                            <p:txEl>
+                                              <p:pRg st="6" end="6"/>
+                                            </p:txEl>
+                                          </p:spTgt>
+                                        </p:tgtEl>
+                                        <p:attrNameLst>
+                                          <p:attrName>style.visibility</p:attrName>
+                                        </p:attrNameLst>
+                                      </p:cBhvr>
+                                      <p:to>
+                                        <p:strVal val="visible"/>
+                                      </p:to>
+                                    </p:set>
+                                    <p:animEffect transition="in" filter="fade">
+                                      <p:cBhvr>
+                                        <p:cTn id="54" dur="1000"/>
+                                        <p:tgtEl>
+                                          <p:spTgt spid="3">
+                                            <p:txEl>
+                                              <p:pRg st="6" end="6"/>
+                                            </p:txEl>
+                                          </p:spTgt>
+                                        </p:tgtEl>
+                                      </p:cBhvr>
+                                    </p:animEffect>
+                                    <p:anim calcmode="lin" valueType="num">
+                                      <p:cBhvr>
+                                        <p:cTn id="55" dur="1000" fill="hold"/>
+                                        <p:tgtEl>
+                                          <p:spTgt spid="3">
+                                            <p:txEl>
+                                              <p:pRg st="6" end="6"/>
+                                            </p:txEl>
+                                          </p:spTgt>
+                                        </p:tgtEl>
+                                        <p:attrNameLst>
+                                          <p:attrName>ppt_x</p:attrName>
+                                        </p:attrNameLst>
+                                      </p:cBhvr>
+                                      <p:tavLst>
+                                        <p:tav tm="0">
+                                          <p:val>
+                                            <p:strVal val="#ppt_x"/>
+                                          </p:val>
+                                        </p:tav>
+                                        <p:tav tm="100000">
+                                          <p:val>
+                                            <p:strVal val="#ppt_x"/>
+                                          </p:val>
+                                        </p:tav>
+                                      </p:tavLst>
+                                    </p:anim>
+                                    <p:anim calcmode="lin" valueType="num">
+                                      <p:cBhvr>
+                                        <p:cTn id="56" dur="1000" fill="hold"/>
+                                        <p:tgtEl>
+                                          <p:spTgt spid="3">
+                                            <p:txEl>
+                                              <p:pRg st="6" end="6"/>
+                                            </p:txEl>
+                                          </p:spTgt>
+                                        </p:tgtEl>
+                                        <p:attrNameLst>
+                                          <p:attrName>ppt_y</p:attrName>
+                                        </p:attrNameLst>
+                                      </p:cBhvr>
+                                      <p:tavLst>
+                                        <p:tav tm="0">
+                                          <p:val>
+                                            <p:strVal val="#ppt_y+.1"/>
+                                          </p:val>
+                                        </p:tav>
+                                        <p:tav tm="100000">
+                                          <p:val>
+                                            <p:strVal val="#ppt_y"/>
+                                          </p:val>
+                                        </p:tav>
+                                      </p:tavLst>
+                                    </p:anim>
+                                  </p:childTnLst>
+                                </p:cTn>
+                              </p:par>
+                            </p:childTnLst>
+                          </p:cTn>
+                        </p:par>
+                      </p:childTnLst>
+                    </p:cTn>
+                  </p:par>
+                </p:childTnLst>
+              </p:cTn>
+              <p:prevCondLst>
+                <p:cond evt="onPrev" delay="0">
+                  <p:tgtEl>
+                    <p:sldTgt/>
+                  </p:tgtEl>
+                </p:cond>
+              </p:prevCondLst>
+              <p:nextCondLst>
+                <p:cond evt="onNext" delay="0">
+                  <p:tgtEl>
+                    <p:sldTgt/>
+                  </p:tgtEl>
+                </p:cond>
+              </p:nextCondLst>
+            </p:seq>
+          </p:childTnLst>
+        </p:cTn>
+      </p:par>
+    </p:tnLst>
+    <p:bldLst>
+      <p:bldP spid="2" grpId="0"/>
+      <p:bldP spid="3" grpId="0" uiExpand="1" build="p"/>
+    </p:bldLst>
+  </p:timing>
 </p:sld>
 </file>
 
@@ -4624,15 +5648,59 @@
             <p:ph idx="13"/>
           </p:nvPr>
         </p:nvSpPr>
-        <p:spPr/>
+        <p:spPr>
+          <a:xfrm>
+            <a:off x="1289868" y="685800"/>
+            <a:ext cx="10287000" cy="4838699"/>
+          </a:xfrm>
+        </p:spPr>
         <p:txBody>
           <a:bodyPr/>
           <a:lstStyle/>
           <a:p>
             <a:r>
               <a:rPr lang="en-US" dirty="0"/>
-              <a:t>???</a:t>
-            </a:r>
+              <a:t>Q1: Does discount amount affect the product quantity in an order?</a:t>
+            </a:r>
+            <a:br>
+              <a:rPr lang="en-US" dirty="0"/>
+            </a:br>
+            <a:endParaRPr lang="en-US" dirty="0"/>
+          </a:p>
+          <a:p>
+            <a:r>
+              <a:rPr lang="en-US" dirty="0"/>
+              <a:t>Q2: Does the salesperson impact value of a sale? If so, can this be correlated to the reporting structure within the company?</a:t>
+            </a:r>
+            <a:br>
+              <a:rPr lang="en-US" dirty="0"/>
+            </a:br>
+            <a:endParaRPr lang="en-US" dirty="0"/>
+          </a:p>
+          <a:p>
+            <a:r>
+              <a:rPr lang="en-US" dirty="0"/>
+              <a:t>Q3: Do certain products sell better/worse in different regions?</a:t>
+            </a:r>
+            <a:br>
+              <a:rPr lang="en-US" dirty="0"/>
+            </a:br>
+            <a:endParaRPr lang="en-US" dirty="0"/>
+          </a:p>
+          <a:p>
+            <a:r>
+              <a:rPr lang="en-US" dirty="0"/>
+              <a:t>Q4: Does the time of year affect the amount of each category that is ordered?</a:t>
+            </a:r>
+          </a:p>
+          <a:p>
+            <a:endParaRPr lang="en-US" dirty="0"/>
+          </a:p>
+          <a:p>
+            <a:endParaRPr lang="en-US" dirty="0"/>
+          </a:p>
+          <a:p>
+            <a:endParaRPr lang="en-US" dirty="0"/>
           </a:p>
         </p:txBody>
       </p:sp>
@@ -4658,6 +5726,566 @@
       </p:transition>
     </mc:Fallback>
   </mc:AlternateContent>
+  <p:timing>
+    <p:tnLst>
+      <p:par>
+        <p:cTn id="1" dur="indefinite" restart="never" nodeType="tmRoot">
+          <p:childTnLst>
+            <p:seq concurrent="1" nextAc="seek">
+              <p:cTn id="2" dur="indefinite" nodeType="mainSeq">
+                <p:childTnLst>
+                  <p:par>
+                    <p:cTn id="3" fill="hold">
+                      <p:stCondLst>
+                        <p:cond delay="indefinite"/>
+                        <p:cond evt="onBegin" delay="0">
+                          <p:tn val="2"/>
+                        </p:cond>
+                      </p:stCondLst>
+                      <p:childTnLst>
+                        <p:par>
+                          <p:cTn id="4" fill="hold">
+                            <p:stCondLst>
+                              <p:cond delay="0"/>
+                            </p:stCondLst>
+                            <p:childTnLst>
+                              <p:par>
+                                <p:cTn id="5" presetID="42" presetClass="entr" presetSubtype="0" fill="hold" grpId="0" nodeType="afterEffect">
+                                  <p:stCondLst>
+                                    <p:cond delay="0"/>
+                                  </p:stCondLst>
+                                  <p:childTnLst>
+                                    <p:set>
+                                      <p:cBhvr>
+                                        <p:cTn id="6" dur="1" fill="hold">
+                                          <p:stCondLst>
+                                            <p:cond delay="0"/>
+                                          </p:stCondLst>
+                                        </p:cTn>
+                                        <p:tgtEl>
+                                          <p:spTgt spid="2"/>
+                                        </p:tgtEl>
+                                        <p:attrNameLst>
+                                          <p:attrName>style.visibility</p:attrName>
+                                        </p:attrNameLst>
+                                      </p:cBhvr>
+                                      <p:to>
+                                        <p:strVal val="visible"/>
+                                      </p:to>
+                                    </p:set>
+                                    <p:animEffect transition="in" filter="fade">
+                                      <p:cBhvr>
+                                        <p:cTn id="7" dur="1000"/>
+                                        <p:tgtEl>
+                                          <p:spTgt spid="2"/>
+                                        </p:tgtEl>
+                                      </p:cBhvr>
+                                    </p:animEffect>
+                                    <p:anim calcmode="lin" valueType="num">
+                                      <p:cBhvr>
+                                        <p:cTn id="8" dur="1000" fill="hold"/>
+                                        <p:tgtEl>
+                                          <p:spTgt spid="2"/>
+                                        </p:tgtEl>
+                                        <p:attrNameLst>
+                                          <p:attrName>ppt_x</p:attrName>
+                                        </p:attrNameLst>
+                                      </p:cBhvr>
+                                      <p:tavLst>
+                                        <p:tav tm="0">
+                                          <p:val>
+                                            <p:strVal val="#ppt_x"/>
+                                          </p:val>
+                                        </p:tav>
+                                        <p:tav tm="100000">
+                                          <p:val>
+                                            <p:strVal val="#ppt_x"/>
+                                          </p:val>
+                                        </p:tav>
+                                      </p:tavLst>
+                                    </p:anim>
+                                    <p:anim calcmode="lin" valueType="num">
+                                      <p:cBhvr>
+                                        <p:cTn id="9" dur="1000" fill="hold"/>
+                                        <p:tgtEl>
+                                          <p:spTgt spid="2"/>
+                                        </p:tgtEl>
+                                        <p:attrNameLst>
+                                          <p:attrName>ppt_y</p:attrName>
+                                        </p:attrNameLst>
+                                      </p:cBhvr>
+                                      <p:tavLst>
+                                        <p:tav tm="0">
+                                          <p:val>
+                                            <p:strVal val="#ppt_y+.1"/>
+                                          </p:val>
+                                        </p:tav>
+                                        <p:tav tm="100000">
+                                          <p:val>
+                                            <p:strVal val="#ppt_y"/>
+                                          </p:val>
+                                        </p:tav>
+                                      </p:tavLst>
+                                    </p:anim>
+                                  </p:childTnLst>
+                                </p:cTn>
+                              </p:par>
+                            </p:childTnLst>
+                          </p:cTn>
+                        </p:par>
+                        <p:par>
+                          <p:cTn id="10" fill="hold">
+                            <p:stCondLst>
+                              <p:cond delay="1000"/>
+                            </p:stCondLst>
+                            <p:childTnLst>
+                              <p:par>
+                                <p:cTn id="11" presetID="42" presetClass="entr" presetSubtype="0" fill="hold" grpId="0" nodeType="afterEffect">
+                                  <p:stCondLst>
+                                    <p:cond delay="500"/>
+                                  </p:stCondLst>
+                                  <p:childTnLst>
+                                    <p:set>
+                                      <p:cBhvr>
+                                        <p:cTn id="12" dur="1" fill="hold">
+                                          <p:stCondLst>
+                                            <p:cond delay="0"/>
+                                          </p:stCondLst>
+                                        </p:cTn>
+                                        <p:tgtEl>
+                                          <p:spTgt spid="3">
+                                            <p:txEl>
+                                              <p:pRg st="0" end="0"/>
+                                            </p:txEl>
+                                          </p:spTgt>
+                                        </p:tgtEl>
+                                        <p:attrNameLst>
+                                          <p:attrName>style.visibility</p:attrName>
+                                        </p:attrNameLst>
+                                      </p:cBhvr>
+                                      <p:to>
+                                        <p:strVal val="visible"/>
+                                      </p:to>
+                                    </p:set>
+                                    <p:animEffect transition="in" filter="fade">
+                                      <p:cBhvr>
+                                        <p:cTn id="13" dur="1000"/>
+                                        <p:tgtEl>
+                                          <p:spTgt spid="3">
+                                            <p:txEl>
+                                              <p:pRg st="0" end="0"/>
+                                            </p:txEl>
+                                          </p:spTgt>
+                                        </p:tgtEl>
+                                      </p:cBhvr>
+                                    </p:animEffect>
+                                    <p:anim calcmode="lin" valueType="num">
+                                      <p:cBhvr>
+                                        <p:cTn id="14" dur="1000" fill="hold"/>
+                                        <p:tgtEl>
+                                          <p:spTgt spid="3">
+                                            <p:txEl>
+                                              <p:pRg st="0" end="0"/>
+                                            </p:txEl>
+                                          </p:spTgt>
+                                        </p:tgtEl>
+                                        <p:attrNameLst>
+                                          <p:attrName>ppt_x</p:attrName>
+                                        </p:attrNameLst>
+                                      </p:cBhvr>
+                                      <p:tavLst>
+                                        <p:tav tm="0">
+                                          <p:val>
+                                            <p:strVal val="#ppt_x"/>
+                                          </p:val>
+                                        </p:tav>
+                                        <p:tav tm="100000">
+                                          <p:val>
+                                            <p:strVal val="#ppt_x"/>
+                                          </p:val>
+                                        </p:tav>
+                                      </p:tavLst>
+                                    </p:anim>
+                                    <p:anim calcmode="lin" valueType="num">
+                                      <p:cBhvr>
+                                        <p:cTn id="15" dur="1000" fill="hold"/>
+                                        <p:tgtEl>
+                                          <p:spTgt spid="3">
+                                            <p:txEl>
+                                              <p:pRg st="0" end="0"/>
+                                            </p:txEl>
+                                          </p:spTgt>
+                                        </p:tgtEl>
+                                        <p:attrNameLst>
+                                          <p:attrName>ppt_y</p:attrName>
+                                        </p:attrNameLst>
+                                      </p:cBhvr>
+                                      <p:tavLst>
+                                        <p:tav tm="0">
+                                          <p:val>
+                                            <p:strVal val="#ppt_y+.1"/>
+                                          </p:val>
+                                        </p:tav>
+                                        <p:tav tm="100000">
+                                          <p:val>
+                                            <p:strVal val="#ppt_y"/>
+                                          </p:val>
+                                        </p:tav>
+                                      </p:tavLst>
+                                    </p:anim>
+                                  </p:childTnLst>
+                                </p:cTn>
+                              </p:par>
+                            </p:childTnLst>
+                          </p:cTn>
+                        </p:par>
+                        <p:par>
+                          <p:cTn id="16" fill="hold">
+                            <p:stCondLst>
+                              <p:cond delay="2500"/>
+                            </p:stCondLst>
+                            <p:childTnLst>
+                              <p:par>
+                                <p:cTn id="17" presetID="42" presetClass="entr" presetSubtype="0" fill="hold" grpId="0" nodeType="afterEffect">
+                                  <p:stCondLst>
+                                    <p:cond delay="500"/>
+                                  </p:stCondLst>
+                                  <p:childTnLst>
+                                    <p:set>
+                                      <p:cBhvr>
+                                        <p:cTn id="18" dur="1" fill="hold">
+                                          <p:stCondLst>
+                                            <p:cond delay="0"/>
+                                          </p:stCondLst>
+                                        </p:cTn>
+                                        <p:tgtEl>
+                                          <p:spTgt spid="3">
+                                            <p:txEl>
+                                              <p:pRg st="1" end="1"/>
+                                            </p:txEl>
+                                          </p:spTgt>
+                                        </p:tgtEl>
+                                        <p:attrNameLst>
+                                          <p:attrName>style.visibility</p:attrName>
+                                        </p:attrNameLst>
+                                      </p:cBhvr>
+                                      <p:to>
+                                        <p:strVal val="visible"/>
+                                      </p:to>
+                                    </p:set>
+                                    <p:animEffect transition="in" filter="fade">
+                                      <p:cBhvr>
+                                        <p:cTn id="19" dur="1000"/>
+                                        <p:tgtEl>
+                                          <p:spTgt spid="3">
+                                            <p:txEl>
+                                              <p:pRg st="1" end="1"/>
+                                            </p:txEl>
+                                          </p:spTgt>
+                                        </p:tgtEl>
+                                      </p:cBhvr>
+                                    </p:animEffect>
+                                    <p:anim calcmode="lin" valueType="num">
+                                      <p:cBhvr>
+                                        <p:cTn id="20" dur="1000" fill="hold"/>
+                                        <p:tgtEl>
+                                          <p:spTgt spid="3">
+                                            <p:txEl>
+                                              <p:pRg st="1" end="1"/>
+                                            </p:txEl>
+                                          </p:spTgt>
+                                        </p:tgtEl>
+                                        <p:attrNameLst>
+                                          <p:attrName>ppt_x</p:attrName>
+                                        </p:attrNameLst>
+                                      </p:cBhvr>
+                                      <p:tavLst>
+                                        <p:tav tm="0">
+                                          <p:val>
+                                            <p:strVal val="#ppt_x"/>
+                                          </p:val>
+                                        </p:tav>
+                                        <p:tav tm="100000">
+                                          <p:val>
+                                            <p:strVal val="#ppt_x"/>
+                                          </p:val>
+                                        </p:tav>
+                                      </p:tavLst>
+                                    </p:anim>
+                                    <p:anim calcmode="lin" valueType="num">
+                                      <p:cBhvr>
+                                        <p:cTn id="21" dur="1000" fill="hold"/>
+                                        <p:tgtEl>
+                                          <p:spTgt spid="3">
+                                            <p:txEl>
+                                              <p:pRg st="1" end="1"/>
+                                            </p:txEl>
+                                          </p:spTgt>
+                                        </p:tgtEl>
+                                        <p:attrNameLst>
+                                          <p:attrName>ppt_y</p:attrName>
+                                        </p:attrNameLst>
+                                      </p:cBhvr>
+                                      <p:tavLst>
+                                        <p:tav tm="0">
+                                          <p:val>
+                                            <p:strVal val="#ppt_y+.1"/>
+                                          </p:val>
+                                        </p:tav>
+                                        <p:tav tm="100000">
+                                          <p:val>
+                                            <p:strVal val="#ppt_y"/>
+                                          </p:val>
+                                        </p:tav>
+                                      </p:tavLst>
+                                    </p:anim>
+                                  </p:childTnLst>
+                                </p:cTn>
+                              </p:par>
+                            </p:childTnLst>
+                          </p:cTn>
+                        </p:par>
+                        <p:par>
+                          <p:cTn id="22" fill="hold">
+                            <p:stCondLst>
+                              <p:cond delay="4000"/>
+                            </p:stCondLst>
+                            <p:childTnLst>
+                              <p:par>
+                                <p:cTn id="23" presetID="42" presetClass="entr" presetSubtype="0" fill="hold" grpId="0" nodeType="afterEffect">
+                                  <p:stCondLst>
+                                    <p:cond delay="500"/>
+                                  </p:stCondLst>
+                                  <p:childTnLst>
+                                    <p:set>
+                                      <p:cBhvr>
+                                        <p:cTn id="24" dur="1" fill="hold">
+                                          <p:stCondLst>
+                                            <p:cond delay="0"/>
+                                          </p:stCondLst>
+                                        </p:cTn>
+                                        <p:tgtEl>
+                                          <p:spTgt spid="3">
+                                            <p:txEl>
+                                              <p:pRg st="2" end="2"/>
+                                            </p:txEl>
+                                          </p:spTgt>
+                                        </p:tgtEl>
+                                        <p:attrNameLst>
+                                          <p:attrName>style.visibility</p:attrName>
+                                        </p:attrNameLst>
+                                      </p:cBhvr>
+                                      <p:to>
+                                        <p:strVal val="visible"/>
+                                      </p:to>
+                                    </p:set>
+                                    <p:animEffect transition="in" filter="fade">
+                                      <p:cBhvr>
+                                        <p:cTn id="25" dur="1000"/>
+                                        <p:tgtEl>
+                                          <p:spTgt spid="3">
+                                            <p:txEl>
+                                              <p:pRg st="2" end="2"/>
+                                            </p:txEl>
+                                          </p:spTgt>
+                                        </p:tgtEl>
+                                      </p:cBhvr>
+                                    </p:animEffect>
+                                    <p:anim calcmode="lin" valueType="num">
+                                      <p:cBhvr>
+                                        <p:cTn id="26" dur="1000" fill="hold"/>
+                                        <p:tgtEl>
+                                          <p:spTgt spid="3">
+                                            <p:txEl>
+                                              <p:pRg st="2" end="2"/>
+                                            </p:txEl>
+                                          </p:spTgt>
+                                        </p:tgtEl>
+                                        <p:attrNameLst>
+                                          <p:attrName>ppt_x</p:attrName>
+                                        </p:attrNameLst>
+                                      </p:cBhvr>
+                                      <p:tavLst>
+                                        <p:tav tm="0">
+                                          <p:val>
+                                            <p:strVal val="#ppt_x"/>
+                                          </p:val>
+                                        </p:tav>
+                                        <p:tav tm="100000">
+                                          <p:val>
+                                            <p:strVal val="#ppt_x"/>
+                                          </p:val>
+                                        </p:tav>
+                                      </p:tavLst>
+                                    </p:anim>
+                                    <p:anim calcmode="lin" valueType="num">
+                                      <p:cBhvr>
+                                        <p:cTn id="27" dur="1000" fill="hold"/>
+                                        <p:tgtEl>
+                                          <p:spTgt spid="3">
+                                            <p:txEl>
+                                              <p:pRg st="2" end="2"/>
+                                            </p:txEl>
+                                          </p:spTgt>
+                                        </p:tgtEl>
+                                        <p:attrNameLst>
+                                          <p:attrName>ppt_y</p:attrName>
+                                        </p:attrNameLst>
+                                      </p:cBhvr>
+                                      <p:tavLst>
+                                        <p:tav tm="0">
+                                          <p:val>
+                                            <p:strVal val="#ppt_y+.1"/>
+                                          </p:val>
+                                        </p:tav>
+                                        <p:tav tm="100000">
+                                          <p:val>
+                                            <p:strVal val="#ppt_y"/>
+                                          </p:val>
+                                        </p:tav>
+                                      </p:tavLst>
+                                    </p:anim>
+                                  </p:childTnLst>
+                                </p:cTn>
+                              </p:par>
+                            </p:childTnLst>
+                          </p:cTn>
+                        </p:par>
+                        <p:par>
+                          <p:cTn id="28" fill="hold">
+                            <p:stCondLst>
+                              <p:cond delay="5500"/>
+                            </p:stCondLst>
+                            <p:childTnLst>
+                              <p:par>
+                                <p:cTn id="29" presetID="42" presetClass="entr" presetSubtype="0" fill="hold" grpId="0" nodeType="afterEffect">
+                                  <p:stCondLst>
+                                    <p:cond delay="500"/>
+                                  </p:stCondLst>
+                                  <p:childTnLst>
+                                    <p:set>
+                                      <p:cBhvr>
+                                        <p:cTn id="30" dur="1" fill="hold">
+                                          <p:stCondLst>
+                                            <p:cond delay="0"/>
+                                          </p:stCondLst>
+                                        </p:cTn>
+                                        <p:tgtEl>
+                                          <p:spTgt spid="3">
+                                            <p:txEl>
+                                              <p:pRg st="3" end="3"/>
+                                            </p:txEl>
+                                          </p:spTgt>
+                                        </p:tgtEl>
+                                        <p:attrNameLst>
+                                          <p:attrName>style.visibility</p:attrName>
+                                        </p:attrNameLst>
+                                      </p:cBhvr>
+                                      <p:to>
+                                        <p:strVal val="visible"/>
+                                      </p:to>
+                                    </p:set>
+                                    <p:animEffect transition="in" filter="fade">
+                                      <p:cBhvr>
+                                        <p:cTn id="31" dur="1000"/>
+                                        <p:tgtEl>
+                                          <p:spTgt spid="3">
+                                            <p:txEl>
+                                              <p:pRg st="3" end="3"/>
+                                            </p:txEl>
+                                          </p:spTgt>
+                                        </p:tgtEl>
+                                      </p:cBhvr>
+                                    </p:animEffect>
+                                    <p:anim calcmode="lin" valueType="num">
+                                      <p:cBhvr>
+                                        <p:cTn id="32" dur="1000" fill="hold"/>
+                                        <p:tgtEl>
+                                          <p:spTgt spid="3">
+                                            <p:txEl>
+                                              <p:pRg st="3" end="3"/>
+                                            </p:txEl>
+                                          </p:spTgt>
+                                        </p:tgtEl>
+                                        <p:attrNameLst>
+                                          <p:attrName>ppt_x</p:attrName>
+                                        </p:attrNameLst>
+                                      </p:cBhvr>
+                                      <p:tavLst>
+                                        <p:tav tm="0">
+                                          <p:val>
+                                            <p:strVal val="#ppt_x"/>
+                                          </p:val>
+                                        </p:tav>
+                                        <p:tav tm="100000">
+                                          <p:val>
+                                            <p:strVal val="#ppt_x"/>
+                                          </p:val>
+                                        </p:tav>
+                                      </p:tavLst>
+                                    </p:anim>
+                                    <p:anim calcmode="lin" valueType="num">
+                                      <p:cBhvr>
+                                        <p:cTn id="33" dur="1000" fill="hold"/>
+                                        <p:tgtEl>
+                                          <p:spTgt spid="3">
+                                            <p:txEl>
+                                              <p:pRg st="3" end="3"/>
+                                            </p:txEl>
+                                          </p:spTgt>
+                                        </p:tgtEl>
+                                        <p:attrNameLst>
+                                          <p:attrName>ppt_y</p:attrName>
+                                        </p:attrNameLst>
+                                      </p:cBhvr>
+                                      <p:tavLst>
+                                        <p:tav tm="0">
+                                          <p:val>
+                                            <p:strVal val="#ppt_y+.1"/>
+                                          </p:val>
+                                        </p:tav>
+                                        <p:tav tm="100000">
+                                          <p:val>
+                                            <p:strVal val="#ppt_y"/>
+                                          </p:val>
+                                        </p:tav>
+                                      </p:tavLst>
+                                    </p:anim>
+                                  </p:childTnLst>
+                                </p:cTn>
+                              </p:par>
+                            </p:childTnLst>
+                          </p:cTn>
+                        </p:par>
+                      </p:childTnLst>
+                    </p:cTn>
+                  </p:par>
+                </p:childTnLst>
+              </p:cTn>
+              <p:prevCondLst>
+                <p:cond evt="onPrev" delay="0">
+                  <p:tgtEl>
+                    <p:sldTgt/>
+                  </p:tgtEl>
+                </p:cond>
+              </p:prevCondLst>
+              <p:nextCondLst>
+                <p:cond evt="onNext" delay="0">
+                  <p:tgtEl>
+                    <p:sldTgt/>
+                  </p:tgtEl>
+                </p:cond>
+              </p:nextCondLst>
+            </p:seq>
+          </p:childTnLst>
+        </p:cTn>
+      </p:par>
+    </p:tnLst>
+    <p:bldLst>
+      <p:bldP spid="2" grpId="0"/>
+      <p:bldP spid="3" grpId="0" uiExpand="1" build="p"/>
+    </p:bldLst>
+  </p:timing>
 </p:sld>
 </file>
 
@@ -4832,6 +6460,264 @@
       </p:transition>
     </mc:Fallback>
   </mc:AlternateContent>
+  <p:timing>
+    <p:tnLst>
+      <p:par>
+        <p:cTn id="1" dur="indefinite" restart="never" nodeType="tmRoot">
+          <p:childTnLst>
+            <p:seq concurrent="1" nextAc="seek">
+              <p:cTn id="2" dur="indefinite" nodeType="mainSeq">
+                <p:childTnLst>
+                  <p:par>
+                    <p:cTn id="3" fill="hold">
+                      <p:stCondLst>
+                        <p:cond delay="indefinite"/>
+                        <p:cond evt="onBegin" delay="0">
+                          <p:tn val="2"/>
+                        </p:cond>
+                      </p:stCondLst>
+                      <p:childTnLst>
+                        <p:par>
+                          <p:cTn id="4" fill="hold">
+                            <p:stCondLst>
+                              <p:cond delay="0"/>
+                            </p:stCondLst>
+                            <p:childTnLst>
+                              <p:par>
+                                <p:cTn id="5" presetID="42" presetClass="entr" presetSubtype="0" fill="hold" grpId="0" nodeType="afterEffect">
+                                  <p:stCondLst>
+                                    <p:cond delay="0"/>
+                                  </p:stCondLst>
+                                  <p:childTnLst>
+                                    <p:set>
+                                      <p:cBhvr>
+                                        <p:cTn id="6" dur="1" fill="hold">
+                                          <p:stCondLst>
+                                            <p:cond delay="0"/>
+                                          </p:stCondLst>
+                                        </p:cTn>
+                                        <p:tgtEl>
+                                          <p:spTgt spid="2"/>
+                                        </p:tgtEl>
+                                        <p:attrNameLst>
+                                          <p:attrName>style.visibility</p:attrName>
+                                        </p:attrNameLst>
+                                      </p:cBhvr>
+                                      <p:to>
+                                        <p:strVal val="visible"/>
+                                      </p:to>
+                                    </p:set>
+                                    <p:animEffect transition="in" filter="fade">
+                                      <p:cBhvr>
+                                        <p:cTn id="7" dur="1000"/>
+                                        <p:tgtEl>
+                                          <p:spTgt spid="2"/>
+                                        </p:tgtEl>
+                                      </p:cBhvr>
+                                    </p:animEffect>
+                                    <p:anim calcmode="lin" valueType="num">
+                                      <p:cBhvr>
+                                        <p:cTn id="8" dur="1000" fill="hold"/>
+                                        <p:tgtEl>
+                                          <p:spTgt spid="2"/>
+                                        </p:tgtEl>
+                                        <p:attrNameLst>
+                                          <p:attrName>ppt_x</p:attrName>
+                                        </p:attrNameLst>
+                                      </p:cBhvr>
+                                      <p:tavLst>
+                                        <p:tav tm="0">
+                                          <p:val>
+                                            <p:strVal val="#ppt_x"/>
+                                          </p:val>
+                                        </p:tav>
+                                        <p:tav tm="100000">
+                                          <p:val>
+                                            <p:strVal val="#ppt_x"/>
+                                          </p:val>
+                                        </p:tav>
+                                      </p:tavLst>
+                                    </p:anim>
+                                    <p:anim calcmode="lin" valueType="num">
+                                      <p:cBhvr>
+                                        <p:cTn id="9" dur="1000" fill="hold"/>
+                                        <p:tgtEl>
+                                          <p:spTgt spid="2"/>
+                                        </p:tgtEl>
+                                        <p:attrNameLst>
+                                          <p:attrName>ppt_y</p:attrName>
+                                        </p:attrNameLst>
+                                      </p:cBhvr>
+                                      <p:tavLst>
+                                        <p:tav tm="0">
+                                          <p:val>
+                                            <p:strVal val="#ppt_y+.1"/>
+                                          </p:val>
+                                        </p:tav>
+                                        <p:tav tm="100000">
+                                          <p:val>
+                                            <p:strVal val="#ppt_y"/>
+                                          </p:val>
+                                        </p:tav>
+                                      </p:tavLst>
+                                    </p:anim>
+                                  </p:childTnLst>
+                                </p:cTn>
+                              </p:par>
+                            </p:childTnLst>
+                          </p:cTn>
+                        </p:par>
+                        <p:par>
+                          <p:cTn id="10" fill="hold">
+                            <p:stCondLst>
+                              <p:cond delay="1000"/>
+                            </p:stCondLst>
+                            <p:childTnLst>
+                              <p:par>
+                                <p:cTn id="11" presetID="16" presetClass="entr" presetSubtype="37" fill="hold" nodeType="afterEffect">
+                                  <p:stCondLst>
+                                    <p:cond delay="750"/>
+                                  </p:stCondLst>
+                                  <p:childTnLst>
+                                    <p:set>
+                                      <p:cBhvr>
+                                        <p:cTn id="12" dur="1" fill="hold">
+                                          <p:stCondLst>
+                                            <p:cond delay="0"/>
+                                          </p:stCondLst>
+                                        </p:cTn>
+                                        <p:tgtEl>
+                                          <p:spTgt spid="5"/>
+                                        </p:tgtEl>
+                                        <p:attrNameLst>
+                                          <p:attrName>style.visibility</p:attrName>
+                                        </p:attrNameLst>
+                                      </p:cBhvr>
+                                      <p:to>
+                                        <p:strVal val="visible"/>
+                                      </p:to>
+                                    </p:set>
+                                    <p:animEffect transition="in" filter="barn(outVertical)">
+                                      <p:cBhvr>
+                                        <p:cTn id="13" dur="1500"/>
+                                        <p:tgtEl>
+                                          <p:spTgt spid="5"/>
+                                        </p:tgtEl>
+                                      </p:cBhvr>
+                                    </p:animEffect>
+                                  </p:childTnLst>
+                                </p:cTn>
+                              </p:par>
+                            </p:childTnLst>
+                          </p:cTn>
+                        </p:par>
+                        <p:par>
+                          <p:cTn id="14" fill="hold">
+                            <p:stCondLst>
+                              <p:cond delay="3250"/>
+                            </p:stCondLst>
+                            <p:childTnLst>
+                              <p:par>
+                                <p:cTn id="15" presetID="22" presetClass="entr" presetSubtype="2" fill="hold" nodeType="afterEffect">
+                                  <p:stCondLst>
+                                    <p:cond delay="1500"/>
+                                  </p:stCondLst>
+                                  <p:childTnLst>
+                                    <p:set>
+                                      <p:cBhvr>
+                                        <p:cTn id="16" dur="1" fill="hold">
+                                          <p:stCondLst>
+                                            <p:cond delay="0"/>
+                                          </p:stCondLst>
+                                        </p:cTn>
+                                        <p:tgtEl>
+                                          <p:spTgt spid="6"/>
+                                        </p:tgtEl>
+                                        <p:attrNameLst>
+                                          <p:attrName>style.visibility</p:attrName>
+                                        </p:attrNameLst>
+                                      </p:cBhvr>
+                                      <p:to>
+                                        <p:strVal val="visible"/>
+                                      </p:to>
+                                    </p:set>
+                                    <p:animEffect transition="in" filter="wipe(right)">
+                                      <p:cBhvr>
+                                        <p:cTn id="17" dur="1500"/>
+                                        <p:tgtEl>
+                                          <p:spTgt spid="6"/>
+                                        </p:tgtEl>
+                                      </p:cBhvr>
+                                    </p:animEffect>
+                                  </p:childTnLst>
+                                </p:cTn>
+                              </p:par>
+                              <p:par>
+                                <p:cTn id="18" presetID="22" presetClass="entr" presetSubtype="8" fill="hold" nodeType="withEffect">
+                                  <p:stCondLst>
+                                    <p:cond delay="1500"/>
+                                  </p:stCondLst>
+                                  <p:childTnLst>
+                                    <p:set>
+                                      <p:cBhvr>
+                                        <p:cTn id="19" dur="1" fill="hold">
+                                          <p:stCondLst>
+                                            <p:cond delay="0"/>
+                                          </p:stCondLst>
+                                        </p:cTn>
+                                        <p:tgtEl>
+                                          <p:spTgt spid="7"/>
+                                        </p:tgtEl>
+                                        <p:attrNameLst>
+                                          <p:attrName>style.visibility</p:attrName>
+                                        </p:attrNameLst>
+                                      </p:cBhvr>
+                                      <p:to>
+                                        <p:strVal val="visible"/>
+                                      </p:to>
+                                    </p:set>
+                                    <p:animEffect transition="in" filter="wipe(left)">
+                                      <p:cBhvr>
+                                        <p:cTn id="20" dur="1500"/>
+                                        <p:tgtEl>
+                                          <p:spTgt spid="7"/>
+                                        </p:tgtEl>
+                                      </p:cBhvr>
+                                    </p:animEffect>
+                                  </p:childTnLst>
+                                </p:cTn>
+                              </p:par>
+                            </p:childTnLst>
+                          </p:cTn>
+                        </p:par>
+                      </p:childTnLst>
+                    </p:cTn>
+                  </p:par>
+                </p:childTnLst>
+              </p:cTn>
+              <p:prevCondLst>
+                <p:cond evt="onPrev" delay="0">
+                  <p:tgtEl>
+                    <p:sldTgt/>
+                  </p:tgtEl>
+                </p:cond>
+              </p:prevCondLst>
+              <p:nextCondLst>
+                <p:cond evt="onNext" delay="0">
+                  <p:tgtEl>
+                    <p:sldTgt/>
+                  </p:tgtEl>
+                </p:cond>
+              </p:nextCondLst>
+            </p:seq>
+          </p:childTnLst>
+        </p:cTn>
+      </p:par>
+    </p:tnLst>
+    <p:bldLst>
+      <p:bldP spid="2" grpId="0"/>
+    </p:bldLst>
+  </p:timing>
 </p:sld>
 </file>
 
@@ -4854,6 +6740,42 @@
       </p:grpSpPr>
       <p:pic>
         <p:nvPicPr>
+          <p:cNvPr id="14" name="Picture 13" descr="A screenshot of a social media post&#10;&#10;Description automatically generated">
+            <a:extLst>
+              <a:ext uri="{FF2B5EF4-FFF2-40B4-BE49-F238E27FC236}">
+                <a16:creationId xmlns:a16="http://schemas.microsoft.com/office/drawing/2014/main" id="{48B4F368-CE55-45ED-9C38-E3666716D188}"/>
+              </a:ext>
+            </a:extLst>
+          </p:cNvPr>
+          <p:cNvPicPr>
+            <a:picLocks noChangeAspect="1"/>
+          </p:cNvPicPr>
+          <p:nvPr/>
+        </p:nvPicPr>
+        <p:blipFill>
+          <a:blip r:embed="rId2">
+            <a:extLst>
+              <a:ext uri="{28A0092B-C50C-407E-A947-70E740481C1C}">
+                <a14:useLocalDpi xmlns:a14="http://schemas.microsoft.com/office/drawing/2010/main" val="0"/>
+              </a:ext>
+            </a:extLst>
+          </a:blip>
+          <a:stretch>
+            <a:fillRect/>
+          </a:stretch>
+        </p:blipFill>
+        <p:spPr>
+          <a:xfrm>
+            <a:off x="156715" y="151044"/>
+            <a:ext cx="6407252" cy="4800600"/>
+          </a:xfrm>
+          <a:prstGeom prst="rect">
+            <a:avLst/>
+          </a:prstGeom>
+        </p:spPr>
+      </p:pic>
+      <p:pic>
+        <p:nvPicPr>
           <p:cNvPr id="8" name="Picture 7">
             <a:extLst>
               <a:ext uri="{FF2B5EF4-FFF2-40B4-BE49-F238E27FC236}">
@@ -4867,7 +6789,7 @@
           <p:nvPr/>
         </p:nvPicPr>
         <p:blipFill>
-          <a:blip r:embed="rId2"/>
+          <a:blip r:embed="rId3"/>
           <a:stretch>
             <a:fillRect/>
           </a:stretch>
@@ -4919,36 +6841,6 @@
       </p:sp>
       <p:pic>
         <p:nvPicPr>
-          <p:cNvPr id="4" name="Picture 3">
-            <a:extLst>
-              <a:ext uri="{FF2B5EF4-FFF2-40B4-BE49-F238E27FC236}">
-                <a16:creationId xmlns:a16="http://schemas.microsoft.com/office/drawing/2014/main" id="{FEACB725-E170-4E64-AE9E-D41F6BE51561}"/>
-              </a:ext>
-            </a:extLst>
-          </p:cNvPr>
-          <p:cNvPicPr>
-            <a:picLocks noChangeAspect="1"/>
-          </p:cNvPicPr>
-          <p:nvPr/>
-        </p:nvPicPr>
-        <p:blipFill>
-          <a:blip r:embed="rId3"/>
-          <a:stretch>
-            <a:fillRect/>
-          </a:stretch>
-        </p:blipFill>
-        <p:spPr>
-          <a:xfrm>
-            <a:off x="150812" y="76200"/>
-            <a:ext cx="6408950" cy="4876800"/>
-          </a:xfrm>
-          <a:prstGeom prst="rect">
-            <a:avLst/>
-          </a:prstGeom>
-        </p:spPr>
-      </p:pic>
-      <p:pic>
-        <p:nvPicPr>
           <p:cNvPr id="5" name="Picture 4">
             <a:extLst>
               <a:ext uri="{FF2B5EF4-FFF2-40B4-BE49-F238E27FC236}">
@@ -4977,6 +6869,42 @@
           </a:prstGeom>
         </p:spPr>
       </p:pic>
+      <p:pic>
+        <p:nvPicPr>
+          <p:cNvPr id="12" name="Picture 11" descr="A close up of a logo&#10;&#10;Description automatically generated">
+            <a:extLst>
+              <a:ext uri="{FF2B5EF4-FFF2-40B4-BE49-F238E27FC236}">
+                <a16:creationId xmlns:a16="http://schemas.microsoft.com/office/drawing/2014/main" id="{C42C2959-A8AB-419A-A15B-DB9C4EAA727E}"/>
+              </a:ext>
+            </a:extLst>
+          </p:cNvPr>
+          <p:cNvPicPr>
+            <a:picLocks noChangeAspect="1"/>
+          </p:cNvPicPr>
+          <p:nvPr/>
+        </p:nvPicPr>
+        <p:blipFill>
+          <a:blip r:embed="rId5">
+            <a:extLst>
+              <a:ext uri="{28A0092B-C50C-407E-A947-70E740481C1C}">
+                <a14:useLocalDpi xmlns:a14="http://schemas.microsoft.com/office/drawing/2010/main" val="0"/>
+              </a:ext>
+            </a:extLst>
+          </a:blip>
+          <a:stretch>
+            <a:fillRect/>
+          </a:stretch>
+        </p:blipFill>
+        <p:spPr>
+          <a:xfrm>
+            <a:off x="156714" y="151044"/>
+            <a:ext cx="6407252" cy="4800600"/>
+          </a:xfrm>
+          <a:prstGeom prst="rect">
+            <a:avLst/>
+          </a:prstGeom>
+        </p:spPr>
+      </p:pic>
     </p:spTree>
     <p:extLst>
       <p:ext uri="{BB962C8B-B14F-4D97-AF65-F5344CB8AC3E}">
@@ -4999,6 +6927,363 @@
       </p:transition>
     </mc:Fallback>
   </mc:AlternateContent>
+  <p:timing>
+    <p:tnLst>
+      <p:par>
+        <p:cTn id="1" dur="indefinite" restart="never" nodeType="tmRoot">
+          <p:childTnLst>
+            <p:seq concurrent="1" nextAc="seek">
+              <p:cTn id="2" dur="indefinite" nodeType="mainSeq">
+                <p:childTnLst>
+                  <p:par>
+                    <p:cTn id="3" fill="hold">
+                      <p:stCondLst>
+                        <p:cond delay="indefinite"/>
+                        <p:cond evt="onBegin" delay="0">
+                          <p:tn val="2"/>
+                        </p:cond>
+                      </p:stCondLst>
+                      <p:childTnLst>
+                        <p:par>
+                          <p:cTn id="4" fill="hold">
+                            <p:stCondLst>
+                              <p:cond delay="0"/>
+                            </p:stCondLst>
+                            <p:childTnLst>
+                              <p:par>
+                                <p:cTn id="5" presetID="42" presetClass="entr" presetSubtype="0" fill="hold" grpId="0" nodeType="afterEffect">
+                                  <p:stCondLst>
+                                    <p:cond delay="0"/>
+                                  </p:stCondLst>
+                                  <p:childTnLst>
+                                    <p:set>
+                                      <p:cBhvr>
+                                        <p:cTn id="6" dur="1" fill="hold">
+                                          <p:stCondLst>
+                                            <p:cond delay="0"/>
+                                          </p:stCondLst>
+                                        </p:cTn>
+                                        <p:tgtEl>
+                                          <p:spTgt spid="2"/>
+                                        </p:tgtEl>
+                                        <p:attrNameLst>
+                                          <p:attrName>style.visibility</p:attrName>
+                                        </p:attrNameLst>
+                                      </p:cBhvr>
+                                      <p:to>
+                                        <p:strVal val="visible"/>
+                                      </p:to>
+                                    </p:set>
+                                    <p:animEffect transition="in" filter="fade">
+                                      <p:cBhvr>
+                                        <p:cTn id="7" dur="1000"/>
+                                        <p:tgtEl>
+                                          <p:spTgt spid="2"/>
+                                        </p:tgtEl>
+                                      </p:cBhvr>
+                                    </p:animEffect>
+                                    <p:anim calcmode="lin" valueType="num">
+                                      <p:cBhvr>
+                                        <p:cTn id="8" dur="1000" fill="hold"/>
+                                        <p:tgtEl>
+                                          <p:spTgt spid="2"/>
+                                        </p:tgtEl>
+                                        <p:attrNameLst>
+                                          <p:attrName>ppt_x</p:attrName>
+                                        </p:attrNameLst>
+                                      </p:cBhvr>
+                                      <p:tavLst>
+                                        <p:tav tm="0">
+                                          <p:val>
+                                            <p:strVal val="#ppt_x"/>
+                                          </p:val>
+                                        </p:tav>
+                                        <p:tav tm="100000">
+                                          <p:val>
+                                            <p:strVal val="#ppt_x"/>
+                                          </p:val>
+                                        </p:tav>
+                                      </p:tavLst>
+                                    </p:anim>
+                                    <p:anim calcmode="lin" valueType="num">
+                                      <p:cBhvr>
+                                        <p:cTn id="9" dur="1000" fill="hold"/>
+                                        <p:tgtEl>
+                                          <p:spTgt spid="2"/>
+                                        </p:tgtEl>
+                                        <p:attrNameLst>
+                                          <p:attrName>ppt_y</p:attrName>
+                                        </p:attrNameLst>
+                                      </p:cBhvr>
+                                      <p:tavLst>
+                                        <p:tav tm="0">
+                                          <p:val>
+                                            <p:strVal val="#ppt_y+.1"/>
+                                          </p:val>
+                                        </p:tav>
+                                        <p:tav tm="100000">
+                                          <p:val>
+                                            <p:strVal val="#ppt_y"/>
+                                          </p:val>
+                                        </p:tav>
+                                      </p:tavLst>
+                                    </p:anim>
+                                  </p:childTnLst>
+                                </p:cTn>
+                              </p:par>
+                            </p:childTnLst>
+                          </p:cTn>
+                        </p:par>
+                        <p:par>
+                          <p:cTn id="10" fill="hold">
+                            <p:stCondLst>
+                              <p:cond delay="1000"/>
+                            </p:stCondLst>
+                            <p:childTnLst>
+                              <p:par>
+                                <p:cTn id="11" presetID="42" presetClass="entr" presetSubtype="0" fill="hold" nodeType="afterEffect">
+                                  <p:stCondLst>
+                                    <p:cond delay="500"/>
+                                  </p:stCondLst>
+                                  <p:childTnLst>
+                                    <p:set>
+                                      <p:cBhvr>
+                                        <p:cTn id="12" dur="1" fill="hold">
+                                          <p:stCondLst>
+                                            <p:cond delay="0"/>
+                                          </p:stCondLst>
+                                        </p:cTn>
+                                        <p:tgtEl>
+                                          <p:spTgt spid="14"/>
+                                        </p:tgtEl>
+                                        <p:attrNameLst>
+                                          <p:attrName>style.visibility</p:attrName>
+                                        </p:attrNameLst>
+                                      </p:cBhvr>
+                                      <p:to>
+                                        <p:strVal val="visible"/>
+                                      </p:to>
+                                    </p:set>
+                                    <p:animEffect transition="in" filter="fade">
+                                      <p:cBhvr>
+                                        <p:cTn id="13" dur="1000"/>
+                                        <p:tgtEl>
+                                          <p:spTgt spid="14"/>
+                                        </p:tgtEl>
+                                      </p:cBhvr>
+                                    </p:animEffect>
+                                    <p:anim calcmode="lin" valueType="num">
+                                      <p:cBhvr>
+                                        <p:cTn id="14" dur="1000" fill="hold"/>
+                                        <p:tgtEl>
+                                          <p:spTgt spid="14"/>
+                                        </p:tgtEl>
+                                        <p:attrNameLst>
+                                          <p:attrName>ppt_x</p:attrName>
+                                        </p:attrNameLst>
+                                      </p:cBhvr>
+                                      <p:tavLst>
+                                        <p:tav tm="0">
+                                          <p:val>
+                                            <p:strVal val="#ppt_x"/>
+                                          </p:val>
+                                        </p:tav>
+                                        <p:tav tm="100000">
+                                          <p:val>
+                                            <p:strVal val="#ppt_x"/>
+                                          </p:val>
+                                        </p:tav>
+                                      </p:tavLst>
+                                    </p:anim>
+                                    <p:anim calcmode="lin" valueType="num">
+                                      <p:cBhvr>
+                                        <p:cTn id="15" dur="1000" fill="hold"/>
+                                        <p:tgtEl>
+                                          <p:spTgt spid="14"/>
+                                        </p:tgtEl>
+                                        <p:attrNameLst>
+                                          <p:attrName>ppt_y</p:attrName>
+                                        </p:attrNameLst>
+                                      </p:cBhvr>
+                                      <p:tavLst>
+                                        <p:tav tm="0">
+                                          <p:val>
+                                            <p:strVal val="#ppt_y+.1"/>
+                                          </p:val>
+                                        </p:tav>
+                                        <p:tav tm="100000">
+                                          <p:val>
+                                            <p:strVal val="#ppt_y"/>
+                                          </p:val>
+                                        </p:tav>
+                                      </p:tavLst>
+                                    </p:anim>
+                                  </p:childTnLst>
+                                </p:cTn>
+                              </p:par>
+                            </p:childTnLst>
+                          </p:cTn>
+                        </p:par>
+                        <p:par>
+                          <p:cTn id="16" fill="hold">
+                            <p:stCondLst>
+                              <p:cond delay="2500"/>
+                            </p:stCondLst>
+                            <p:childTnLst>
+                              <p:par>
+                                <p:cTn id="17" presetID="16" presetClass="entr" presetSubtype="37" fill="hold" nodeType="afterEffect">
+                                  <p:stCondLst>
+                                    <p:cond delay="250"/>
+                                  </p:stCondLst>
+                                  <p:childTnLst>
+                                    <p:set>
+                                      <p:cBhvr>
+                                        <p:cTn id="18" dur="1" fill="hold">
+                                          <p:stCondLst>
+                                            <p:cond delay="0"/>
+                                          </p:stCondLst>
+                                        </p:cTn>
+                                        <p:tgtEl>
+                                          <p:spTgt spid="12"/>
+                                        </p:tgtEl>
+                                        <p:attrNameLst>
+                                          <p:attrName>style.visibility</p:attrName>
+                                        </p:attrNameLst>
+                                      </p:cBhvr>
+                                      <p:to>
+                                        <p:strVal val="visible"/>
+                                      </p:to>
+                                    </p:set>
+                                    <p:animEffect transition="in" filter="barn(outVertical)">
+                                      <p:cBhvr>
+                                        <p:cTn id="19" dur="2000"/>
+                                        <p:tgtEl>
+                                          <p:spTgt spid="12"/>
+                                        </p:tgtEl>
+                                      </p:cBhvr>
+                                    </p:animEffect>
+                                  </p:childTnLst>
+                                </p:cTn>
+                              </p:par>
+                            </p:childTnLst>
+                          </p:cTn>
+                        </p:par>
+                        <p:par>
+                          <p:cTn id="20" fill="hold">
+                            <p:stCondLst>
+                              <p:cond delay="4750"/>
+                            </p:stCondLst>
+                            <p:childTnLst>
+                              <p:par>
+                                <p:cTn id="21" presetID="6" presetClass="entr" presetSubtype="32" fill="hold" nodeType="afterEffect">
+                                  <p:stCondLst>
+                                    <p:cond delay="1500"/>
+                                  </p:stCondLst>
+                                  <p:childTnLst>
+                                    <p:set>
+                                      <p:cBhvr>
+                                        <p:cTn id="22" dur="1" fill="hold">
+                                          <p:stCondLst>
+                                            <p:cond delay="0"/>
+                                          </p:stCondLst>
+                                        </p:cTn>
+                                        <p:tgtEl>
+                                          <p:spTgt spid="5"/>
+                                        </p:tgtEl>
+                                        <p:attrNameLst>
+                                          <p:attrName>style.visibility</p:attrName>
+                                        </p:attrNameLst>
+                                      </p:cBhvr>
+                                      <p:to>
+                                        <p:strVal val="visible"/>
+                                      </p:to>
+                                    </p:set>
+                                    <p:animEffect transition="in" filter="circle(out)">
+                                      <p:cBhvr>
+                                        <p:cTn id="23" dur="2000"/>
+                                        <p:tgtEl>
+                                          <p:spTgt spid="5"/>
+                                        </p:tgtEl>
+                                      </p:cBhvr>
+                                    </p:animEffect>
+                                  </p:childTnLst>
+                                </p:cTn>
+                              </p:par>
+                            </p:childTnLst>
+                          </p:cTn>
+                        </p:par>
+                        <p:par>
+                          <p:cTn id="24" fill="hold">
+                            <p:stCondLst>
+                              <p:cond delay="8250"/>
+                            </p:stCondLst>
+                            <p:childTnLst>
+                              <p:par>
+                                <p:cTn id="25" presetID="22" presetClass="entr" presetSubtype="1" fill="hold" nodeType="afterEffect">
+                                  <p:stCondLst>
+                                    <p:cond delay="1000"/>
+                                  </p:stCondLst>
+                                  <p:childTnLst>
+                                    <p:set>
+                                      <p:cBhvr>
+                                        <p:cTn id="26" dur="1" fill="hold">
+                                          <p:stCondLst>
+                                            <p:cond delay="0"/>
+                                          </p:stCondLst>
+                                        </p:cTn>
+                                        <p:tgtEl>
+                                          <p:spTgt spid="8"/>
+                                        </p:tgtEl>
+                                        <p:attrNameLst>
+                                          <p:attrName>style.visibility</p:attrName>
+                                        </p:attrNameLst>
+                                      </p:cBhvr>
+                                      <p:to>
+                                        <p:strVal val="visible"/>
+                                      </p:to>
+                                    </p:set>
+                                    <p:animEffect transition="in" filter="wipe(up)">
+                                      <p:cBhvr>
+                                        <p:cTn id="27" dur="1500"/>
+                                        <p:tgtEl>
+                                          <p:spTgt spid="8"/>
+                                        </p:tgtEl>
+                                      </p:cBhvr>
+                                    </p:animEffect>
+                                  </p:childTnLst>
+                                </p:cTn>
+                              </p:par>
+                            </p:childTnLst>
+                          </p:cTn>
+                        </p:par>
+                      </p:childTnLst>
+                    </p:cTn>
+                  </p:par>
+                </p:childTnLst>
+              </p:cTn>
+              <p:prevCondLst>
+                <p:cond evt="onPrev" delay="0">
+                  <p:tgtEl>
+                    <p:sldTgt/>
+                  </p:tgtEl>
+                </p:cond>
+              </p:prevCondLst>
+              <p:nextCondLst>
+                <p:cond evt="onNext" delay="0">
+                  <p:tgtEl>
+                    <p:sldTgt/>
+                  </p:tgtEl>
+                </p:cond>
+              </p:nextCondLst>
+            </p:seq>
+          </p:childTnLst>
+        </p:cTn>
+      </p:par>
+    </p:tnLst>
+    <p:bldLst>
+      <p:bldP spid="2" grpId="0"/>
+    </p:bldLst>
+  </p:timing>
 </p:sld>
 </file>
 
@@ -5019,47 +7304,12 @@
           <a:chExt cx="0" cy="0"/>
         </a:xfrm>
       </p:grpSpPr>
-      <p:sp>
-        <p:nvSpPr>
-          <p:cNvPr id="2" name="Title 1">
+      <p:pic>
+        <p:nvPicPr>
+          <p:cNvPr id="25" name="Picture 24" descr="A screenshot of a cell phone&#10;&#10;Description automatically generated">
             <a:extLst>
               <a:ext uri="{FF2B5EF4-FFF2-40B4-BE49-F238E27FC236}">
-                <a16:creationId xmlns:a16="http://schemas.microsoft.com/office/drawing/2014/main" id="{A9B967C7-5A3A-4320-9CAF-2B9C7080B49C}"/>
-              </a:ext>
-            </a:extLst>
-          </p:cNvPr>
-          <p:cNvSpPr>
-            <a:spLocks noGrp="1"/>
-          </p:cNvSpPr>
-          <p:nvPr>
-            <p:ph type="title"/>
-          </p:nvPr>
-        </p:nvSpPr>
-        <p:spPr>
-          <a:xfrm>
-            <a:off x="609441" y="5486400"/>
-            <a:ext cx="10971372" cy="1066800"/>
-          </a:xfrm>
-        </p:spPr>
-        <p:txBody>
-          <a:bodyPr>
-            <a:normAutofit/>
-          </a:bodyPr>
-          <a:lstStyle/>
-          <a:p>
-            <a:r>
-              <a:rPr lang="en-US" dirty="0"/>
-              <a:t>Q3: Do certain product categories sell better/worse depending on customer region?)</a:t>
-            </a:r>
-          </a:p>
-        </p:txBody>
-      </p:sp>
-      <p:pic>
-        <p:nvPicPr>
-          <p:cNvPr id="5" name="Picture 4" descr="A screenshot of a cell phone&#10;&#10;Description automatically generated">
-            <a:extLst>
-              <a:ext uri="{FF2B5EF4-FFF2-40B4-BE49-F238E27FC236}">
-                <a16:creationId xmlns:a16="http://schemas.microsoft.com/office/drawing/2014/main" id="{AF041609-1642-4F38-A971-AFE02A157DFA}"/>
+                <a16:creationId xmlns:a16="http://schemas.microsoft.com/office/drawing/2014/main" id="{A8B99931-BE4C-4054-ABFA-DD94EF269BB4}"/>
               </a:ext>
             </a:extLst>
           </p:cNvPr>
@@ -5082,8 +7332,425 @@
         </p:blipFill>
         <p:spPr>
           <a:xfrm>
-            <a:off x="303212" y="228600"/>
-            <a:ext cx="7984488" cy="4876800"/>
+            <a:off x="2073676" y="313220"/>
+            <a:ext cx="8039092" cy="4114796"/>
+          </a:xfrm>
+          <a:prstGeom prst="rect">
+            <a:avLst/>
+          </a:prstGeom>
+        </p:spPr>
+      </p:pic>
+      <p:pic>
+        <p:nvPicPr>
+          <p:cNvPr id="23" name="Picture 22" descr="A screenshot of a cell phone&#10;&#10;Description automatically generated">
+            <a:extLst>
+              <a:ext uri="{FF2B5EF4-FFF2-40B4-BE49-F238E27FC236}">
+                <a16:creationId xmlns:a16="http://schemas.microsoft.com/office/drawing/2014/main" id="{281C6B31-C7F1-4213-AD97-9D7E9565BCDB}"/>
+              </a:ext>
+            </a:extLst>
+          </p:cNvPr>
+          <p:cNvPicPr>
+            <a:picLocks noChangeAspect="1"/>
+          </p:cNvPicPr>
+          <p:nvPr/>
+        </p:nvPicPr>
+        <p:blipFill>
+          <a:blip r:embed="rId3">
+            <a:extLst>
+              <a:ext uri="{28A0092B-C50C-407E-A947-70E740481C1C}">
+                <a14:useLocalDpi xmlns:a14="http://schemas.microsoft.com/office/drawing/2010/main" val="0"/>
+              </a:ext>
+            </a:extLst>
+          </a:blip>
+          <a:stretch>
+            <a:fillRect/>
+          </a:stretch>
+        </p:blipFill>
+        <p:spPr>
+          <a:xfrm>
+            <a:off x="2073676" y="313220"/>
+            <a:ext cx="8039092" cy="4114796"/>
+          </a:xfrm>
+          <a:prstGeom prst="rect">
+            <a:avLst/>
+          </a:prstGeom>
+        </p:spPr>
+      </p:pic>
+      <p:grpSp>
+        <p:nvGrpSpPr>
+          <p:cNvPr id="18" name="Group 17">
+            <a:extLst>
+              <a:ext uri="{FF2B5EF4-FFF2-40B4-BE49-F238E27FC236}">
+                <a16:creationId xmlns:a16="http://schemas.microsoft.com/office/drawing/2014/main" id="{3B91005D-0B13-429B-A88D-A897D784C8F0}"/>
+              </a:ext>
+            </a:extLst>
+          </p:cNvPr>
+          <p:cNvGrpSpPr/>
+          <p:nvPr/>
+        </p:nvGrpSpPr>
+        <p:grpSpPr>
+          <a:xfrm>
+            <a:off x="2076055" y="313220"/>
+            <a:ext cx="8036713" cy="4114800"/>
+            <a:chOff x="303212" y="228597"/>
+            <a:chExt cx="9524999" cy="4876803"/>
+          </a:xfrm>
+        </p:grpSpPr>
+        <p:grpSp>
+          <p:nvGrpSpPr>
+            <p:cNvPr id="17" name="Group 16">
+              <a:extLst>
+                <a:ext uri="{FF2B5EF4-FFF2-40B4-BE49-F238E27FC236}">
+                  <a16:creationId xmlns:a16="http://schemas.microsoft.com/office/drawing/2014/main" id="{77F5312F-9956-44C7-9988-26C7B6431EB8}"/>
+                </a:ext>
+              </a:extLst>
+            </p:cNvPr>
+            <p:cNvGrpSpPr/>
+            <p:nvPr/>
+          </p:nvGrpSpPr>
+          <p:grpSpPr>
+            <a:xfrm>
+              <a:off x="8228012" y="228597"/>
+              <a:ext cx="1600199" cy="4876803"/>
+              <a:chOff x="8228012" y="228595"/>
+              <a:chExt cx="1600199" cy="4876803"/>
+            </a:xfrm>
+          </p:grpSpPr>
+          <p:grpSp>
+            <p:nvGrpSpPr>
+              <p:cNvPr id="16" name="Group 15">
+                <a:extLst>
+                  <a:ext uri="{FF2B5EF4-FFF2-40B4-BE49-F238E27FC236}">
+                    <a16:creationId xmlns:a16="http://schemas.microsoft.com/office/drawing/2014/main" id="{9D216919-C52B-4C21-9E27-F644F16076DA}"/>
+                  </a:ext>
+                </a:extLst>
+              </p:cNvPr>
+              <p:cNvGrpSpPr/>
+              <p:nvPr/>
+            </p:nvGrpSpPr>
+            <p:grpSpPr>
+              <a:xfrm>
+                <a:off x="8228012" y="228597"/>
+                <a:ext cx="875196" cy="4876801"/>
+                <a:chOff x="8228012" y="228597"/>
+                <a:chExt cx="875196" cy="4876801"/>
+              </a:xfrm>
+            </p:grpSpPr>
+            <p:pic>
+              <p:nvPicPr>
+                <p:cNvPr id="11" name="Picture 10">
+                  <a:extLst>
+                    <a:ext uri="{FF2B5EF4-FFF2-40B4-BE49-F238E27FC236}">
+                      <a16:creationId xmlns:a16="http://schemas.microsoft.com/office/drawing/2014/main" id="{B238F8B1-F15D-4FC8-9702-C66D4D83C815}"/>
+                    </a:ext>
+                  </a:extLst>
+                </p:cNvPr>
+                <p:cNvPicPr>
+                  <a:picLocks noChangeAspect="1"/>
+                </p:cNvPicPr>
+                <p:nvPr/>
+              </p:nvPicPr>
+              <p:blipFill rotWithShape="1">
+                <a:blip r:embed="rId4"/>
+                <a:srcRect t="1449" b="5798"/>
+                <a:stretch/>
+              </p:blipFill>
+              <p:spPr>
+                <a:xfrm>
+                  <a:off x="8228012" y="228597"/>
+                  <a:ext cx="722796" cy="4876801"/>
+                </a:xfrm>
+                <a:prstGeom prst="rect">
+                  <a:avLst/>
+                </a:prstGeom>
+              </p:spPr>
+            </p:pic>
+            <p:pic>
+              <p:nvPicPr>
+                <p:cNvPr id="12" name="Picture 11">
+                  <a:extLst>
+                    <a:ext uri="{FF2B5EF4-FFF2-40B4-BE49-F238E27FC236}">
+                      <a16:creationId xmlns:a16="http://schemas.microsoft.com/office/drawing/2014/main" id="{EDB43E88-67A8-4FC6-B136-77C86CF8CD64}"/>
+                    </a:ext>
+                  </a:extLst>
+                </p:cNvPr>
+                <p:cNvPicPr>
+                  <a:picLocks noChangeAspect="1"/>
+                </p:cNvPicPr>
+                <p:nvPr/>
+              </p:nvPicPr>
+              <p:blipFill rotWithShape="1">
+                <a:blip r:embed="rId4"/>
+                <a:srcRect t="1449" b="5798"/>
+                <a:stretch/>
+              </p:blipFill>
+              <p:spPr>
+                <a:xfrm>
+                  <a:off x="8380412" y="228598"/>
+                  <a:ext cx="722796" cy="4876800"/>
+                </a:xfrm>
+                <a:prstGeom prst="rect">
+                  <a:avLst/>
+                </a:prstGeom>
+              </p:spPr>
+            </p:pic>
+          </p:grpSp>
+          <p:grpSp>
+            <p:nvGrpSpPr>
+              <p:cNvPr id="15" name="Group 14">
+                <a:extLst>
+                  <a:ext uri="{FF2B5EF4-FFF2-40B4-BE49-F238E27FC236}">
+                    <a16:creationId xmlns:a16="http://schemas.microsoft.com/office/drawing/2014/main" id="{CDBB0758-07A2-45DA-B320-8048103047E4}"/>
+                  </a:ext>
+                </a:extLst>
+              </p:cNvPr>
+              <p:cNvGrpSpPr/>
+              <p:nvPr/>
+            </p:nvGrpSpPr>
+            <p:grpSpPr>
+              <a:xfrm>
+                <a:off x="8761412" y="228595"/>
+                <a:ext cx="1066799" cy="4876802"/>
+                <a:chOff x="8800616" y="228595"/>
+                <a:chExt cx="1066799" cy="4876802"/>
+              </a:xfrm>
+            </p:grpSpPr>
+            <p:pic>
+              <p:nvPicPr>
+                <p:cNvPr id="13" name="Picture 12">
+                  <a:extLst>
+                    <a:ext uri="{FF2B5EF4-FFF2-40B4-BE49-F238E27FC236}">
+                      <a16:creationId xmlns:a16="http://schemas.microsoft.com/office/drawing/2014/main" id="{FB0D24B2-6160-4D2F-B002-5EB268C0C5CC}"/>
+                    </a:ext>
+                  </a:extLst>
+                </p:cNvPr>
+                <p:cNvPicPr>
+                  <a:picLocks noChangeAspect="1"/>
+                </p:cNvPicPr>
+                <p:nvPr/>
+              </p:nvPicPr>
+              <p:blipFill rotWithShape="1">
+                <a:blip r:embed="rId4"/>
+                <a:srcRect t="1449" b="5798"/>
+                <a:stretch/>
+              </p:blipFill>
+              <p:spPr>
+                <a:xfrm>
+                  <a:off x="8800616" y="228595"/>
+                  <a:ext cx="722796" cy="4876802"/>
+                </a:xfrm>
+                <a:prstGeom prst="rect">
+                  <a:avLst/>
+                </a:prstGeom>
+              </p:spPr>
+            </p:pic>
+            <p:pic>
+              <p:nvPicPr>
+                <p:cNvPr id="14" name="Picture 13">
+                  <a:extLst>
+                    <a:ext uri="{FF2B5EF4-FFF2-40B4-BE49-F238E27FC236}">
+                      <a16:creationId xmlns:a16="http://schemas.microsoft.com/office/drawing/2014/main" id="{D6478A3B-6C75-4554-9CF4-3C774E69E173}"/>
+                    </a:ext>
+                  </a:extLst>
+                </p:cNvPr>
+                <p:cNvPicPr>
+                  <a:picLocks noChangeAspect="1"/>
+                </p:cNvPicPr>
+                <p:nvPr/>
+              </p:nvPicPr>
+              <p:blipFill rotWithShape="1">
+                <a:blip r:embed="rId4"/>
+                <a:srcRect t="1449" b="5798"/>
+                <a:stretch/>
+              </p:blipFill>
+              <p:spPr>
+                <a:xfrm>
+                  <a:off x="9144619" y="228596"/>
+                  <a:ext cx="722796" cy="4876801"/>
+                </a:xfrm>
+                <a:prstGeom prst="rect">
+                  <a:avLst/>
+                </a:prstGeom>
+              </p:spPr>
+            </p:pic>
+          </p:grpSp>
+        </p:grpSp>
+        <p:pic>
+          <p:nvPicPr>
+            <p:cNvPr id="5" name="Picture 4" descr="A screenshot of a cell phone&#10;&#10;Description automatically generated">
+              <a:extLst>
+                <a:ext uri="{FF2B5EF4-FFF2-40B4-BE49-F238E27FC236}">
+                  <a16:creationId xmlns:a16="http://schemas.microsoft.com/office/drawing/2014/main" id="{AF041609-1642-4F38-A971-AFE02A157DFA}"/>
+                </a:ext>
+              </a:extLst>
+            </p:cNvPr>
+            <p:cNvPicPr>
+              <a:picLocks noChangeAspect="1"/>
+            </p:cNvPicPr>
+            <p:nvPr/>
+          </p:nvPicPr>
+          <p:blipFill>
+            <a:blip r:embed="rId5">
+              <a:extLst>
+                <a:ext uri="{28A0092B-C50C-407E-A947-70E740481C1C}">
+                  <a14:useLocalDpi xmlns:a14="http://schemas.microsoft.com/office/drawing/2010/main" val="0"/>
+                </a:ext>
+              </a:extLst>
+            </a:blip>
+            <a:stretch>
+              <a:fillRect/>
+            </a:stretch>
+          </p:blipFill>
+          <p:spPr>
+            <a:xfrm>
+              <a:off x="303212" y="228600"/>
+              <a:ext cx="7984488" cy="4876800"/>
+            </a:xfrm>
+            <a:prstGeom prst="rect">
+              <a:avLst/>
+            </a:prstGeom>
+          </p:spPr>
+        </p:pic>
+        <p:grpSp>
+          <p:nvGrpSpPr>
+            <p:cNvPr id="9" name="Group 8">
+              <a:extLst>
+                <a:ext uri="{FF2B5EF4-FFF2-40B4-BE49-F238E27FC236}">
+                  <a16:creationId xmlns:a16="http://schemas.microsoft.com/office/drawing/2014/main" id="{6F64C184-52DE-4472-8BF3-43D5A39F3C04}"/>
+                </a:ext>
+              </a:extLst>
+            </p:cNvPr>
+            <p:cNvGrpSpPr/>
+            <p:nvPr/>
+          </p:nvGrpSpPr>
+          <p:grpSpPr>
+            <a:xfrm>
+              <a:off x="8257800" y="1533525"/>
+              <a:ext cx="1295400" cy="3495675"/>
+              <a:chOff x="8380412" y="1524000"/>
+              <a:chExt cx="1295400" cy="3495675"/>
+            </a:xfrm>
+          </p:grpSpPr>
+          <p:pic>
+            <p:nvPicPr>
+              <p:cNvPr id="7" name="Picture 6">
+                <a:extLst>
+                  <a:ext uri="{FF2B5EF4-FFF2-40B4-BE49-F238E27FC236}">
+                    <a16:creationId xmlns:a16="http://schemas.microsoft.com/office/drawing/2014/main" id="{269F95BE-411D-42F8-9174-3C7E1DB270F6}"/>
+                  </a:ext>
+                </a:extLst>
+              </p:cNvPr>
+              <p:cNvPicPr>
+                <a:picLocks noChangeAspect="1"/>
+              </p:cNvPicPr>
+              <p:nvPr/>
+            </p:nvPicPr>
+            <p:blipFill rotWithShape="1">
+              <a:blip r:embed="rId6"/>
+              <a:srcRect b="16326"/>
+              <a:stretch/>
+            </p:blipFill>
+            <p:spPr>
+              <a:xfrm>
+                <a:off x="8456613" y="1524000"/>
+                <a:ext cx="1066799" cy="2743200"/>
+              </a:xfrm>
+              <a:prstGeom prst="rect">
+                <a:avLst/>
+              </a:prstGeom>
+            </p:spPr>
+          </p:pic>
+          <p:pic>
+            <p:nvPicPr>
+              <p:cNvPr id="8" name="Picture 7">
+                <a:extLst>
+                  <a:ext uri="{FF2B5EF4-FFF2-40B4-BE49-F238E27FC236}">
+                    <a16:creationId xmlns:a16="http://schemas.microsoft.com/office/drawing/2014/main" id="{1AA4C1B1-E5D1-47B5-BD0D-3EC8E1153F4A}"/>
+                  </a:ext>
+                </a:extLst>
+              </p:cNvPr>
+              <p:cNvPicPr>
+                <a:picLocks noChangeAspect="1"/>
+              </p:cNvPicPr>
+              <p:nvPr/>
+            </p:nvPicPr>
+            <p:blipFill>
+              <a:blip r:embed="rId7"/>
+              <a:stretch>
+                <a:fillRect/>
+              </a:stretch>
+            </p:blipFill>
+            <p:spPr>
+              <a:xfrm>
+                <a:off x="8380412" y="4276725"/>
+                <a:ext cx="1295400" cy="742950"/>
+              </a:xfrm>
+              <a:prstGeom prst="rect">
+                <a:avLst/>
+              </a:prstGeom>
+            </p:spPr>
+          </p:pic>
+        </p:grpSp>
+      </p:grpSp>
+      <p:sp>
+        <p:nvSpPr>
+          <p:cNvPr id="2" name="Title 1">
+            <a:extLst>
+              <a:ext uri="{FF2B5EF4-FFF2-40B4-BE49-F238E27FC236}">
+                <a16:creationId xmlns:a16="http://schemas.microsoft.com/office/drawing/2014/main" id="{A9B967C7-5A3A-4320-9CAF-2B9C7080B49C}"/>
+              </a:ext>
+            </a:extLst>
+          </p:cNvPr>
+          <p:cNvSpPr>
+            <a:spLocks noGrp="1"/>
+          </p:cNvSpPr>
+          <p:nvPr>
+            <p:ph type="title"/>
+          </p:nvPr>
+        </p:nvSpPr>
+        <p:spPr>
+          <a:xfrm>
+            <a:off x="176531" y="4933415"/>
+            <a:ext cx="5252250" cy="1447800"/>
+          </a:xfrm>
+        </p:spPr>
+        <p:txBody>
+          <a:bodyPr>
+            <a:normAutofit/>
+          </a:bodyPr>
+          <a:lstStyle/>
+          <a:p>
+            <a:r>
+              <a:rPr lang="en-US" dirty="0"/>
+              <a:t>Q3: Do certain products sell better/worse in different regions?</a:t>
+            </a:r>
+          </a:p>
+        </p:txBody>
+      </p:sp>
+      <p:pic>
+        <p:nvPicPr>
+          <p:cNvPr id="19" name="Picture 18">
+            <a:extLst>
+              <a:ext uri="{FF2B5EF4-FFF2-40B4-BE49-F238E27FC236}">
+                <a16:creationId xmlns:a16="http://schemas.microsoft.com/office/drawing/2014/main" id="{A43D4AFF-2B50-4EAC-8BC9-615F9C83BDF2}"/>
+              </a:ext>
+            </a:extLst>
+          </p:cNvPr>
+          <p:cNvPicPr>
+            <a:picLocks noChangeAspect="1"/>
+          </p:cNvPicPr>
+          <p:nvPr/>
+        </p:nvPicPr>
+        <p:blipFill>
+          <a:blip r:embed="rId8"/>
+          <a:stretch>
+            <a:fillRect/>
+          </a:stretch>
+        </p:blipFill>
+        <p:spPr>
+          <a:xfrm>
+            <a:off x="5027612" y="4745235"/>
+            <a:ext cx="6965679" cy="1824161"/>
           </a:xfrm>
           <a:prstGeom prst="rect">
             <a:avLst/>
@@ -5112,6 +7779,363 @@
       </p:transition>
     </mc:Fallback>
   </mc:AlternateContent>
+  <p:timing>
+    <p:tnLst>
+      <p:par>
+        <p:cTn id="1" dur="indefinite" restart="never" nodeType="tmRoot">
+          <p:childTnLst>
+            <p:seq concurrent="1" nextAc="seek">
+              <p:cTn id="2" dur="indefinite" nodeType="mainSeq">
+                <p:childTnLst>
+                  <p:par>
+                    <p:cTn id="3" fill="hold">
+                      <p:stCondLst>
+                        <p:cond delay="indefinite"/>
+                        <p:cond evt="onBegin" delay="0">
+                          <p:tn val="2"/>
+                        </p:cond>
+                      </p:stCondLst>
+                      <p:childTnLst>
+                        <p:par>
+                          <p:cTn id="4" fill="hold">
+                            <p:stCondLst>
+                              <p:cond delay="0"/>
+                            </p:stCondLst>
+                            <p:childTnLst>
+                              <p:par>
+                                <p:cTn id="5" presetID="42" presetClass="entr" presetSubtype="0" fill="hold" grpId="0" nodeType="afterEffect">
+                                  <p:stCondLst>
+                                    <p:cond delay="0"/>
+                                  </p:stCondLst>
+                                  <p:childTnLst>
+                                    <p:set>
+                                      <p:cBhvr>
+                                        <p:cTn id="6" dur="1" fill="hold">
+                                          <p:stCondLst>
+                                            <p:cond delay="0"/>
+                                          </p:stCondLst>
+                                        </p:cTn>
+                                        <p:tgtEl>
+                                          <p:spTgt spid="2"/>
+                                        </p:tgtEl>
+                                        <p:attrNameLst>
+                                          <p:attrName>style.visibility</p:attrName>
+                                        </p:attrNameLst>
+                                      </p:cBhvr>
+                                      <p:to>
+                                        <p:strVal val="visible"/>
+                                      </p:to>
+                                    </p:set>
+                                    <p:animEffect transition="in" filter="fade">
+                                      <p:cBhvr>
+                                        <p:cTn id="7" dur="1000"/>
+                                        <p:tgtEl>
+                                          <p:spTgt spid="2"/>
+                                        </p:tgtEl>
+                                      </p:cBhvr>
+                                    </p:animEffect>
+                                    <p:anim calcmode="lin" valueType="num">
+                                      <p:cBhvr>
+                                        <p:cTn id="8" dur="1000" fill="hold"/>
+                                        <p:tgtEl>
+                                          <p:spTgt spid="2"/>
+                                        </p:tgtEl>
+                                        <p:attrNameLst>
+                                          <p:attrName>ppt_x</p:attrName>
+                                        </p:attrNameLst>
+                                      </p:cBhvr>
+                                      <p:tavLst>
+                                        <p:tav tm="0">
+                                          <p:val>
+                                            <p:strVal val="#ppt_x"/>
+                                          </p:val>
+                                        </p:tav>
+                                        <p:tav tm="100000">
+                                          <p:val>
+                                            <p:strVal val="#ppt_x"/>
+                                          </p:val>
+                                        </p:tav>
+                                      </p:tavLst>
+                                    </p:anim>
+                                    <p:anim calcmode="lin" valueType="num">
+                                      <p:cBhvr>
+                                        <p:cTn id="9" dur="1000" fill="hold"/>
+                                        <p:tgtEl>
+                                          <p:spTgt spid="2"/>
+                                        </p:tgtEl>
+                                        <p:attrNameLst>
+                                          <p:attrName>ppt_y</p:attrName>
+                                        </p:attrNameLst>
+                                      </p:cBhvr>
+                                      <p:tavLst>
+                                        <p:tav tm="0">
+                                          <p:val>
+                                            <p:strVal val="#ppt_y+.1"/>
+                                          </p:val>
+                                        </p:tav>
+                                        <p:tav tm="100000">
+                                          <p:val>
+                                            <p:strVal val="#ppt_y"/>
+                                          </p:val>
+                                        </p:tav>
+                                      </p:tavLst>
+                                    </p:anim>
+                                  </p:childTnLst>
+                                </p:cTn>
+                              </p:par>
+                            </p:childTnLst>
+                          </p:cTn>
+                        </p:par>
+                        <p:par>
+                          <p:cTn id="10" fill="hold">
+                            <p:stCondLst>
+                              <p:cond delay="1000"/>
+                            </p:stCondLst>
+                            <p:childTnLst>
+                              <p:par>
+                                <p:cTn id="11" presetID="42" presetClass="entr" presetSubtype="0" fill="hold" nodeType="afterEffect">
+                                  <p:stCondLst>
+                                    <p:cond delay="500"/>
+                                  </p:stCondLst>
+                                  <p:childTnLst>
+                                    <p:set>
+                                      <p:cBhvr>
+                                        <p:cTn id="12" dur="1" fill="hold">
+                                          <p:stCondLst>
+                                            <p:cond delay="0"/>
+                                          </p:stCondLst>
+                                        </p:cTn>
+                                        <p:tgtEl>
+                                          <p:spTgt spid="25"/>
+                                        </p:tgtEl>
+                                        <p:attrNameLst>
+                                          <p:attrName>style.visibility</p:attrName>
+                                        </p:attrNameLst>
+                                      </p:cBhvr>
+                                      <p:to>
+                                        <p:strVal val="visible"/>
+                                      </p:to>
+                                    </p:set>
+                                    <p:animEffect transition="in" filter="fade">
+                                      <p:cBhvr>
+                                        <p:cTn id="13" dur="1000"/>
+                                        <p:tgtEl>
+                                          <p:spTgt spid="25"/>
+                                        </p:tgtEl>
+                                      </p:cBhvr>
+                                    </p:animEffect>
+                                    <p:anim calcmode="lin" valueType="num">
+                                      <p:cBhvr>
+                                        <p:cTn id="14" dur="1000" fill="hold"/>
+                                        <p:tgtEl>
+                                          <p:spTgt spid="25"/>
+                                        </p:tgtEl>
+                                        <p:attrNameLst>
+                                          <p:attrName>ppt_x</p:attrName>
+                                        </p:attrNameLst>
+                                      </p:cBhvr>
+                                      <p:tavLst>
+                                        <p:tav tm="0">
+                                          <p:val>
+                                            <p:strVal val="#ppt_x"/>
+                                          </p:val>
+                                        </p:tav>
+                                        <p:tav tm="100000">
+                                          <p:val>
+                                            <p:strVal val="#ppt_x"/>
+                                          </p:val>
+                                        </p:tav>
+                                      </p:tavLst>
+                                    </p:anim>
+                                    <p:anim calcmode="lin" valueType="num">
+                                      <p:cBhvr>
+                                        <p:cTn id="15" dur="1000" fill="hold"/>
+                                        <p:tgtEl>
+                                          <p:spTgt spid="25"/>
+                                        </p:tgtEl>
+                                        <p:attrNameLst>
+                                          <p:attrName>ppt_y</p:attrName>
+                                        </p:attrNameLst>
+                                      </p:cBhvr>
+                                      <p:tavLst>
+                                        <p:tav tm="0">
+                                          <p:val>
+                                            <p:strVal val="#ppt_y+.1"/>
+                                          </p:val>
+                                        </p:tav>
+                                        <p:tav tm="100000">
+                                          <p:val>
+                                            <p:strVal val="#ppt_y"/>
+                                          </p:val>
+                                        </p:tav>
+                                      </p:tavLst>
+                                    </p:anim>
+                                  </p:childTnLst>
+                                </p:cTn>
+                              </p:par>
+                            </p:childTnLst>
+                          </p:cTn>
+                        </p:par>
+                        <p:par>
+                          <p:cTn id="16" fill="hold">
+                            <p:stCondLst>
+                              <p:cond delay="2500"/>
+                            </p:stCondLst>
+                            <p:childTnLst>
+                              <p:par>
+                                <p:cTn id="17" presetID="22" presetClass="entr" presetSubtype="4" fill="hold" nodeType="afterEffect">
+                                  <p:stCondLst>
+                                    <p:cond delay="250"/>
+                                  </p:stCondLst>
+                                  <p:childTnLst>
+                                    <p:set>
+                                      <p:cBhvr>
+                                        <p:cTn id="18" dur="1" fill="hold">
+                                          <p:stCondLst>
+                                            <p:cond delay="0"/>
+                                          </p:stCondLst>
+                                        </p:cTn>
+                                        <p:tgtEl>
+                                          <p:spTgt spid="23"/>
+                                        </p:tgtEl>
+                                        <p:attrNameLst>
+                                          <p:attrName>style.visibility</p:attrName>
+                                        </p:attrNameLst>
+                                      </p:cBhvr>
+                                      <p:to>
+                                        <p:strVal val="visible"/>
+                                      </p:to>
+                                    </p:set>
+                                    <p:animEffect transition="in" filter="wipe(down)">
+                                      <p:cBhvr>
+                                        <p:cTn id="19" dur="2000"/>
+                                        <p:tgtEl>
+                                          <p:spTgt spid="23"/>
+                                        </p:tgtEl>
+                                      </p:cBhvr>
+                                    </p:animEffect>
+                                  </p:childTnLst>
+                                </p:cTn>
+                              </p:par>
+                            </p:childTnLst>
+                          </p:cTn>
+                        </p:par>
+                        <p:par>
+                          <p:cTn id="20" fill="hold">
+                            <p:stCondLst>
+                              <p:cond delay="4750"/>
+                            </p:stCondLst>
+                            <p:childTnLst>
+                              <p:par>
+                                <p:cTn id="21" presetID="22" presetClass="entr" presetSubtype="4" fill="hold" nodeType="afterEffect">
+                                  <p:stCondLst>
+                                    <p:cond delay="250"/>
+                                  </p:stCondLst>
+                                  <p:childTnLst>
+                                    <p:set>
+                                      <p:cBhvr>
+                                        <p:cTn id="22" dur="1" fill="hold">
+                                          <p:stCondLst>
+                                            <p:cond delay="0"/>
+                                          </p:stCondLst>
+                                        </p:cTn>
+                                        <p:tgtEl>
+                                          <p:spTgt spid="18"/>
+                                        </p:tgtEl>
+                                        <p:attrNameLst>
+                                          <p:attrName>style.visibility</p:attrName>
+                                        </p:attrNameLst>
+                                      </p:cBhvr>
+                                      <p:to>
+                                        <p:strVal val="visible"/>
+                                      </p:to>
+                                    </p:set>
+                                    <p:animEffect transition="in" filter="wipe(down)">
+                                      <p:cBhvr>
+                                        <p:cTn id="23" dur="2000"/>
+                                        <p:tgtEl>
+                                          <p:spTgt spid="18"/>
+                                        </p:tgtEl>
+                                      </p:cBhvr>
+                                    </p:animEffect>
+                                  </p:childTnLst>
+                                </p:cTn>
+                              </p:par>
+                            </p:childTnLst>
+                          </p:cTn>
+                        </p:par>
+                        <p:par>
+                          <p:cTn id="24" fill="hold">
+                            <p:stCondLst>
+                              <p:cond delay="7000"/>
+                            </p:stCondLst>
+                            <p:childTnLst>
+                              <p:par>
+                                <p:cTn id="25" presetID="22" presetClass="entr" presetSubtype="1" fill="hold" nodeType="afterEffect">
+                                  <p:stCondLst>
+                                    <p:cond delay="1000"/>
+                                  </p:stCondLst>
+                                  <p:childTnLst>
+                                    <p:set>
+                                      <p:cBhvr>
+                                        <p:cTn id="26" dur="1" fill="hold">
+                                          <p:stCondLst>
+                                            <p:cond delay="0"/>
+                                          </p:stCondLst>
+                                        </p:cTn>
+                                        <p:tgtEl>
+                                          <p:spTgt spid="19"/>
+                                        </p:tgtEl>
+                                        <p:attrNameLst>
+                                          <p:attrName>style.visibility</p:attrName>
+                                        </p:attrNameLst>
+                                      </p:cBhvr>
+                                      <p:to>
+                                        <p:strVal val="visible"/>
+                                      </p:to>
+                                    </p:set>
+                                    <p:animEffect transition="in" filter="wipe(up)">
+                                      <p:cBhvr>
+                                        <p:cTn id="27" dur="2000"/>
+                                        <p:tgtEl>
+                                          <p:spTgt spid="19"/>
+                                        </p:tgtEl>
+                                      </p:cBhvr>
+                                    </p:animEffect>
+                                  </p:childTnLst>
+                                </p:cTn>
+                              </p:par>
+                            </p:childTnLst>
+                          </p:cTn>
+                        </p:par>
+                      </p:childTnLst>
+                    </p:cTn>
+                  </p:par>
+                </p:childTnLst>
+              </p:cTn>
+              <p:prevCondLst>
+                <p:cond evt="onPrev" delay="0">
+                  <p:tgtEl>
+                    <p:sldTgt/>
+                  </p:tgtEl>
+                </p:cond>
+              </p:prevCondLst>
+              <p:nextCondLst>
+                <p:cond evt="onNext" delay="0">
+                  <p:tgtEl>
+                    <p:sldTgt/>
+                  </p:tgtEl>
+                </p:cond>
+              </p:nextCondLst>
+            </p:seq>
+          </p:childTnLst>
+        </p:cTn>
+      </p:par>
+    </p:tnLst>
+    <p:bldLst>
+      <p:bldP spid="2" grpId="0"/>
+    </p:bldLst>
+  </p:timing>
 </p:sld>
 </file>
 
@@ -5132,6 +8156,108 @@
           <a:chExt cx="0" cy="0"/>
         </a:xfrm>
       </p:grpSpPr>
+      <p:pic>
+        <p:nvPicPr>
+          <p:cNvPr id="14" name="Picture 13" descr="A screenshot of a cell phone&#10;&#10;Description automatically generated">
+            <a:extLst>
+              <a:ext uri="{FF2B5EF4-FFF2-40B4-BE49-F238E27FC236}">
+                <a16:creationId xmlns:a16="http://schemas.microsoft.com/office/drawing/2014/main" id="{8F0EC9CF-B214-436F-A055-BA11DC6B84FA}"/>
+              </a:ext>
+            </a:extLst>
+          </p:cNvPr>
+          <p:cNvPicPr>
+            <a:picLocks noChangeAspect="1"/>
+          </p:cNvPicPr>
+          <p:nvPr/>
+        </p:nvPicPr>
+        <p:blipFill>
+          <a:blip r:embed="rId2">
+            <a:extLst>
+              <a:ext uri="{28A0092B-C50C-407E-A947-70E740481C1C}">
+                <a14:useLocalDpi xmlns:a14="http://schemas.microsoft.com/office/drawing/2010/main" val="0"/>
+              </a:ext>
+            </a:extLst>
+          </a:blip>
+          <a:stretch>
+            <a:fillRect/>
+          </a:stretch>
+        </p:blipFill>
+        <p:spPr>
+          <a:xfrm>
+            <a:off x="7415875" y="185057"/>
+            <a:ext cx="4620550" cy="3096245"/>
+          </a:xfrm>
+          <a:prstGeom prst="rect">
+            <a:avLst/>
+          </a:prstGeom>
+        </p:spPr>
+      </p:pic>
+      <p:pic>
+        <p:nvPicPr>
+          <p:cNvPr id="12" name="Picture 11" descr="A screenshot of a cell phone&#10;&#10;Description automatically generated">
+            <a:extLst>
+              <a:ext uri="{FF2B5EF4-FFF2-40B4-BE49-F238E27FC236}">
+                <a16:creationId xmlns:a16="http://schemas.microsoft.com/office/drawing/2014/main" id="{F32BBC40-8849-4194-8E03-A7F550C3A4F0}"/>
+              </a:ext>
+            </a:extLst>
+          </p:cNvPr>
+          <p:cNvPicPr>
+            <a:picLocks noChangeAspect="1"/>
+          </p:cNvPicPr>
+          <p:nvPr/>
+        </p:nvPicPr>
+        <p:blipFill>
+          <a:blip r:embed="rId3">
+            <a:extLst>
+              <a:ext uri="{28A0092B-C50C-407E-A947-70E740481C1C}">
+                <a14:useLocalDpi xmlns:a14="http://schemas.microsoft.com/office/drawing/2010/main" val="0"/>
+              </a:ext>
+            </a:extLst>
+          </a:blip>
+          <a:stretch>
+            <a:fillRect/>
+          </a:stretch>
+        </p:blipFill>
+        <p:spPr>
+          <a:xfrm>
+            <a:off x="118162" y="1328057"/>
+            <a:ext cx="7090532" cy="2864765"/>
+          </a:xfrm>
+          <a:prstGeom prst="rect">
+            <a:avLst/>
+          </a:prstGeom>
+        </p:spPr>
+      </p:pic>
+      <p:pic>
+        <p:nvPicPr>
+          <p:cNvPr id="5" name="Picture 4">
+            <a:extLst>
+              <a:ext uri="{FF2B5EF4-FFF2-40B4-BE49-F238E27FC236}">
+                <a16:creationId xmlns:a16="http://schemas.microsoft.com/office/drawing/2014/main" id="{8FDEB122-3DC0-46DE-9C02-BA75CA1BC105}"/>
+              </a:ext>
+            </a:extLst>
+          </p:cNvPr>
+          <p:cNvPicPr>
+            <a:picLocks noChangeAspect="1"/>
+          </p:cNvPicPr>
+          <p:nvPr/>
+        </p:nvPicPr>
+        <p:blipFill>
+          <a:blip r:embed="rId4"/>
+          <a:stretch>
+            <a:fillRect/>
+          </a:stretch>
+        </p:blipFill>
+        <p:spPr>
+          <a:xfrm>
+            <a:off x="118161" y="1328057"/>
+            <a:ext cx="7090532" cy="2862943"/>
+          </a:xfrm>
+          <a:prstGeom prst="rect">
+            <a:avLst/>
+          </a:prstGeom>
+        </p:spPr>
+      </p:pic>
       <p:sp>
         <p:nvSpPr>
           <p:cNvPr id="2" name="Title 1">
@@ -5181,36 +8307,6 @@
       </p:sp>
       <p:pic>
         <p:nvPicPr>
-          <p:cNvPr id="5" name="Picture 4">
-            <a:extLst>
-              <a:ext uri="{FF2B5EF4-FFF2-40B4-BE49-F238E27FC236}">
-                <a16:creationId xmlns:a16="http://schemas.microsoft.com/office/drawing/2014/main" id="{8FDEB122-3DC0-46DE-9C02-BA75CA1BC105}"/>
-              </a:ext>
-            </a:extLst>
-          </p:cNvPr>
-          <p:cNvPicPr>
-            <a:picLocks noChangeAspect="1"/>
-          </p:cNvPicPr>
-          <p:nvPr/>
-        </p:nvPicPr>
-        <p:blipFill>
-          <a:blip r:embed="rId2"/>
-          <a:stretch>
-            <a:fillRect/>
-          </a:stretch>
-        </p:blipFill>
-        <p:spPr>
-          <a:xfrm>
-            <a:off x="152400" y="299356"/>
-            <a:ext cx="7090532" cy="2862943"/>
-          </a:xfrm>
-          <a:prstGeom prst="rect">
-            <a:avLst/>
-          </a:prstGeom>
-        </p:spPr>
-      </p:pic>
-      <p:pic>
-        <p:nvPicPr>
           <p:cNvPr id="7" name="Picture 6">
             <a:extLst>
               <a:ext uri="{FF2B5EF4-FFF2-40B4-BE49-F238E27FC236}">
@@ -5224,7 +8320,7 @@
           <p:nvPr/>
         </p:nvPicPr>
         <p:blipFill>
-          <a:blip r:embed="rId3"/>
+          <a:blip r:embed="rId5"/>
           <a:stretch>
             <a:fillRect/>
           </a:stretch>
@@ -5254,7 +8350,7 @@
           <p:nvPr/>
         </p:nvPicPr>
         <p:blipFill>
-          <a:blip r:embed="rId4"/>
+          <a:blip r:embed="rId6"/>
           <a:stretch>
             <a:fillRect/>
           </a:stretch>
@@ -5291,6 +8387,453 @@
       </p:transition>
     </mc:Fallback>
   </mc:AlternateContent>
+  <p:timing>
+    <p:tnLst>
+      <p:par>
+        <p:cTn id="1" dur="indefinite" restart="never" nodeType="tmRoot">
+          <p:childTnLst>
+            <p:seq concurrent="1" nextAc="seek">
+              <p:cTn id="2" dur="indefinite" nodeType="mainSeq">
+                <p:childTnLst>
+                  <p:par>
+                    <p:cTn id="3" fill="hold">
+                      <p:stCondLst>
+                        <p:cond delay="indefinite"/>
+                        <p:cond evt="onBegin" delay="0">
+                          <p:tn val="2"/>
+                        </p:cond>
+                      </p:stCondLst>
+                      <p:childTnLst>
+                        <p:par>
+                          <p:cTn id="4" fill="hold">
+                            <p:stCondLst>
+                              <p:cond delay="0"/>
+                            </p:stCondLst>
+                            <p:childTnLst>
+                              <p:par>
+                                <p:cTn id="5" presetID="42" presetClass="entr" presetSubtype="0" fill="hold" grpId="0" nodeType="afterEffect">
+                                  <p:stCondLst>
+                                    <p:cond delay="0"/>
+                                  </p:stCondLst>
+                                  <p:childTnLst>
+                                    <p:set>
+                                      <p:cBhvr>
+                                        <p:cTn id="6" dur="1" fill="hold">
+                                          <p:stCondLst>
+                                            <p:cond delay="0"/>
+                                          </p:stCondLst>
+                                        </p:cTn>
+                                        <p:tgtEl>
+                                          <p:spTgt spid="2"/>
+                                        </p:tgtEl>
+                                        <p:attrNameLst>
+                                          <p:attrName>style.visibility</p:attrName>
+                                        </p:attrNameLst>
+                                      </p:cBhvr>
+                                      <p:to>
+                                        <p:strVal val="visible"/>
+                                      </p:to>
+                                    </p:set>
+                                    <p:animEffect transition="in" filter="fade">
+                                      <p:cBhvr>
+                                        <p:cTn id="7" dur="1000"/>
+                                        <p:tgtEl>
+                                          <p:spTgt spid="2"/>
+                                        </p:tgtEl>
+                                      </p:cBhvr>
+                                    </p:animEffect>
+                                    <p:anim calcmode="lin" valueType="num">
+                                      <p:cBhvr>
+                                        <p:cTn id="8" dur="1000" fill="hold"/>
+                                        <p:tgtEl>
+                                          <p:spTgt spid="2"/>
+                                        </p:tgtEl>
+                                        <p:attrNameLst>
+                                          <p:attrName>ppt_x</p:attrName>
+                                        </p:attrNameLst>
+                                      </p:cBhvr>
+                                      <p:tavLst>
+                                        <p:tav tm="0">
+                                          <p:val>
+                                            <p:strVal val="#ppt_x"/>
+                                          </p:val>
+                                        </p:tav>
+                                        <p:tav tm="100000">
+                                          <p:val>
+                                            <p:strVal val="#ppt_x"/>
+                                          </p:val>
+                                        </p:tav>
+                                      </p:tavLst>
+                                    </p:anim>
+                                    <p:anim calcmode="lin" valueType="num">
+                                      <p:cBhvr>
+                                        <p:cTn id="9" dur="1000" fill="hold"/>
+                                        <p:tgtEl>
+                                          <p:spTgt spid="2"/>
+                                        </p:tgtEl>
+                                        <p:attrNameLst>
+                                          <p:attrName>ppt_y</p:attrName>
+                                        </p:attrNameLst>
+                                      </p:cBhvr>
+                                      <p:tavLst>
+                                        <p:tav tm="0">
+                                          <p:val>
+                                            <p:strVal val="#ppt_y+.1"/>
+                                          </p:val>
+                                        </p:tav>
+                                        <p:tav tm="100000">
+                                          <p:val>
+                                            <p:strVal val="#ppt_y"/>
+                                          </p:val>
+                                        </p:tav>
+                                      </p:tavLst>
+                                    </p:anim>
+                                  </p:childTnLst>
+                                </p:cTn>
+                              </p:par>
+                            </p:childTnLst>
+                          </p:cTn>
+                        </p:par>
+                        <p:par>
+                          <p:cTn id="10" fill="hold">
+                            <p:stCondLst>
+                              <p:cond delay="1000"/>
+                            </p:stCondLst>
+                            <p:childTnLst>
+                              <p:par>
+                                <p:cTn id="11" presetID="42" presetClass="entr" presetSubtype="0" fill="hold" nodeType="afterEffect">
+                                  <p:stCondLst>
+                                    <p:cond delay="500"/>
+                                  </p:stCondLst>
+                                  <p:childTnLst>
+                                    <p:set>
+                                      <p:cBhvr>
+                                        <p:cTn id="12" dur="1" fill="hold">
+                                          <p:stCondLst>
+                                            <p:cond delay="0"/>
+                                          </p:stCondLst>
+                                        </p:cTn>
+                                        <p:tgtEl>
+                                          <p:spTgt spid="12"/>
+                                        </p:tgtEl>
+                                        <p:attrNameLst>
+                                          <p:attrName>style.visibility</p:attrName>
+                                        </p:attrNameLst>
+                                      </p:cBhvr>
+                                      <p:to>
+                                        <p:strVal val="visible"/>
+                                      </p:to>
+                                    </p:set>
+                                    <p:animEffect transition="in" filter="fade">
+                                      <p:cBhvr>
+                                        <p:cTn id="13" dur="1000"/>
+                                        <p:tgtEl>
+                                          <p:spTgt spid="12"/>
+                                        </p:tgtEl>
+                                      </p:cBhvr>
+                                    </p:animEffect>
+                                    <p:anim calcmode="lin" valueType="num">
+                                      <p:cBhvr>
+                                        <p:cTn id="14" dur="1000" fill="hold"/>
+                                        <p:tgtEl>
+                                          <p:spTgt spid="12"/>
+                                        </p:tgtEl>
+                                        <p:attrNameLst>
+                                          <p:attrName>ppt_x</p:attrName>
+                                        </p:attrNameLst>
+                                      </p:cBhvr>
+                                      <p:tavLst>
+                                        <p:tav tm="0">
+                                          <p:val>
+                                            <p:strVal val="#ppt_x"/>
+                                          </p:val>
+                                        </p:tav>
+                                        <p:tav tm="100000">
+                                          <p:val>
+                                            <p:strVal val="#ppt_x"/>
+                                          </p:val>
+                                        </p:tav>
+                                      </p:tavLst>
+                                    </p:anim>
+                                    <p:anim calcmode="lin" valueType="num">
+                                      <p:cBhvr>
+                                        <p:cTn id="15" dur="1000" fill="hold"/>
+                                        <p:tgtEl>
+                                          <p:spTgt spid="12"/>
+                                        </p:tgtEl>
+                                        <p:attrNameLst>
+                                          <p:attrName>ppt_y</p:attrName>
+                                        </p:attrNameLst>
+                                      </p:cBhvr>
+                                      <p:tavLst>
+                                        <p:tav tm="0">
+                                          <p:val>
+                                            <p:strVal val="#ppt_y+.1"/>
+                                          </p:val>
+                                        </p:tav>
+                                        <p:tav tm="100000">
+                                          <p:val>
+                                            <p:strVal val="#ppt_y"/>
+                                          </p:val>
+                                        </p:tav>
+                                      </p:tavLst>
+                                    </p:anim>
+                                  </p:childTnLst>
+                                </p:cTn>
+                              </p:par>
+                            </p:childTnLst>
+                          </p:cTn>
+                        </p:par>
+                        <p:par>
+                          <p:cTn id="16" fill="hold">
+                            <p:stCondLst>
+                              <p:cond delay="2500"/>
+                            </p:stCondLst>
+                            <p:childTnLst>
+                              <p:par>
+                                <p:cTn id="17" presetID="22" presetClass="entr" presetSubtype="8" fill="hold" nodeType="afterEffect">
+                                  <p:stCondLst>
+                                    <p:cond delay="250"/>
+                                  </p:stCondLst>
+                                  <p:childTnLst>
+                                    <p:set>
+                                      <p:cBhvr>
+                                        <p:cTn id="18" dur="1" fill="hold">
+                                          <p:stCondLst>
+                                            <p:cond delay="0"/>
+                                          </p:stCondLst>
+                                        </p:cTn>
+                                        <p:tgtEl>
+                                          <p:spTgt spid="5"/>
+                                        </p:tgtEl>
+                                        <p:attrNameLst>
+                                          <p:attrName>style.visibility</p:attrName>
+                                        </p:attrNameLst>
+                                      </p:cBhvr>
+                                      <p:to>
+                                        <p:strVal val="visible"/>
+                                      </p:to>
+                                    </p:set>
+                                    <p:animEffect transition="in" filter="wipe(left)">
+                                      <p:cBhvr>
+                                        <p:cTn id="19" dur="2750"/>
+                                        <p:tgtEl>
+                                          <p:spTgt spid="5"/>
+                                        </p:tgtEl>
+                                      </p:cBhvr>
+                                    </p:animEffect>
+                                  </p:childTnLst>
+                                </p:cTn>
+                              </p:par>
+                            </p:childTnLst>
+                          </p:cTn>
+                        </p:par>
+                        <p:par>
+                          <p:cTn id="20" fill="hold">
+                            <p:stCondLst>
+                              <p:cond delay="5500"/>
+                            </p:stCondLst>
+                            <p:childTnLst>
+                              <p:par>
+                                <p:cTn id="21" presetID="42" presetClass="entr" presetSubtype="0" fill="hold" nodeType="afterEffect">
+                                  <p:stCondLst>
+                                    <p:cond delay="1000"/>
+                                  </p:stCondLst>
+                                  <p:childTnLst>
+                                    <p:set>
+                                      <p:cBhvr>
+                                        <p:cTn id="22" dur="1" fill="hold">
+                                          <p:stCondLst>
+                                            <p:cond delay="0"/>
+                                          </p:stCondLst>
+                                        </p:cTn>
+                                        <p:tgtEl>
+                                          <p:spTgt spid="14"/>
+                                        </p:tgtEl>
+                                        <p:attrNameLst>
+                                          <p:attrName>style.visibility</p:attrName>
+                                        </p:attrNameLst>
+                                      </p:cBhvr>
+                                      <p:to>
+                                        <p:strVal val="visible"/>
+                                      </p:to>
+                                    </p:set>
+                                    <p:animEffect transition="in" filter="fade">
+                                      <p:cBhvr>
+                                        <p:cTn id="23" dur="1000"/>
+                                        <p:tgtEl>
+                                          <p:spTgt spid="14"/>
+                                        </p:tgtEl>
+                                      </p:cBhvr>
+                                    </p:animEffect>
+                                    <p:anim calcmode="lin" valueType="num">
+                                      <p:cBhvr>
+                                        <p:cTn id="24" dur="1000" fill="hold"/>
+                                        <p:tgtEl>
+                                          <p:spTgt spid="14"/>
+                                        </p:tgtEl>
+                                        <p:attrNameLst>
+                                          <p:attrName>ppt_x</p:attrName>
+                                        </p:attrNameLst>
+                                      </p:cBhvr>
+                                      <p:tavLst>
+                                        <p:tav tm="0">
+                                          <p:val>
+                                            <p:strVal val="#ppt_x"/>
+                                          </p:val>
+                                        </p:tav>
+                                        <p:tav tm="100000">
+                                          <p:val>
+                                            <p:strVal val="#ppt_x"/>
+                                          </p:val>
+                                        </p:tav>
+                                      </p:tavLst>
+                                    </p:anim>
+                                    <p:anim calcmode="lin" valueType="num">
+                                      <p:cBhvr>
+                                        <p:cTn id="25" dur="1000" fill="hold"/>
+                                        <p:tgtEl>
+                                          <p:spTgt spid="14"/>
+                                        </p:tgtEl>
+                                        <p:attrNameLst>
+                                          <p:attrName>ppt_y</p:attrName>
+                                        </p:attrNameLst>
+                                      </p:cBhvr>
+                                      <p:tavLst>
+                                        <p:tav tm="0">
+                                          <p:val>
+                                            <p:strVal val="#ppt_y+.1"/>
+                                          </p:val>
+                                        </p:tav>
+                                        <p:tav tm="100000">
+                                          <p:val>
+                                            <p:strVal val="#ppt_y"/>
+                                          </p:val>
+                                        </p:tav>
+                                      </p:tavLst>
+                                    </p:anim>
+                                  </p:childTnLst>
+                                </p:cTn>
+                              </p:par>
+                            </p:childTnLst>
+                          </p:cTn>
+                        </p:par>
+                        <p:par>
+                          <p:cTn id="26" fill="hold">
+                            <p:stCondLst>
+                              <p:cond delay="7500"/>
+                            </p:stCondLst>
+                            <p:childTnLst>
+                              <p:par>
+                                <p:cTn id="27" presetID="22" presetClass="entr" presetSubtype="8" fill="hold" nodeType="afterEffect">
+                                  <p:stCondLst>
+                                    <p:cond delay="250"/>
+                                  </p:stCondLst>
+                                  <p:childTnLst>
+                                    <p:set>
+                                      <p:cBhvr>
+                                        <p:cTn id="28" dur="1" fill="hold">
+                                          <p:stCondLst>
+                                            <p:cond delay="0"/>
+                                          </p:stCondLst>
+                                        </p:cTn>
+                                        <p:tgtEl>
+                                          <p:spTgt spid="7"/>
+                                        </p:tgtEl>
+                                        <p:attrNameLst>
+                                          <p:attrName>style.visibility</p:attrName>
+                                        </p:attrNameLst>
+                                      </p:cBhvr>
+                                      <p:to>
+                                        <p:strVal val="visible"/>
+                                      </p:to>
+                                    </p:set>
+                                    <p:animEffect transition="in" filter="wipe(left)">
+                                      <p:cBhvr>
+                                        <p:cTn id="29" dur="2000"/>
+                                        <p:tgtEl>
+                                          <p:spTgt spid="7"/>
+                                        </p:tgtEl>
+                                      </p:cBhvr>
+                                    </p:animEffect>
+                                  </p:childTnLst>
+                                </p:cTn>
+                              </p:par>
+                            </p:childTnLst>
+                          </p:cTn>
+                        </p:par>
+                        <p:par>
+                          <p:cTn id="30" fill="hold">
+                            <p:stCondLst>
+                              <p:cond delay="9750"/>
+                            </p:stCondLst>
+                            <p:childTnLst>
+                              <p:par>
+                                <p:cTn id="31" presetID="22" presetClass="entr" presetSubtype="1" fill="hold" nodeType="afterEffect">
+                                  <p:stCondLst>
+                                    <p:cond delay="1500"/>
+                                  </p:stCondLst>
+                                  <p:childTnLst>
+                                    <p:set>
+                                      <p:cBhvr>
+                                        <p:cTn id="32" dur="1" fill="hold">
+                                          <p:stCondLst>
+                                            <p:cond delay="0"/>
+                                          </p:stCondLst>
+                                        </p:cTn>
+                                        <p:tgtEl>
+                                          <p:spTgt spid="8"/>
+                                        </p:tgtEl>
+                                        <p:attrNameLst>
+                                          <p:attrName>style.visibility</p:attrName>
+                                        </p:attrNameLst>
+                                      </p:cBhvr>
+                                      <p:to>
+                                        <p:strVal val="visible"/>
+                                      </p:to>
+                                    </p:set>
+                                    <p:animEffect transition="in" filter="wipe(up)">
+                                      <p:cBhvr>
+                                        <p:cTn id="33" dur="1500"/>
+                                        <p:tgtEl>
+                                          <p:spTgt spid="8"/>
+                                        </p:tgtEl>
+                                      </p:cBhvr>
+                                    </p:animEffect>
+                                  </p:childTnLst>
+                                </p:cTn>
+                              </p:par>
+                            </p:childTnLst>
+                          </p:cTn>
+                        </p:par>
+                      </p:childTnLst>
+                    </p:cTn>
+                  </p:par>
+                </p:childTnLst>
+              </p:cTn>
+              <p:prevCondLst>
+                <p:cond evt="onPrev" delay="0">
+                  <p:tgtEl>
+                    <p:sldTgt/>
+                  </p:tgtEl>
+                </p:cond>
+              </p:prevCondLst>
+              <p:nextCondLst>
+                <p:cond evt="onNext" delay="0">
+                  <p:tgtEl>
+                    <p:sldTgt/>
+                  </p:tgtEl>
+                </p:cond>
+              </p:nextCondLst>
+            </p:seq>
+          </p:childTnLst>
+        </p:cTn>
+      </p:par>
+    </p:tnLst>
+    <p:bldLst>
+      <p:bldP spid="2" grpId="0"/>
+    </p:bldLst>
+  </p:timing>
 </p:sld>
 </file>
 
@@ -5327,12 +8870,20 @@
             <p:ph type="title"/>
           </p:nvPr>
         </p:nvSpPr>
-        <p:spPr/>
+        <p:spPr>
+          <a:xfrm>
+            <a:off x="609441" y="5486400"/>
+            <a:ext cx="10971372" cy="1066800"/>
+          </a:xfrm>
+        </p:spPr>
         <p:txBody>
           <a:bodyPr/>
           <a:lstStyle/>
           <a:p>
-            <a:endParaRPr lang="en-US"/>
+            <a:r>
+              <a:rPr lang="en-US" dirty="0"/>
+              <a:t>Recommendations</a:t>
+            </a:r>
           </a:p>
         </p:txBody>
       </p:sp>
@@ -5352,15 +8903,150 @@
             <p:ph idx="13"/>
           </p:nvPr>
         </p:nvSpPr>
-        <p:spPr/>
+        <p:spPr>
+          <a:xfrm>
+            <a:off x="455612" y="304800"/>
+            <a:ext cx="11430000" cy="5257800"/>
+          </a:xfrm>
+        </p:spPr>
         <p:txBody>
-          <a:bodyPr/>
+          <a:bodyPr>
+            <a:normAutofit/>
+          </a:bodyPr>
           <a:lstStyle/>
           <a:p>
-            <a:endParaRPr lang="en-US"/>
+            <a:pPr marL="514350" indent="-514350">
+              <a:buFont typeface="+mj-lt"/>
+              <a:buAutoNum type="arabicPeriod"/>
+            </a:pPr>
+            <a:r>
+              <a:rPr lang="en-US" dirty="0"/>
+              <a:t>Offer a 5% discount (no more, no less) on all items to increase sales by </a:t>
+            </a:r>
+            <a:br>
+              <a:rPr lang="en-US" dirty="0"/>
+            </a:br>
+            <a:r>
+              <a:rPr lang="en-US" dirty="0"/>
+              <a:t>6-7 units per order</a:t>
+            </a:r>
+          </a:p>
+          <a:p>
+            <a:pPr marL="514350" indent="-514350">
+              <a:buFont typeface="+mj-lt"/>
+              <a:buAutoNum type="arabicPeriod"/>
+            </a:pPr>
+            <a:r>
+              <a:rPr lang="en-US" dirty="0"/>
+              <a:t>Have the sales manager consult with the VP about his team’s strategy. Focus on generating highest number of sales, not price per sale.</a:t>
+            </a:r>
+          </a:p>
+          <a:p>
+            <a:pPr marL="514350" indent="-514350">
+              <a:buFont typeface="+mj-lt"/>
+              <a:buAutoNum type="arabicPeriod"/>
+            </a:pPr>
+            <a:r>
+              <a:rPr lang="en-US" dirty="0"/>
+              <a:t>Refocus regional marketing of </a:t>
+            </a:r>
+            <a:br>
+              <a:rPr lang="en-US" dirty="0"/>
+            </a:br>
+            <a:r>
+              <a:rPr lang="en-US" dirty="0"/>
+              <a:t>products according to table:</a:t>
+            </a:r>
+            <a:br>
+              <a:rPr lang="en-US" dirty="0"/>
+            </a:br>
+            <a:endParaRPr lang="en-US" sz="1600" dirty="0"/>
+          </a:p>
+          <a:p>
+            <a:pPr marL="514350" indent="-514350">
+              <a:buFont typeface="+mj-lt"/>
+              <a:buAutoNum type="arabicPeriod"/>
+            </a:pPr>
+            <a:endParaRPr lang="en-US" dirty="0"/>
+          </a:p>
+          <a:p>
+            <a:pPr marL="514350" indent="-514350">
+              <a:buFont typeface="+mj-lt"/>
+              <a:buAutoNum type="arabicPeriod"/>
+            </a:pPr>
+            <a:r>
+              <a:rPr lang="en-US" dirty="0"/>
+              <a:t>Refocus seasonal product marketing by demand:</a:t>
+            </a:r>
+          </a:p>
+          <a:p>
+            <a:pPr marL="0" indent="0">
+              <a:buNone/>
+            </a:pPr>
+            <a:endParaRPr lang="en-US" dirty="0"/>
           </a:p>
         </p:txBody>
       </p:sp>
+      <p:pic>
+        <p:nvPicPr>
+          <p:cNvPr id="5" name="Picture 4">
+            <a:extLst>
+              <a:ext uri="{FF2B5EF4-FFF2-40B4-BE49-F238E27FC236}">
+                <a16:creationId xmlns:a16="http://schemas.microsoft.com/office/drawing/2014/main" id="{03629D68-7ED2-4431-A15F-1132F3A7E029}"/>
+              </a:ext>
+            </a:extLst>
+          </p:cNvPr>
+          <p:cNvPicPr>
+            <a:picLocks noChangeAspect="1"/>
+          </p:cNvPicPr>
+          <p:nvPr/>
+        </p:nvPicPr>
+        <p:blipFill>
+          <a:blip r:embed="rId2"/>
+          <a:stretch>
+            <a:fillRect/>
+          </a:stretch>
+        </p:blipFill>
+        <p:spPr>
+          <a:xfrm>
+            <a:off x="5514750" y="2362200"/>
+            <a:ext cx="6401444" cy="1676400"/>
+          </a:xfrm>
+          <a:prstGeom prst="rect">
+            <a:avLst/>
+          </a:prstGeom>
+        </p:spPr>
+      </p:pic>
+      <p:pic>
+        <p:nvPicPr>
+          <p:cNvPr id="6" name="Picture 5">
+            <a:extLst>
+              <a:ext uri="{FF2B5EF4-FFF2-40B4-BE49-F238E27FC236}">
+                <a16:creationId xmlns:a16="http://schemas.microsoft.com/office/drawing/2014/main" id="{2C9C79B1-B694-4A8C-AA15-B7108696A67C}"/>
+              </a:ext>
+            </a:extLst>
+          </p:cNvPr>
+          <p:cNvPicPr>
+            <a:picLocks noChangeAspect="1"/>
+          </p:cNvPicPr>
+          <p:nvPr/>
+        </p:nvPicPr>
+        <p:blipFill>
+          <a:blip r:embed="rId3"/>
+          <a:stretch>
+            <a:fillRect/>
+          </a:stretch>
+        </p:blipFill>
+        <p:spPr>
+          <a:xfrm>
+            <a:off x="8151812" y="4398770"/>
+            <a:ext cx="3296342" cy="2327660"/>
+          </a:xfrm>
+          <a:prstGeom prst="rect">
+            <a:avLst/>
+          </a:prstGeom>
+        </p:spPr>
+      </p:pic>
     </p:spTree>
     <p:extLst>
       <p:ext uri="{BB962C8B-B14F-4D97-AF65-F5344CB8AC3E}">
@@ -5383,6 +9069,654 @@
       </p:transition>
     </mc:Fallback>
   </mc:AlternateContent>
+  <p:timing>
+    <p:tnLst>
+      <p:par>
+        <p:cTn id="1" dur="indefinite" restart="never" nodeType="tmRoot">
+          <p:childTnLst>
+            <p:seq concurrent="1" nextAc="seek">
+              <p:cTn id="2" dur="indefinite" nodeType="mainSeq">
+                <p:childTnLst>
+                  <p:par>
+                    <p:cTn id="3" fill="hold">
+                      <p:stCondLst>
+                        <p:cond delay="indefinite"/>
+                        <p:cond evt="onBegin" delay="0">
+                          <p:tn val="2"/>
+                        </p:cond>
+                      </p:stCondLst>
+                      <p:childTnLst>
+                        <p:par>
+                          <p:cTn id="4" fill="hold">
+                            <p:stCondLst>
+                              <p:cond delay="0"/>
+                            </p:stCondLst>
+                            <p:childTnLst>
+                              <p:par>
+                                <p:cTn id="5" presetID="42" presetClass="entr" presetSubtype="0" fill="hold" grpId="0" nodeType="afterEffect">
+                                  <p:stCondLst>
+                                    <p:cond delay="0"/>
+                                  </p:stCondLst>
+                                  <p:childTnLst>
+                                    <p:set>
+                                      <p:cBhvr>
+                                        <p:cTn id="6" dur="1" fill="hold">
+                                          <p:stCondLst>
+                                            <p:cond delay="0"/>
+                                          </p:stCondLst>
+                                        </p:cTn>
+                                        <p:tgtEl>
+                                          <p:spTgt spid="2"/>
+                                        </p:tgtEl>
+                                        <p:attrNameLst>
+                                          <p:attrName>style.visibility</p:attrName>
+                                        </p:attrNameLst>
+                                      </p:cBhvr>
+                                      <p:to>
+                                        <p:strVal val="visible"/>
+                                      </p:to>
+                                    </p:set>
+                                    <p:animEffect transition="in" filter="fade">
+                                      <p:cBhvr>
+                                        <p:cTn id="7" dur="1000"/>
+                                        <p:tgtEl>
+                                          <p:spTgt spid="2"/>
+                                        </p:tgtEl>
+                                      </p:cBhvr>
+                                    </p:animEffect>
+                                    <p:anim calcmode="lin" valueType="num">
+                                      <p:cBhvr>
+                                        <p:cTn id="8" dur="1000" fill="hold"/>
+                                        <p:tgtEl>
+                                          <p:spTgt spid="2"/>
+                                        </p:tgtEl>
+                                        <p:attrNameLst>
+                                          <p:attrName>ppt_x</p:attrName>
+                                        </p:attrNameLst>
+                                      </p:cBhvr>
+                                      <p:tavLst>
+                                        <p:tav tm="0">
+                                          <p:val>
+                                            <p:strVal val="#ppt_x"/>
+                                          </p:val>
+                                        </p:tav>
+                                        <p:tav tm="100000">
+                                          <p:val>
+                                            <p:strVal val="#ppt_x"/>
+                                          </p:val>
+                                        </p:tav>
+                                      </p:tavLst>
+                                    </p:anim>
+                                    <p:anim calcmode="lin" valueType="num">
+                                      <p:cBhvr>
+                                        <p:cTn id="9" dur="1000" fill="hold"/>
+                                        <p:tgtEl>
+                                          <p:spTgt spid="2"/>
+                                        </p:tgtEl>
+                                        <p:attrNameLst>
+                                          <p:attrName>ppt_y</p:attrName>
+                                        </p:attrNameLst>
+                                      </p:cBhvr>
+                                      <p:tavLst>
+                                        <p:tav tm="0">
+                                          <p:val>
+                                            <p:strVal val="#ppt_y+.1"/>
+                                          </p:val>
+                                        </p:tav>
+                                        <p:tav tm="100000">
+                                          <p:val>
+                                            <p:strVal val="#ppt_y"/>
+                                          </p:val>
+                                        </p:tav>
+                                      </p:tavLst>
+                                    </p:anim>
+                                  </p:childTnLst>
+                                </p:cTn>
+                              </p:par>
+                            </p:childTnLst>
+                          </p:cTn>
+                        </p:par>
+                        <p:par>
+                          <p:cTn id="10" fill="hold">
+                            <p:stCondLst>
+                              <p:cond delay="1000"/>
+                            </p:stCondLst>
+                            <p:childTnLst>
+                              <p:par>
+                                <p:cTn id="11" presetID="42" presetClass="entr" presetSubtype="0" fill="hold" grpId="0" nodeType="afterEffect">
+                                  <p:stCondLst>
+                                    <p:cond delay="500"/>
+                                  </p:stCondLst>
+                                  <p:childTnLst>
+                                    <p:set>
+                                      <p:cBhvr>
+                                        <p:cTn id="12" dur="1" fill="hold">
+                                          <p:stCondLst>
+                                            <p:cond delay="0"/>
+                                          </p:stCondLst>
+                                        </p:cTn>
+                                        <p:tgtEl>
+                                          <p:spTgt spid="3">
+                                            <p:txEl>
+                                              <p:pRg st="0" end="0"/>
+                                            </p:txEl>
+                                          </p:spTgt>
+                                        </p:tgtEl>
+                                        <p:attrNameLst>
+                                          <p:attrName>style.visibility</p:attrName>
+                                        </p:attrNameLst>
+                                      </p:cBhvr>
+                                      <p:to>
+                                        <p:strVal val="visible"/>
+                                      </p:to>
+                                    </p:set>
+                                    <p:animEffect transition="in" filter="fade">
+                                      <p:cBhvr>
+                                        <p:cTn id="13" dur="1000"/>
+                                        <p:tgtEl>
+                                          <p:spTgt spid="3">
+                                            <p:txEl>
+                                              <p:pRg st="0" end="0"/>
+                                            </p:txEl>
+                                          </p:spTgt>
+                                        </p:tgtEl>
+                                      </p:cBhvr>
+                                    </p:animEffect>
+                                    <p:anim calcmode="lin" valueType="num">
+                                      <p:cBhvr>
+                                        <p:cTn id="14" dur="1000" fill="hold"/>
+                                        <p:tgtEl>
+                                          <p:spTgt spid="3">
+                                            <p:txEl>
+                                              <p:pRg st="0" end="0"/>
+                                            </p:txEl>
+                                          </p:spTgt>
+                                        </p:tgtEl>
+                                        <p:attrNameLst>
+                                          <p:attrName>ppt_x</p:attrName>
+                                        </p:attrNameLst>
+                                      </p:cBhvr>
+                                      <p:tavLst>
+                                        <p:tav tm="0">
+                                          <p:val>
+                                            <p:strVal val="#ppt_x"/>
+                                          </p:val>
+                                        </p:tav>
+                                        <p:tav tm="100000">
+                                          <p:val>
+                                            <p:strVal val="#ppt_x"/>
+                                          </p:val>
+                                        </p:tav>
+                                      </p:tavLst>
+                                    </p:anim>
+                                    <p:anim calcmode="lin" valueType="num">
+                                      <p:cBhvr>
+                                        <p:cTn id="15" dur="1000" fill="hold"/>
+                                        <p:tgtEl>
+                                          <p:spTgt spid="3">
+                                            <p:txEl>
+                                              <p:pRg st="0" end="0"/>
+                                            </p:txEl>
+                                          </p:spTgt>
+                                        </p:tgtEl>
+                                        <p:attrNameLst>
+                                          <p:attrName>ppt_y</p:attrName>
+                                        </p:attrNameLst>
+                                      </p:cBhvr>
+                                      <p:tavLst>
+                                        <p:tav tm="0">
+                                          <p:val>
+                                            <p:strVal val="#ppt_y+.1"/>
+                                          </p:val>
+                                        </p:tav>
+                                        <p:tav tm="100000">
+                                          <p:val>
+                                            <p:strVal val="#ppt_y"/>
+                                          </p:val>
+                                        </p:tav>
+                                      </p:tavLst>
+                                    </p:anim>
+                                  </p:childTnLst>
+                                </p:cTn>
+                              </p:par>
+                            </p:childTnLst>
+                          </p:cTn>
+                        </p:par>
+                        <p:par>
+                          <p:cTn id="16" fill="hold">
+                            <p:stCondLst>
+                              <p:cond delay="2500"/>
+                            </p:stCondLst>
+                            <p:childTnLst>
+                              <p:par>
+                                <p:cTn id="17" presetID="42" presetClass="entr" presetSubtype="0" fill="hold" grpId="0" nodeType="afterEffect">
+                                  <p:stCondLst>
+                                    <p:cond delay="500"/>
+                                  </p:stCondLst>
+                                  <p:childTnLst>
+                                    <p:set>
+                                      <p:cBhvr>
+                                        <p:cTn id="18" dur="1" fill="hold">
+                                          <p:stCondLst>
+                                            <p:cond delay="0"/>
+                                          </p:stCondLst>
+                                        </p:cTn>
+                                        <p:tgtEl>
+                                          <p:spTgt spid="3">
+                                            <p:txEl>
+                                              <p:pRg st="1" end="1"/>
+                                            </p:txEl>
+                                          </p:spTgt>
+                                        </p:tgtEl>
+                                        <p:attrNameLst>
+                                          <p:attrName>style.visibility</p:attrName>
+                                        </p:attrNameLst>
+                                      </p:cBhvr>
+                                      <p:to>
+                                        <p:strVal val="visible"/>
+                                      </p:to>
+                                    </p:set>
+                                    <p:animEffect transition="in" filter="fade">
+                                      <p:cBhvr>
+                                        <p:cTn id="19" dur="1000"/>
+                                        <p:tgtEl>
+                                          <p:spTgt spid="3">
+                                            <p:txEl>
+                                              <p:pRg st="1" end="1"/>
+                                            </p:txEl>
+                                          </p:spTgt>
+                                        </p:tgtEl>
+                                      </p:cBhvr>
+                                    </p:animEffect>
+                                    <p:anim calcmode="lin" valueType="num">
+                                      <p:cBhvr>
+                                        <p:cTn id="20" dur="1000" fill="hold"/>
+                                        <p:tgtEl>
+                                          <p:spTgt spid="3">
+                                            <p:txEl>
+                                              <p:pRg st="1" end="1"/>
+                                            </p:txEl>
+                                          </p:spTgt>
+                                        </p:tgtEl>
+                                        <p:attrNameLst>
+                                          <p:attrName>ppt_x</p:attrName>
+                                        </p:attrNameLst>
+                                      </p:cBhvr>
+                                      <p:tavLst>
+                                        <p:tav tm="0">
+                                          <p:val>
+                                            <p:strVal val="#ppt_x"/>
+                                          </p:val>
+                                        </p:tav>
+                                        <p:tav tm="100000">
+                                          <p:val>
+                                            <p:strVal val="#ppt_x"/>
+                                          </p:val>
+                                        </p:tav>
+                                      </p:tavLst>
+                                    </p:anim>
+                                    <p:anim calcmode="lin" valueType="num">
+                                      <p:cBhvr>
+                                        <p:cTn id="21" dur="1000" fill="hold"/>
+                                        <p:tgtEl>
+                                          <p:spTgt spid="3">
+                                            <p:txEl>
+                                              <p:pRg st="1" end="1"/>
+                                            </p:txEl>
+                                          </p:spTgt>
+                                        </p:tgtEl>
+                                        <p:attrNameLst>
+                                          <p:attrName>ppt_y</p:attrName>
+                                        </p:attrNameLst>
+                                      </p:cBhvr>
+                                      <p:tavLst>
+                                        <p:tav tm="0">
+                                          <p:val>
+                                            <p:strVal val="#ppt_y+.1"/>
+                                          </p:val>
+                                        </p:tav>
+                                        <p:tav tm="100000">
+                                          <p:val>
+                                            <p:strVal val="#ppt_y"/>
+                                          </p:val>
+                                        </p:tav>
+                                      </p:tavLst>
+                                    </p:anim>
+                                  </p:childTnLst>
+                                </p:cTn>
+                              </p:par>
+                            </p:childTnLst>
+                          </p:cTn>
+                        </p:par>
+                        <p:par>
+                          <p:cTn id="22" fill="hold">
+                            <p:stCondLst>
+                              <p:cond delay="4000"/>
+                            </p:stCondLst>
+                            <p:childTnLst>
+                              <p:par>
+                                <p:cTn id="23" presetID="42" presetClass="entr" presetSubtype="0" fill="hold" grpId="0" nodeType="afterEffect">
+                                  <p:stCondLst>
+                                    <p:cond delay="500"/>
+                                  </p:stCondLst>
+                                  <p:childTnLst>
+                                    <p:set>
+                                      <p:cBhvr>
+                                        <p:cTn id="24" dur="1" fill="hold">
+                                          <p:stCondLst>
+                                            <p:cond delay="0"/>
+                                          </p:stCondLst>
+                                        </p:cTn>
+                                        <p:tgtEl>
+                                          <p:spTgt spid="3">
+                                            <p:txEl>
+                                              <p:pRg st="2" end="2"/>
+                                            </p:txEl>
+                                          </p:spTgt>
+                                        </p:tgtEl>
+                                        <p:attrNameLst>
+                                          <p:attrName>style.visibility</p:attrName>
+                                        </p:attrNameLst>
+                                      </p:cBhvr>
+                                      <p:to>
+                                        <p:strVal val="visible"/>
+                                      </p:to>
+                                    </p:set>
+                                    <p:animEffect transition="in" filter="fade">
+                                      <p:cBhvr>
+                                        <p:cTn id="25" dur="1000"/>
+                                        <p:tgtEl>
+                                          <p:spTgt spid="3">
+                                            <p:txEl>
+                                              <p:pRg st="2" end="2"/>
+                                            </p:txEl>
+                                          </p:spTgt>
+                                        </p:tgtEl>
+                                      </p:cBhvr>
+                                    </p:animEffect>
+                                    <p:anim calcmode="lin" valueType="num">
+                                      <p:cBhvr>
+                                        <p:cTn id="26" dur="1000" fill="hold"/>
+                                        <p:tgtEl>
+                                          <p:spTgt spid="3">
+                                            <p:txEl>
+                                              <p:pRg st="2" end="2"/>
+                                            </p:txEl>
+                                          </p:spTgt>
+                                        </p:tgtEl>
+                                        <p:attrNameLst>
+                                          <p:attrName>ppt_x</p:attrName>
+                                        </p:attrNameLst>
+                                      </p:cBhvr>
+                                      <p:tavLst>
+                                        <p:tav tm="0">
+                                          <p:val>
+                                            <p:strVal val="#ppt_x"/>
+                                          </p:val>
+                                        </p:tav>
+                                        <p:tav tm="100000">
+                                          <p:val>
+                                            <p:strVal val="#ppt_x"/>
+                                          </p:val>
+                                        </p:tav>
+                                      </p:tavLst>
+                                    </p:anim>
+                                    <p:anim calcmode="lin" valueType="num">
+                                      <p:cBhvr>
+                                        <p:cTn id="27" dur="1000" fill="hold"/>
+                                        <p:tgtEl>
+                                          <p:spTgt spid="3">
+                                            <p:txEl>
+                                              <p:pRg st="2" end="2"/>
+                                            </p:txEl>
+                                          </p:spTgt>
+                                        </p:tgtEl>
+                                        <p:attrNameLst>
+                                          <p:attrName>ppt_y</p:attrName>
+                                        </p:attrNameLst>
+                                      </p:cBhvr>
+                                      <p:tavLst>
+                                        <p:tav tm="0">
+                                          <p:val>
+                                            <p:strVal val="#ppt_y+.1"/>
+                                          </p:val>
+                                        </p:tav>
+                                        <p:tav tm="100000">
+                                          <p:val>
+                                            <p:strVal val="#ppt_y"/>
+                                          </p:val>
+                                        </p:tav>
+                                      </p:tavLst>
+                                    </p:anim>
+                                  </p:childTnLst>
+                                </p:cTn>
+                              </p:par>
+                            </p:childTnLst>
+                          </p:cTn>
+                        </p:par>
+                        <p:par>
+                          <p:cTn id="28" fill="hold">
+                            <p:stCondLst>
+                              <p:cond delay="5500"/>
+                            </p:stCondLst>
+                            <p:childTnLst>
+                              <p:par>
+                                <p:cTn id="29" presetID="4" presetClass="entr" presetSubtype="32" fill="hold" nodeType="afterEffect">
+                                  <p:stCondLst>
+                                    <p:cond delay="500"/>
+                                  </p:stCondLst>
+                                  <p:childTnLst>
+                                    <p:set>
+                                      <p:cBhvr>
+                                        <p:cTn id="30" dur="1" fill="hold">
+                                          <p:stCondLst>
+                                            <p:cond delay="0"/>
+                                          </p:stCondLst>
+                                        </p:cTn>
+                                        <p:tgtEl>
+                                          <p:spTgt spid="5"/>
+                                        </p:tgtEl>
+                                        <p:attrNameLst>
+                                          <p:attrName>style.visibility</p:attrName>
+                                        </p:attrNameLst>
+                                      </p:cBhvr>
+                                      <p:to>
+                                        <p:strVal val="visible"/>
+                                      </p:to>
+                                    </p:set>
+                                    <p:animEffect transition="in" filter="box(out)">
+                                      <p:cBhvr>
+                                        <p:cTn id="31" dur="1500"/>
+                                        <p:tgtEl>
+                                          <p:spTgt spid="5"/>
+                                        </p:tgtEl>
+                                      </p:cBhvr>
+                                    </p:animEffect>
+                                  </p:childTnLst>
+                                </p:cTn>
+                              </p:par>
+                            </p:childTnLst>
+                          </p:cTn>
+                        </p:par>
+                        <p:par>
+                          <p:cTn id="32" fill="hold">
+                            <p:stCondLst>
+                              <p:cond delay="7500"/>
+                            </p:stCondLst>
+                            <p:childTnLst>
+                              <p:par>
+                                <p:cTn id="33" presetID="42" presetClass="entr" presetSubtype="0" fill="hold" grpId="0" nodeType="afterEffect">
+                                  <p:stCondLst>
+                                    <p:cond delay="500"/>
+                                  </p:stCondLst>
+                                  <p:childTnLst>
+                                    <p:set>
+                                      <p:cBhvr>
+                                        <p:cTn id="34" dur="1" fill="hold">
+                                          <p:stCondLst>
+                                            <p:cond delay="0"/>
+                                          </p:stCondLst>
+                                        </p:cTn>
+                                        <p:tgtEl>
+                                          <p:spTgt spid="3">
+                                            <p:txEl>
+                                              <p:pRg st="4" end="4"/>
+                                            </p:txEl>
+                                          </p:spTgt>
+                                        </p:tgtEl>
+                                        <p:attrNameLst>
+                                          <p:attrName>style.visibility</p:attrName>
+                                        </p:attrNameLst>
+                                      </p:cBhvr>
+                                      <p:to>
+                                        <p:strVal val="visible"/>
+                                      </p:to>
+                                    </p:set>
+                                    <p:animEffect transition="in" filter="fade">
+                                      <p:cBhvr>
+                                        <p:cTn id="35" dur="1000"/>
+                                        <p:tgtEl>
+                                          <p:spTgt spid="3">
+                                            <p:txEl>
+                                              <p:pRg st="4" end="4"/>
+                                            </p:txEl>
+                                          </p:spTgt>
+                                        </p:tgtEl>
+                                      </p:cBhvr>
+                                    </p:animEffect>
+                                    <p:anim calcmode="lin" valueType="num">
+                                      <p:cBhvr>
+                                        <p:cTn id="36" dur="1000" fill="hold"/>
+                                        <p:tgtEl>
+                                          <p:spTgt spid="3">
+                                            <p:txEl>
+                                              <p:pRg st="4" end="4"/>
+                                            </p:txEl>
+                                          </p:spTgt>
+                                        </p:tgtEl>
+                                        <p:attrNameLst>
+                                          <p:attrName>ppt_x</p:attrName>
+                                        </p:attrNameLst>
+                                      </p:cBhvr>
+                                      <p:tavLst>
+                                        <p:tav tm="0">
+                                          <p:val>
+                                            <p:strVal val="#ppt_x"/>
+                                          </p:val>
+                                        </p:tav>
+                                        <p:tav tm="100000">
+                                          <p:val>
+                                            <p:strVal val="#ppt_x"/>
+                                          </p:val>
+                                        </p:tav>
+                                      </p:tavLst>
+                                    </p:anim>
+                                    <p:anim calcmode="lin" valueType="num">
+                                      <p:cBhvr>
+                                        <p:cTn id="37" dur="1000" fill="hold"/>
+                                        <p:tgtEl>
+                                          <p:spTgt spid="3">
+                                            <p:txEl>
+                                              <p:pRg st="4" end="4"/>
+                                            </p:txEl>
+                                          </p:spTgt>
+                                        </p:tgtEl>
+                                        <p:attrNameLst>
+                                          <p:attrName>ppt_y</p:attrName>
+                                        </p:attrNameLst>
+                                      </p:cBhvr>
+                                      <p:tavLst>
+                                        <p:tav tm="0">
+                                          <p:val>
+                                            <p:strVal val="#ppt_y+.1"/>
+                                          </p:val>
+                                        </p:tav>
+                                        <p:tav tm="100000">
+                                          <p:val>
+                                            <p:strVal val="#ppt_y"/>
+                                          </p:val>
+                                        </p:tav>
+                                      </p:tavLst>
+                                    </p:anim>
+                                  </p:childTnLst>
+                                </p:cTn>
+                              </p:par>
+                            </p:childTnLst>
+                          </p:cTn>
+                        </p:par>
+                        <p:par>
+                          <p:cTn id="38" fill="hold">
+                            <p:stCondLst>
+                              <p:cond delay="9000"/>
+                            </p:stCondLst>
+                            <p:childTnLst>
+                              <p:par>
+                                <p:cTn id="39" presetID="4" presetClass="entr" presetSubtype="32" fill="hold" nodeType="afterEffect">
+                                  <p:stCondLst>
+                                    <p:cond delay="500"/>
+                                  </p:stCondLst>
+                                  <p:childTnLst>
+                                    <p:set>
+                                      <p:cBhvr>
+                                        <p:cTn id="40" dur="1" fill="hold">
+                                          <p:stCondLst>
+                                            <p:cond delay="0"/>
+                                          </p:stCondLst>
+                                        </p:cTn>
+                                        <p:tgtEl>
+                                          <p:spTgt spid="6"/>
+                                        </p:tgtEl>
+                                        <p:attrNameLst>
+                                          <p:attrName>style.visibility</p:attrName>
+                                        </p:attrNameLst>
+                                      </p:cBhvr>
+                                      <p:to>
+                                        <p:strVal val="visible"/>
+                                      </p:to>
+                                    </p:set>
+                                    <p:animEffect transition="in" filter="box(out)">
+                                      <p:cBhvr>
+                                        <p:cTn id="41" dur="1500"/>
+                                        <p:tgtEl>
+                                          <p:spTgt spid="6"/>
+                                        </p:tgtEl>
+                                      </p:cBhvr>
+                                    </p:animEffect>
+                                  </p:childTnLst>
+                                </p:cTn>
+                              </p:par>
+                            </p:childTnLst>
+                          </p:cTn>
+                        </p:par>
+                      </p:childTnLst>
+                    </p:cTn>
+                  </p:par>
+                </p:childTnLst>
+              </p:cTn>
+              <p:prevCondLst>
+                <p:cond evt="onPrev" delay="0">
+                  <p:tgtEl>
+                    <p:sldTgt/>
+                  </p:tgtEl>
+                </p:cond>
+              </p:prevCondLst>
+              <p:nextCondLst>
+                <p:cond evt="onNext" delay="0">
+                  <p:tgtEl>
+                    <p:sldTgt/>
+                  </p:tgtEl>
+                </p:cond>
+              </p:nextCondLst>
+            </p:seq>
+          </p:childTnLst>
+        </p:cTn>
+      </p:par>
+    </p:tnLst>
+    <p:bldLst>
+      <p:bldP spid="2" grpId="0"/>
+      <p:bldP spid="3" grpId="0" uiExpand="1" build="p"/>
+    </p:bldLst>
+  </p:timing>
 </p:sld>
 </file>
 
@@ -5419,12 +9753,20 @@
             <p:ph type="title"/>
           </p:nvPr>
         </p:nvSpPr>
-        <p:spPr/>
+        <p:spPr>
+          <a:xfrm>
+            <a:off x="609441" y="5715000"/>
+            <a:ext cx="2665571" cy="685800"/>
+          </a:xfrm>
+        </p:spPr>
         <p:txBody>
           <a:bodyPr/>
           <a:lstStyle/>
           <a:p>
-            <a:endParaRPr lang="en-US"/>
+            <a:r>
+              <a:rPr lang="en-US" dirty="0"/>
+              <a:t>Thank You!</a:t>
+            </a:r>
           </a:p>
         </p:txBody>
       </p:sp>
@@ -5444,12 +9786,148 @@
             <p:ph idx="13"/>
           </p:nvPr>
         </p:nvSpPr>
-        <p:spPr/>
+        <p:spPr>
+          <a:xfrm>
+            <a:off x="1293812" y="1143000"/>
+            <a:ext cx="10287000" cy="4495800"/>
+          </a:xfrm>
+        </p:spPr>
         <p:txBody>
-          <a:bodyPr/>
+          <a:bodyPr>
+            <a:normAutofit/>
+          </a:bodyPr>
           <a:lstStyle/>
           <a:p>
-            <a:endParaRPr lang="en-US"/>
+            <a:r>
+              <a:rPr lang="en-US" dirty="0"/>
+              <a:t>Examine sales performance of all product lines</a:t>
+            </a:r>
+          </a:p>
+          <a:p>
+            <a:r>
+              <a:rPr lang="en-US" dirty="0"/>
+              <a:t>Examine role of supplier location on sales by region</a:t>
+            </a:r>
+          </a:p>
+          <a:p>
+            <a:r>
+              <a:rPr lang="en-US" dirty="0"/>
+              <a:t>Examine whether shipping costs influences customer spending</a:t>
+            </a:r>
+          </a:p>
+          <a:p>
+            <a:r>
+              <a:rPr lang="en-US" dirty="0"/>
+              <a:t>Improve data collection by including new variables.</a:t>
+            </a:r>
+          </a:p>
+          <a:p>
+            <a:pPr lvl="1"/>
+            <a:r>
+              <a:rPr lang="en-US" dirty="0"/>
+              <a:t>Potentially informative variables include </a:t>
+            </a:r>
+            <a:r>
+              <a:rPr lang="en-US" i="1" dirty="0" err="1"/>
+              <a:t>ProductWeight</a:t>
+            </a:r>
+            <a:r>
+              <a:rPr lang="en-US" dirty="0"/>
+              <a:t>, </a:t>
+            </a:r>
+            <a:r>
+              <a:rPr lang="en-US" i="1" dirty="0" err="1"/>
+              <a:t>ProductDimensions</a:t>
+            </a:r>
+            <a:r>
+              <a:rPr lang="en-US" dirty="0"/>
+              <a:t>, and </a:t>
+            </a:r>
+            <a:r>
+              <a:rPr lang="en-US" i="1" dirty="0" err="1"/>
+              <a:t>WholesalePrice</a:t>
+            </a:r>
+            <a:r>
+              <a:rPr lang="en-US" dirty="0"/>
+              <a:t> (assuming that </a:t>
+            </a:r>
+            <a:r>
+              <a:rPr lang="en-US" i="1" dirty="0" err="1"/>
+              <a:t>UnitPrice</a:t>
+            </a:r>
+            <a:r>
+              <a:rPr lang="en-US" dirty="0"/>
+              <a:t> refers to the customer price). </a:t>
+            </a:r>
+          </a:p>
+          <a:p>
+            <a:pPr lvl="1"/>
+            <a:r>
+              <a:rPr lang="en-US" dirty="0"/>
+              <a:t>These three additional variables would enable a wide range of analyses </a:t>
+            </a:r>
+            <a:r>
+              <a:rPr lang="en-US"/>
+              <a:t>regarding profitability </a:t>
+            </a:r>
+            <a:r>
+              <a:rPr lang="en-US" dirty="0"/>
+              <a:t>and how the choice of shipping company impacts sales and profit (especially if information can be gained on how shipping companies determine their rates). </a:t>
+            </a:r>
+          </a:p>
+        </p:txBody>
+      </p:sp>
+      <p:sp>
+        <p:nvSpPr>
+          <p:cNvPr id="4" name="Title 1">
+            <a:extLst>
+              <a:ext uri="{FF2B5EF4-FFF2-40B4-BE49-F238E27FC236}">
+                <a16:creationId xmlns:a16="http://schemas.microsoft.com/office/drawing/2014/main" id="{031A5BF1-0D58-4C97-BCB8-BF7D5320B253}"/>
+              </a:ext>
+            </a:extLst>
+          </p:cNvPr>
+          <p:cNvSpPr txBox="1">
+            <a:spLocks/>
+          </p:cNvSpPr>
+          <p:nvPr/>
+        </p:nvSpPr>
+        <p:spPr>
+          <a:xfrm>
+            <a:off x="608012" y="0"/>
+            <a:ext cx="10971372" cy="1066800"/>
+          </a:xfrm>
+          <a:prstGeom prst="rect">
+            <a:avLst/>
+          </a:prstGeom>
+        </p:spPr>
+        <p:txBody>
+          <a:bodyPr vert="horz" lIns="91440" tIns="45720" rIns="91440" bIns="45720" rtlCol="0" anchor="b">
+            <a:normAutofit/>
+          </a:bodyPr>
+          <a:lstStyle>
+            <a:lvl1pPr algn="l" defTabSz="914400" rtl="0" eaLnBrk="1" latinLnBrk="0" hangingPunct="1">
+              <a:lnSpc>
+                <a:spcPct val="80000"/>
+              </a:lnSpc>
+              <a:spcBef>
+                <a:spcPct val="0"/>
+              </a:spcBef>
+              <a:buNone/>
+              <a:defRPr sz="3600" kern="1200">
+                <a:solidFill>
+                  <a:schemeClr val="tx2"/>
+                </a:solidFill>
+                <a:latin typeface="+mj-lt"/>
+                <a:ea typeface="+mj-ea"/>
+                <a:cs typeface="+mj-cs"/>
+              </a:defRPr>
+            </a:lvl1pPr>
+          </a:lstStyle>
+          <a:p>
+            <a:r>
+              <a:rPr lang="en-US" dirty="0"/>
+              <a:t>Future Investigation</a:t>
+            </a:r>
           </a:p>
         </p:txBody>
       </p:sp>
@@ -5475,6 +9953,861 @@
       </p:transition>
     </mc:Fallback>
   </mc:AlternateContent>
+  <p:timing>
+    <p:tnLst>
+      <p:par>
+        <p:cTn id="1" dur="indefinite" restart="never" nodeType="tmRoot">
+          <p:childTnLst>
+            <p:seq concurrent="1" nextAc="seek">
+              <p:cTn id="2" dur="indefinite" nodeType="mainSeq">
+                <p:childTnLst>
+                  <p:par>
+                    <p:cTn id="3" fill="hold">
+                      <p:stCondLst>
+                        <p:cond delay="indefinite"/>
+                        <p:cond evt="onBegin" delay="0">
+                          <p:tn val="2"/>
+                        </p:cond>
+                      </p:stCondLst>
+                      <p:childTnLst>
+                        <p:par>
+                          <p:cTn id="4" fill="hold">
+                            <p:stCondLst>
+                              <p:cond delay="0"/>
+                            </p:stCondLst>
+                            <p:childTnLst>
+                              <p:par>
+                                <p:cTn id="5" presetID="42" presetClass="entr" presetSubtype="0" fill="hold" grpId="0" nodeType="afterEffect">
+                                  <p:stCondLst>
+                                    <p:cond delay="250"/>
+                                  </p:stCondLst>
+                                  <p:childTnLst>
+                                    <p:set>
+                                      <p:cBhvr>
+                                        <p:cTn id="6" dur="1" fill="hold">
+                                          <p:stCondLst>
+                                            <p:cond delay="0"/>
+                                          </p:stCondLst>
+                                        </p:cTn>
+                                        <p:tgtEl>
+                                          <p:spTgt spid="4"/>
+                                        </p:tgtEl>
+                                        <p:attrNameLst>
+                                          <p:attrName>style.visibility</p:attrName>
+                                        </p:attrNameLst>
+                                      </p:cBhvr>
+                                      <p:to>
+                                        <p:strVal val="visible"/>
+                                      </p:to>
+                                    </p:set>
+                                    <p:animEffect transition="in" filter="fade">
+                                      <p:cBhvr>
+                                        <p:cTn id="7" dur="1000"/>
+                                        <p:tgtEl>
+                                          <p:spTgt spid="4"/>
+                                        </p:tgtEl>
+                                      </p:cBhvr>
+                                    </p:animEffect>
+                                    <p:anim calcmode="lin" valueType="num">
+                                      <p:cBhvr>
+                                        <p:cTn id="8" dur="1000" fill="hold"/>
+                                        <p:tgtEl>
+                                          <p:spTgt spid="4"/>
+                                        </p:tgtEl>
+                                        <p:attrNameLst>
+                                          <p:attrName>ppt_x</p:attrName>
+                                        </p:attrNameLst>
+                                      </p:cBhvr>
+                                      <p:tavLst>
+                                        <p:tav tm="0">
+                                          <p:val>
+                                            <p:strVal val="#ppt_x"/>
+                                          </p:val>
+                                        </p:tav>
+                                        <p:tav tm="100000">
+                                          <p:val>
+                                            <p:strVal val="#ppt_x"/>
+                                          </p:val>
+                                        </p:tav>
+                                      </p:tavLst>
+                                    </p:anim>
+                                    <p:anim calcmode="lin" valueType="num">
+                                      <p:cBhvr>
+                                        <p:cTn id="9" dur="1000" fill="hold"/>
+                                        <p:tgtEl>
+                                          <p:spTgt spid="4"/>
+                                        </p:tgtEl>
+                                        <p:attrNameLst>
+                                          <p:attrName>ppt_y</p:attrName>
+                                        </p:attrNameLst>
+                                      </p:cBhvr>
+                                      <p:tavLst>
+                                        <p:tav tm="0">
+                                          <p:val>
+                                            <p:strVal val="#ppt_y+.1"/>
+                                          </p:val>
+                                        </p:tav>
+                                        <p:tav tm="100000">
+                                          <p:val>
+                                            <p:strVal val="#ppt_y"/>
+                                          </p:val>
+                                        </p:tav>
+                                      </p:tavLst>
+                                    </p:anim>
+                                  </p:childTnLst>
+                                </p:cTn>
+                              </p:par>
+                            </p:childTnLst>
+                          </p:cTn>
+                        </p:par>
+                        <p:par>
+                          <p:cTn id="10" fill="hold">
+                            <p:stCondLst>
+                              <p:cond delay="1250"/>
+                            </p:stCondLst>
+                            <p:childTnLst>
+                              <p:par>
+                                <p:cTn id="11" presetID="42" presetClass="entr" presetSubtype="0" fill="hold" grpId="0" nodeType="afterEffect">
+                                  <p:stCondLst>
+                                    <p:cond delay="500"/>
+                                  </p:stCondLst>
+                                  <p:childTnLst>
+                                    <p:set>
+                                      <p:cBhvr>
+                                        <p:cTn id="12" dur="1" fill="hold">
+                                          <p:stCondLst>
+                                            <p:cond delay="0"/>
+                                          </p:stCondLst>
+                                        </p:cTn>
+                                        <p:tgtEl>
+                                          <p:spTgt spid="3">
+                                            <p:txEl>
+                                              <p:pRg st="0" end="0"/>
+                                            </p:txEl>
+                                          </p:spTgt>
+                                        </p:tgtEl>
+                                        <p:attrNameLst>
+                                          <p:attrName>style.visibility</p:attrName>
+                                        </p:attrNameLst>
+                                      </p:cBhvr>
+                                      <p:to>
+                                        <p:strVal val="visible"/>
+                                      </p:to>
+                                    </p:set>
+                                    <p:animEffect transition="in" filter="fade">
+                                      <p:cBhvr>
+                                        <p:cTn id="13" dur="1000"/>
+                                        <p:tgtEl>
+                                          <p:spTgt spid="3">
+                                            <p:txEl>
+                                              <p:pRg st="0" end="0"/>
+                                            </p:txEl>
+                                          </p:spTgt>
+                                        </p:tgtEl>
+                                      </p:cBhvr>
+                                    </p:animEffect>
+                                    <p:anim calcmode="lin" valueType="num">
+                                      <p:cBhvr>
+                                        <p:cTn id="14" dur="1000" fill="hold"/>
+                                        <p:tgtEl>
+                                          <p:spTgt spid="3">
+                                            <p:txEl>
+                                              <p:pRg st="0" end="0"/>
+                                            </p:txEl>
+                                          </p:spTgt>
+                                        </p:tgtEl>
+                                        <p:attrNameLst>
+                                          <p:attrName>ppt_x</p:attrName>
+                                        </p:attrNameLst>
+                                      </p:cBhvr>
+                                      <p:tavLst>
+                                        <p:tav tm="0">
+                                          <p:val>
+                                            <p:strVal val="#ppt_x"/>
+                                          </p:val>
+                                        </p:tav>
+                                        <p:tav tm="100000">
+                                          <p:val>
+                                            <p:strVal val="#ppt_x"/>
+                                          </p:val>
+                                        </p:tav>
+                                      </p:tavLst>
+                                    </p:anim>
+                                    <p:anim calcmode="lin" valueType="num">
+                                      <p:cBhvr>
+                                        <p:cTn id="15" dur="1000" fill="hold"/>
+                                        <p:tgtEl>
+                                          <p:spTgt spid="3">
+                                            <p:txEl>
+                                              <p:pRg st="0" end="0"/>
+                                            </p:txEl>
+                                          </p:spTgt>
+                                        </p:tgtEl>
+                                        <p:attrNameLst>
+                                          <p:attrName>ppt_y</p:attrName>
+                                        </p:attrNameLst>
+                                      </p:cBhvr>
+                                      <p:tavLst>
+                                        <p:tav tm="0">
+                                          <p:val>
+                                            <p:strVal val="#ppt_y+.1"/>
+                                          </p:val>
+                                        </p:tav>
+                                        <p:tav tm="100000">
+                                          <p:val>
+                                            <p:strVal val="#ppt_y"/>
+                                          </p:val>
+                                        </p:tav>
+                                      </p:tavLst>
+                                    </p:anim>
+                                  </p:childTnLst>
+                                </p:cTn>
+                              </p:par>
+                            </p:childTnLst>
+                          </p:cTn>
+                        </p:par>
+                        <p:par>
+                          <p:cTn id="16" fill="hold">
+                            <p:stCondLst>
+                              <p:cond delay="2750"/>
+                            </p:stCondLst>
+                            <p:childTnLst>
+                              <p:par>
+                                <p:cTn id="17" presetID="42" presetClass="entr" presetSubtype="0" fill="hold" grpId="0" nodeType="afterEffect">
+                                  <p:stCondLst>
+                                    <p:cond delay="500"/>
+                                  </p:stCondLst>
+                                  <p:childTnLst>
+                                    <p:set>
+                                      <p:cBhvr>
+                                        <p:cTn id="18" dur="1" fill="hold">
+                                          <p:stCondLst>
+                                            <p:cond delay="0"/>
+                                          </p:stCondLst>
+                                        </p:cTn>
+                                        <p:tgtEl>
+                                          <p:spTgt spid="3">
+                                            <p:txEl>
+                                              <p:pRg st="1" end="1"/>
+                                            </p:txEl>
+                                          </p:spTgt>
+                                        </p:tgtEl>
+                                        <p:attrNameLst>
+                                          <p:attrName>style.visibility</p:attrName>
+                                        </p:attrNameLst>
+                                      </p:cBhvr>
+                                      <p:to>
+                                        <p:strVal val="visible"/>
+                                      </p:to>
+                                    </p:set>
+                                    <p:animEffect transition="in" filter="fade">
+                                      <p:cBhvr>
+                                        <p:cTn id="19" dur="1000"/>
+                                        <p:tgtEl>
+                                          <p:spTgt spid="3">
+                                            <p:txEl>
+                                              <p:pRg st="1" end="1"/>
+                                            </p:txEl>
+                                          </p:spTgt>
+                                        </p:tgtEl>
+                                      </p:cBhvr>
+                                    </p:animEffect>
+                                    <p:anim calcmode="lin" valueType="num">
+                                      <p:cBhvr>
+                                        <p:cTn id="20" dur="1000" fill="hold"/>
+                                        <p:tgtEl>
+                                          <p:spTgt spid="3">
+                                            <p:txEl>
+                                              <p:pRg st="1" end="1"/>
+                                            </p:txEl>
+                                          </p:spTgt>
+                                        </p:tgtEl>
+                                        <p:attrNameLst>
+                                          <p:attrName>ppt_x</p:attrName>
+                                        </p:attrNameLst>
+                                      </p:cBhvr>
+                                      <p:tavLst>
+                                        <p:tav tm="0">
+                                          <p:val>
+                                            <p:strVal val="#ppt_x"/>
+                                          </p:val>
+                                        </p:tav>
+                                        <p:tav tm="100000">
+                                          <p:val>
+                                            <p:strVal val="#ppt_x"/>
+                                          </p:val>
+                                        </p:tav>
+                                      </p:tavLst>
+                                    </p:anim>
+                                    <p:anim calcmode="lin" valueType="num">
+                                      <p:cBhvr>
+                                        <p:cTn id="21" dur="1000" fill="hold"/>
+                                        <p:tgtEl>
+                                          <p:spTgt spid="3">
+                                            <p:txEl>
+                                              <p:pRg st="1" end="1"/>
+                                            </p:txEl>
+                                          </p:spTgt>
+                                        </p:tgtEl>
+                                        <p:attrNameLst>
+                                          <p:attrName>ppt_y</p:attrName>
+                                        </p:attrNameLst>
+                                      </p:cBhvr>
+                                      <p:tavLst>
+                                        <p:tav tm="0">
+                                          <p:val>
+                                            <p:strVal val="#ppt_y+.1"/>
+                                          </p:val>
+                                        </p:tav>
+                                        <p:tav tm="100000">
+                                          <p:val>
+                                            <p:strVal val="#ppt_y"/>
+                                          </p:val>
+                                        </p:tav>
+                                      </p:tavLst>
+                                    </p:anim>
+                                  </p:childTnLst>
+                                </p:cTn>
+                              </p:par>
+                            </p:childTnLst>
+                          </p:cTn>
+                        </p:par>
+                        <p:par>
+                          <p:cTn id="22" fill="hold">
+                            <p:stCondLst>
+                              <p:cond delay="4250"/>
+                            </p:stCondLst>
+                            <p:childTnLst>
+                              <p:par>
+                                <p:cTn id="23" presetID="42" presetClass="entr" presetSubtype="0" fill="hold" grpId="0" nodeType="afterEffect">
+                                  <p:stCondLst>
+                                    <p:cond delay="500"/>
+                                  </p:stCondLst>
+                                  <p:childTnLst>
+                                    <p:set>
+                                      <p:cBhvr>
+                                        <p:cTn id="24" dur="1" fill="hold">
+                                          <p:stCondLst>
+                                            <p:cond delay="0"/>
+                                          </p:stCondLst>
+                                        </p:cTn>
+                                        <p:tgtEl>
+                                          <p:spTgt spid="3">
+                                            <p:txEl>
+                                              <p:pRg st="2" end="2"/>
+                                            </p:txEl>
+                                          </p:spTgt>
+                                        </p:tgtEl>
+                                        <p:attrNameLst>
+                                          <p:attrName>style.visibility</p:attrName>
+                                        </p:attrNameLst>
+                                      </p:cBhvr>
+                                      <p:to>
+                                        <p:strVal val="visible"/>
+                                      </p:to>
+                                    </p:set>
+                                    <p:animEffect transition="in" filter="fade">
+                                      <p:cBhvr>
+                                        <p:cTn id="25" dur="1000"/>
+                                        <p:tgtEl>
+                                          <p:spTgt spid="3">
+                                            <p:txEl>
+                                              <p:pRg st="2" end="2"/>
+                                            </p:txEl>
+                                          </p:spTgt>
+                                        </p:tgtEl>
+                                      </p:cBhvr>
+                                    </p:animEffect>
+                                    <p:anim calcmode="lin" valueType="num">
+                                      <p:cBhvr>
+                                        <p:cTn id="26" dur="1000" fill="hold"/>
+                                        <p:tgtEl>
+                                          <p:spTgt spid="3">
+                                            <p:txEl>
+                                              <p:pRg st="2" end="2"/>
+                                            </p:txEl>
+                                          </p:spTgt>
+                                        </p:tgtEl>
+                                        <p:attrNameLst>
+                                          <p:attrName>ppt_x</p:attrName>
+                                        </p:attrNameLst>
+                                      </p:cBhvr>
+                                      <p:tavLst>
+                                        <p:tav tm="0">
+                                          <p:val>
+                                            <p:strVal val="#ppt_x"/>
+                                          </p:val>
+                                        </p:tav>
+                                        <p:tav tm="100000">
+                                          <p:val>
+                                            <p:strVal val="#ppt_x"/>
+                                          </p:val>
+                                        </p:tav>
+                                      </p:tavLst>
+                                    </p:anim>
+                                    <p:anim calcmode="lin" valueType="num">
+                                      <p:cBhvr>
+                                        <p:cTn id="27" dur="1000" fill="hold"/>
+                                        <p:tgtEl>
+                                          <p:spTgt spid="3">
+                                            <p:txEl>
+                                              <p:pRg st="2" end="2"/>
+                                            </p:txEl>
+                                          </p:spTgt>
+                                        </p:tgtEl>
+                                        <p:attrNameLst>
+                                          <p:attrName>ppt_y</p:attrName>
+                                        </p:attrNameLst>
+                                      </p:cBhvr>
+                                      <p:tavLst>
+                                        <p:tav tm="0">
+                                          <p:val>
+                                            <p:strVal val="#ppt_y+.1"/>
+                                          </p:val>
+                                        </p:tav>
+                                        <p:tav tm="100000">
+                                          <p:val>
+                                            <p:strVal val="#ppt_y"/>
+                                          </p:val>
+                                        </p:tav>
+                                      </p:tavLst>
+                                    </p:anim>
+                                  </p:childTnLst>
+                                </p:cTn>
+                              </p:par>
+                            </p:childTnLst>
+                          </p:cTn>
+                        </p:par>
+                        <p:par>
+                          <p:cTn id="28" fill="hold">
+                            <p:stCondLst>
+                              <p:cond delay="5750"/>
+                            </p:stCondLst>
+                            <p:childTnLst>
+                              <p:par>
+                                <p:cTn id="29" presetID="42" presetClass="entr" presetSubtype="0" fill="hold" grpId="0" nodeType="afterEffect">
+                                  <p:stCondLst>
+                                    <p:cond delay="500"/>
+                                  </p:stCondLst>
+                                  <p:childTnLst>
+                                    <p:set>
+                                      <p:cBhvr>
+                                        <p:cTn id="30" dur="1" fill="hold">
+                                          <p:stCondLst>
+                                            <p:cond delay="0"/>
+                                          </p:stCondLst>
+                                        </p:cTn>
+                                        <p:tgtEl>
+                                          <p:spTgt spid="3">
+                                            <p:txEl>
+                                              <p:pRg st="3" end="3"/>
+                                            </p:txEl>
+                                          </p:spTgt>
+                                        </p:tgtEl>
+                                        <p:attrNameLst>
+                                          <p:attrName>style.visibility</p:attrName>
+                                        </p:attrNameLst>
+                                      </p:cBhvr>
+                                      <p:to>
+                                        <p:strVal val="visible"/>
+                                      </p:to>
+                                    </p:set>
+                                    <p:animEffect transition="in" filter="fade">
+                                      <p:cBhvr>
+                                        <p:cTn id="31" dur="1000"/>
+                                        <p:tgtEl>
+                                          <p:spTgt spid="3">
+                                            <p:txEl>
+                                              <p:pRg st="3" end="3"/>
+                                            </p:txEl>
+                                          </p:spTgt>
+                                        </p:tgtEl>
+                                      </p:cBhvr>
+                                    </p:animEffect>
+                                    <p:anim calcmode="lin" valueType="num">
+                                      <p:cBhvr>
+                                        <p:cTn id="32" dur="1000" fill="hold"/>
+                                        <p:tgtEl>
+                                          <p:spTgt spid="3">
+                                            <p:txEl>
+                                              <p:pRg st="3" end="3"/>
+                                            </p:txEl>
+                                          </p:spTgt>
+                                        </p:tgtEl>
+                                        <p:attrNameLst>
+                                          <p:attrName>ppt_x</p:attrName>
+                                        </p:attrNameLst>
+                                      </p:cBhvr>
+                                      <p:tavLst>
+                                        <p:tav tm="0">
+                                          <p:val>
+                                            <p:strVal val="#ppt_x"/>
+                                          </p:val>
+                                        </p:tav>
+                                        <p:tav tm="100000">
+                                          <p:val>
+                                            <p:strVal val="#ppt_x"/>
+                                          </p:val>
+                                        </p:tav>
+                                      </p:tavLst>
+                                    </p:anim>
+                                    <p:anim calcmode="lin" valueType="num">
+                                      <p:cBhvr>
+                                        <p:cTn id="33" dur="1000" fill="hold"/>
+                                        <p:tgtEl>
+                                          <p:spTgt spid="3">
+                                            <p:txEl>
+                                              <p:pRg st="3" end="3"/>
+                                            </p:txEl>
+                                          </p:spTgt>
+                                        </p:tgtEl>
+                                        <p:attrNameLst>
+                                          <p:attrName>ppt_y</p:attrName>
+                                        </p:attrNameLst>
+                                      </p:cBhvr>
+                                      <p:tavLst>
+                                        <p:tav tm="0">
+                                          <p:val>
+                                            <p:strVal val="#ppt_y+.1"/>
+                                          </p:val>
+                                        </p:tav>
+                                        <p:tav tm="100000">
+                                          <p:val>
+                                            <p:strVal val="#ppt_y"/>
+                                          </p:val>
+                                        </p:tav>
+                                      </p:tavLst>
+                                    </p:anim>
+                                  </p:childTnLst>
+                                </p:cTn>
+                              </p:par>
+                            </p:childTnLst>
+                          </p:cTn>
+                        </p:par>
+                        <p:par>
+                          <p:cTn id="34" fill="hold">
+                            <p:stCondLst>
+                              <p:cond delay="7250"/>
+                            </p:stCondLst>
+                            <p:childTnLst>
+                              <p:par>
+                                <p:cTn id="35" presetID="42" presetClass="entr" presetSubtype="0" fill="hold" grpId="0" nodeType="afterEffect">
+                                  <p:stCondLst>
+                                    <p:cond delay="500"/>
+                                  </p:stCondLst>
+                                  <p:childTnLst>
+                                    <p:set>
+                                      <p:cBhvr>
+                                        <p:cTn id="36" dur="1" fill="hold">
+                                          <p:stCondLst>
+                                            <p:cond delay="0"/>
+                                          </p:stCondLst>
+                                        </p:cTn>
+                                        <p:tgtEl>
+                                          <p:spTgt spid="3">
+                                            <p:txEl>
+                                              <p:pRg st="4" end="4"/>
+                                            </p:txEl>
+                                          </p:spTgt>
+                                        </p:tgtEl>
+                                        <p:attrNameLst>
+                                          <p:attrName>style.visibility</p:attrName>
+                                        </p:attrNameLst>
+                                      </p:cBhvr>
+                                      <p:to>
+                                        <p:strVal val="visible"/>
+                                      </p:to>
+                                    </p:set>
+                                    <p:animEffect transition="in" filter="fade">
+                                      <p:cBhvr>
+                                        <p:cTn id="37" dur="1000"/>
+                                        <p:tgtEl>
+                                          <p:spTgt spid="3">
+                                            <p:txEl>
+                                              <p:pRg st="4" end="4"/>
+                                            </p:txEl>
+                                          </p:spTgt>
+                                        </p:tgtEl>
+                                      </p:cBhvr>
+                                    </p:animEffect>
+                                    <p:anim calcmode="lin" valueType="num">
+                                      <p:cBhvr>
+                                        <p:cTn id="38" dur="1000" fill="hold"/>
+                                        <p:tgtEl>
+                                          <p:spTgt spid="3">
+                                            <p:txEl>
+                                              <p:pRg st="4" end="4"/>
+                                            </p:txEl>
+                                          </p:spTgt>
+                                        </p:tgtEl>
+                                        <p:attrNameLst>
+                                          <p:attrName>ppt_x</p:attrName>
+                                        </p:attrNameLst>
+                                      </p:cBhvr>
+                                      <p:tavLst>
+                                        <p:tav tm="0">
+                                          <p:val>
+                                            <p:strVal val="#ppt_x"/>
+                                          </p:val>
+                                        </p:tav>
+                                        <p:tav tm="100000">
+                                          <p:val>
+                                            <p:strVal val="#ppt_x"/>
+                                          </p:val>
+                                        </p:tav>
+                                      </p:tavLst>
+                                    </p:anim>
+                                    <p:anim calcmode="lin" valueType="num">
+                                      <p:cBhvr>
+                                        <p:cTn id="39" dur="1000" fill="hold"/>
+                                        <p:tgtEl>
+                                          <p:spTgt spid="3">
+                                            <p:txEl>
+                                              <p:pRg st="4" end="4"/>
+                                            </p:txEl>
+                                          </p:spTgt>
+                                        </p:tgtEl>
+                                        <p:attrNameLst>
+                                          <p:attrName>ppt_y</p:attrName>
+                                        </p:attrNameLst>
+                                      </p:cBhvr>
+                                      <p:tavLst>
+                                        <p:tav tm="0">
+                                          <p:val>
+                                            <p:strVal val="#ppt_y+.1"/>
+                                          </p:val>
+                                        </p:tav>
+                                        <p:tav tm="100000">
+                                          <p:val>
+                                            <p:strVal val="#ppt_y"/>
+                                          </p:val>
+                                        </p:tav>
+                                      </p:tavLst>
+                                    </p:anim>
+                                  </p:childTnLst>
+                                </p:cTn>
+                              </p:par>
+                            </p:childTnLst>
+                          </p:cTn>
+                        </p:par>
+                        <p:par>
+                          <p:cTn id="40" fill="hold">
+                            <p:stCondLst>
+                              <p:cond delay="8750"/>
+                            </p:stCondLst>
+                            <p:childTnLst>
+                              <p:par>
+                                <p:cTn id="41" presetID="42" presetClass="entr" presetSubtype="0" fill="hold" grpId="0" nodeType="afterEffect">
+                                  <p:stCondLst>
+                                    <p:cond delay="500"/>
+                                  </p:stCondLst>
+                                  <p:childTnLst>
+                                    <p:set>
+                                      <p:cBhvr>
+                                        <p:cTn id="42" dur="1" fill="hold">
+                                          <p:stCondLst>
+                                            <p:cond delay="0"/>
+                                          </p:stCondLst>
+                                        </p:cTn>
+                                        <p:tgtEl>
+                                          <p:spTgt spid="3">
+                                            <p:txEl>
+                                              <p:pRg st="5" end="5"/>
+                                            </p:txEl>
+                                          </p:spTgt>
+                                        </p:tgtEl>
+                                        <p:attrNameLst>
+                                          <p:attrName>style.visibility</p:attrName>
+                                        </p:attrNameLst>
+                                      </p:cBhvr>
+                                      <p:to>
+                                        <p:strVal val="visible"/>
+                                      </p:to>
+                                    </p:set>
+                                    <p:animEffect transition="in" filter="fade">
+                                      <p:cBhvr>
+                                        <p:cTn id="43" dur="1000"/>
+                                        <p:tgtEl>
+                                          <p:spTgt spid="3">
+                                            <p:txEl>
+                                              <p:pRg st="5" end="5"/>
+                                            </p:txEl>
+                                          </p:spTgt>
+                                        </p:tgtEl>
+                                      </p:cBhvr>
+                                    </p:animEffect>
+                                    <p:anim calcmode="lin" valueType="num">
+                                      <p:cBhvr>
+                                        <p:cTn id="44" dur="1000" fill="hold"/>
+                                        <p:tgtEl>
+                                          <p:spTgt spid="3">
+                                            <p:txEl>
+                                              <p:pRg st="5" end="5"/>
+                                            </p:txEl>
+                                          </p:spTgt>
+                                        </p:tgtEl>
+                                        <p:attrNameLst>
+                                          <p:attrName>ppt_x</p:attrName>
+                                        </p:attrNameLst>
+                                      </p:cBhvr>
+                                      <p:tavLst>
+                                        <p:tav tm="0">
+                                          <p:val>
+                                            <p:strVal val="#ppt_x"/>
+                                          </p:val>
+                                        </p:tav>
+                                        <p:tav tm="100000">
+                                          <p:val>
+                                            <p:strVal val="#ppt_x"/>
+                                          </p:val>
+                                        </p:tav>
+                                      </p:tavLst>
+                                    </p:anim>
+                                    <p:anim calcmode="lin" valueType="num">
+                                      <p:cBhvr>
+                                        <p:cTn id="45" dur="1000" fill="hold"/>
+                                        <p:tgtEl>
+                                          <p:spTgt spid="3">
+                                            <p:txEl>
+                                              <p:pRg st="5" end="5"/>
+                                            </p:txEl>
+                                          </p:spTgt>
+                                        </p:tgtEl>
+                                        <p:attrNameLst>
+                                          <p:attrName>ppt_y</p:attrName>
+                                        </p:attrNameLst>
+                                      </p:cBhvr>
+                                      <p:tavLst>
+                                        <p:tav tm="0">
+                                          <p:val>
+                                            <p:strVal val="#ppt_y+.1"/>
+                                          </p:val>
+                                        </p:tav>
+                                        <p:tav tm="100000">
+                                          <p:val>
+                                            <p:strVal val="#ppt_y"/>
+                                          </p:val>
+                                        </p:tav>
+                                      </p:tavLst>
+                                    </p:anim>
+                                  </p:childTnLst>
+                                </p:cTn>
+                              </p:par>
+                            </p:childTnLst>
+                          </p:cTn>
+                        </p:par>
+                        <p:par>
+                          <p:cTn id="46" fill="hold">
+                            <p:stCondLst>
+                              <p:cond delay="10250"/>
+                            </p:stCondLst>
+                            <p:childTnLst>
+                              <p:par>
+                                <p:cTn id="47" presetID="2" presetClass="entr" presetSubtype="4" fill="hold" grpId="0" nodeType="afterEffect">
+                                  <p:stCondLst>
+                                    <p:cond delay="2000"/>
+                                  </p:stCondLst>
+                                  <p:childTnLst>
+                                    <p:set>
+                                      <p:cBhvr>
+                                        <p:cTn id="48" dur="1" fill="hold">
+                                          <p:stCondLst>
+                                            <p:cond delay="0"/>
+                                          </p:stCondLst>
+                                        </p:cTn>
+                                        <p:tgtEl>
+                                          <p:spTgt spid="2"/>
+                                        </p:tgtEl>
+                                        <p:attrNameLst>
+                                          <p:attrName>style.visibility</p:attrName>
+                                        </p:attrNameLst>
+                                      </p:cBhvr>
+                                      <p:to>
+                                        <p:strVal val="visible"/>
+                                      </p:to>
+                                    </p:set>
+                                    <p:anim calcmode="lin" valueType="num">
+                                      <p:cBhvr additive="base">
+                                        <p:cTn id="49" dur="1750" fill="hold"/>
+                                        <p:tgtEl>
+                                          <p:spTgt spid="2"/>
+                                        </p:tgtEl>
+                                        <p:attrNameLst>
+                                          <p:attrName>ppt_x</p:attrName>
+                                        </p:attrNameLst>
+                                      </p:cBhvr>
+                                      <p:tavLst>
+                                        <p:tav tm="0">
+                                          <p:val>
+                                            <p:strVal val="#ppt_x"/>
+                                          </p:val>
+                                        </p:tav>
+                                        <p:tav tm="100000">
+                                          <p:val>
+                                            <p:strVal val="#ppt_x"/>
+                                          </p:val>
+                                        </p:tav>
+                                      </p:tavLst>
+                                    </p:anim>
+                                    <p:anim calcmode="lin" valueType="num">
+                                      <p:cBhvr additive="base">
+                                        <p:cTn id="50" dur="1750" fill="hold"/>
+                                        <p:tgtEl>
+                                          <p:spTgt spid="2"/>
+                                        </p:tgtEl>
+                                        <p:attrNameLst>
+                                          <p:attrName>ppt_y</p:attrName>
+                                        </p:attrNameLst>
+                                      </p:cBhvr>
+                                      <p:tavLst>
+                                        <p:tav tm="0">
+                                          <p:val>
+                                            <p:strVal val="1+#ppt_h/2"/>
+                                          </p:val>
+                                        </p:tav>
+                                        <p:tav tm="100000">
+                                          <p:val>
+                                            <p:strVal val="#ppt_y"/>
+                                          </p:val>
+                                        </p:tav>
+                                      </p:tavLst>
+                                    </p:anim>
+                                  </p:childTnLst>
+                                </p:cTn>
+                              </p:par>
+                            </p:childTnLst>
+                          </p:cTn>
+                        </p:par>
+                      </p:childTnLst>
+                    </p:cTn>
+                  </p:par>
+                </p:childTnLst>
+              </p:cTn>
+              <p:prevCondLst>
+                <p:cond evt="onPrev" delay="0">
+                  <p:tgtEl>
+                    <p:sldTgt/>
+                  </p:tgtEl>
+                </p:cond>
+              </p:prevCondLst>
+              <p:nextCondLst>
+                <p:cond evt="onNext" delay="0">
+                  <p:tgtEl>
+                    <p:sldTgt/>
+                  </p:tgtEl>
+                </p:cond>
+              </p:nextCondLst>
+            </p:seq>
+          </p:childTnLst>
+        </p:cTn>
+      </p:par>
+    </p:tnLst>
+    <p:bldLst>
+      <p:bldP spid="2" grpId="0"/>
+      <p:bldP spid="3" grpId="0" uiExpand="1" build="p"/>
+      <p:bldP spid="4" grpId="0"/>
+    </p:bldLst>
+  </p:timing>
 </p:sld>
 </file>
 
